--- a/Case_Presentation_1/ppt/case1_CT_02.pptx
+++ b/Case_Presentation_1/ppt/case1_CT_02.pptx
@@ -5,17 +5,17 @@
     <p:sldMasterId id="2147483648" r:id="rId4"/>
   </p:sldMasterIdLst>
   <p:notesMasterIdLst>
-    <p:notesMasterId r:id="rId30"/>
+    <p:notesMasterId r:id="rId32"/>
   </p:notesMasterIdLst>
   <p:handoutMasterIdLst>
-    <p:handoutMasterId r:id="rId31"/>
+    <p:handoutMasterId r:id="rId33"/>
   </p:handoutMasterIdLst>
   <p:sldIdLst>
     <p:sldId id="262" r:id="rId5"/>
     <p:sldId id="263" r:id="rId6"/>
     <p:sldId id="265" r:id="rId7"/>
     <p:sldId id="275" r:id="rId8"/>
-    <p:sldId id="259" r:id="rId9"/>
+    <p:sldId id="289" r:id="rId9"/>
     <p:sldId id="266" r:id="rId10"/>
     <p:sldId id="276" r:id="rId11"/>
     <p:sldId id="282" r:id="rId12"/>
@@ -23,19 +23,21 @@
     <p:sldId id="277" r:id="rId14"/>
     <p:sldId id="286" r:id="rId15"/>
     <p:sldId id="278" r:id="rId16"/>
-    <p:sldId id="268" r:id="rId17"/>
-    <p:sldId id="279" r:id="rId18"/>
-    <p:sldId id="280" r:id="rId19"/>
-    <p:sldId id="287" r:id="rId20"/>
-    <p:sldId id="288" r:id="rId21"/>
-    <p:sldId id="269" r:id="rId22"/>
-    <p:sldId id="270" r:id="rId23"/>
-    <p:sldId id="284" r:id="rId24"/>
-    <p:sldId id="271" r:id="rId25"/>
-    <p:sldId id="281" r:id="rId26"/>
-    <p:sldId id="285" r:id="rId27"/>
-    <p:sldId id="272" r:id="rId28"/>
-    <p:sldId id="283" r:id="rId29"/>
+    <p:sldId id="290" r:id="rId17"/>
+    <p:sldId id="268" r:id="rId18"/>
+    <p:sldId id="279" r:id="rId19"/>
+    <p:sldId id="280" r:id="rId20"/>
+    <p:sldId id="287" r:id="rId21"/>
+    <p:sldId id="291" r:id="rId22"/>
+    <p:sldId id="288" r:id="rId23"/>
+    <p:sldId id="269" r:id="rId24"/>
+    <p:sldId id="270" r:id="rId25"/>
+    <p:sldId id="284" r:id="rId26"/>
+    <p:sldId id="271" r:id="rId27"/>
+    <p:sldId id="281" r:id="rId28"/>
+    <p:sldId id="285" r:id="rId29"/>
+    <p:sldId id="272" r:id="rId30"/>
+    <p:sldId id="283" r:id="rId31"/>
   </p:sldIdLst>
   <p:sldSz cx="12192000" cy="6858000"/>
   <p:notesSz cx="6858000" cy="9144000"/>
@@ -235,7 +237,7 @@
                 <a:latin typeface="Microsoft JhengHei UI" panose="020B0604030504040204" pitchFamily="34" charset="-120"/>
                 <a:ea typeface="Microsoft JhengHei UI" panose="020B0604030504040204" pitchFamily="34" charset="-120"/>
               </a:rPr>
-              <a:t>2021/10/18</a:t>
+              <a:t>2021/10/19</a:t>
             </a:fld>
             <a:endParaRPr lang="zh-TW" altLang="en-US" dirty="0">
               <a:latin typeface="Microsoft JhengHei UI" panose="020B0604030504040204" pitchFamily="34" charset="-120"/>
@@ -421,7 +423,7 @@
           <a:p>
             <a:fld id="{BBB6D878-1482-46B1-B594-315C7A27685A}" type="datetime1">
               <a:rPr lang="zh-TW" altLang="en-US" noProof="0" smtClean="0"/>
-              <a:t>2021/10/18</a:t>
+              <a:t>2021/10/19</a:t>
             </a:fld>
             <a:endParaRPr lang="zh-TW" altLang="en-US" noProof="0" dirty="0"/>
           </a:p>
@@ -877,7 +879,7 @@
     </p:spTree>
     <p:extLst>
       <p:ext uri="{BB962C8B-B14F-4D97-AF65-F5344CB8AC3E}">
-        <p14:creationId xmlns:p14="http://schemas.microsoft.com/office/powerpoint/2010/main" val="647864458"/>
+        <p14:creationId xmlns:p14="http://schemas.microsoft.com/office/powerpoint/2010/main" val="1026099171"/>
       </p:ext>
     </p:extLst>
   </p:cSld>
@@ -972,7 +974,7 @@
     </p:spTree>
     <p:extLst>
       <p:ext uri="{BB962C8B-B14F-4D97-AF65-F5344CB8AC3E}">
-        <p14:creationId xmlns:p14="http://schemas.microsoft.com/office/powerpoint/2010/main" val="3659706304"/>
+        <p14:creationId xmlns:p14="http://schemas.microsoft.com/office/powerpoint/2010/main" val="647864458"/>
       </p:ext>
     </p:extLst>
   </p:cSld>
@@ -1055,7 +1057,7 @@
                 <a:latin typeface="Microsoft JhengHei UI" panose="020B0604030504040204" pitchFamily="34" charset="-120"/>
                 <a:ea typeface="Microsoft JhengHei UI" panose="020B0604030504040204" pitchFamily="34" charset="-120"/>
               </a:rPr>
-              <a:t>22</a:t>
+              <a:t>17</a:t>
             </a:fld>
             <a:endParaRPr lang="zh-TW" altLang="en-US" dirty="0">
               <a:latin typeface="Microsoft JhengHei UI" panose="020B0604030504040204" pitchFamily="34" charset="-120"/>
@@ -1067,7 +1069,7 @@
     </p:spTree>
     <p:extLst>
       <p:ext uri="{BB962C8B-B14F-4D97-AF65-F5344CB8AC3E}">
-        <p14:creationId xmlns:p14="http://schemas.microsoft.com/office/powerpoint/2010/main" val="179594298"/>
+        <p14:creationId xmlns:p14="http://schemas.microsoft.com/office/powerpoint/2010/main" val="3659706304"/>
       </p:ext>
     </p:extLst>
   </p:cSld>
@@ -1150,7 +1152,7 @@
                 <a:latin typeface="Microsoft JhengHei UI" panose="020B0604030504040204" pitchFamily="34" charset="-120"/>
                 <a:ea typeface="Microsoft JhengHei UI" panose="020B0604030504040204" pitchFamily="34" charset="-120"/>
               </a:rPr>
-              <a:t>23</a:t>
+              <a:t>18</a:t>
             </a:fld>
             <a:endParaRPr lang="zh-TW" altLang="en-US" dirty="0">
               <a:latin typeface="Microsoft JhengHei UI" panose="020B0604030504040204" pitchFamily="34" charset="-120"/>
@@ -1162,7 +1164,7 @@
     </p:spTree>
     <p:extLst>
       <p:ext uri="{BB962C8B-B14F-4D97-AF65-F5344CB8AC3E}">
-        <p14:creationId xmlns:p14="http://schemas.microsoft.com/office/powerpoint/2010/main" val="3926475111"/>
+        <p14:creationId xmlns:p14="http://schemas.microsoft.com/office/powerpoint/2010/main" val="880315313"/>
       </p:ext>
     </p:extLst>
   </p:cSld>
@@ -1173,6 +1175,132 @@
 </file>
 
 <file path=ppt/notesSlides/notesSlide14.xml><?xml version="1.0" encoding="utf-8"?>
+<p:notes xmlns:a="http://schemas.openxmlformats.org/drawingml/2006/main" xmlns:r="http://schemas.openxmlformats.org/officeDocument/2006/relationships" xmlns:p="http://schemas.openxmlformats.org/presentationml/2006/main">
+  <p:cSld>
+    <p:spTree>
+      <p:nvGrpSpPr>
+        <p:cNvPr id="1" name=""/>
+        <p:cNvGrpSpPr/>
+        <p:nvPr/>
+      </p:nvGrpSpPr>
+      <p:grpSpPr>
+        <a:xfrm>
+          <a:off x="0" y="0"/>
+          <a:ext cx="0" cy="0"/>
+          <a:chOff x="0" y="0"/>
+          <a:chExt cx="0" cy="0"/>
+        </a:xfrm>
+      </p:grpSpPr>
+      <p:sp>
+        <p:nvSpPr>
+          <p:cNvPr id="2" name="投影片圖像版面配置區 1"/>
+          <p:cNvSpPr>
+            <a:spLocks noGrp="1" noRot="1" noChangeAspect="1"/>
+          </p:cNvSpPr>
+          <p:nvPr>
+            <p:ph type="sldImg"/>
+          </p:nvPr>
+        </p:nvSpPr>
+        <p:spPr/>
+      </p:sp>
+      <p:sp>
+        <p:nvSpPr>
+          <p:cNvPr id="3" name="備忘稿版面配置區 2"/>
+          <p:cNvSpPr>
+            <a:spLocks noGrp="1"/>
+          </p:cNvSpPr>
+          <p:nvPr>
+            <p:ph type="body" idx="1"/>
+          </p:nvPr>
+        </p:nvSpPr>
+        <p:spPr/>
+        <p:txBody>
+          <a:bodyPr/>
+          <a:lstStyle/>
+          <a:p>
+            <a:r>
+              <a:rPr lang="zh-TW" altLang="en-US" dirty="0" smtClean="0"/>
+              <a:t>結論</a:t>
+            </a:r>
+            <a:endParaRPr lang="en-US" altLang="zh-TW" dirty="0" smtClean="0"/>
+          </a:p>
+          <a:p>
+            <a:r>
+              <a:rPr lang="en-US" altLang="zh-TW" dirty="0" err="1" smtClean="0"/>
+              <a:t>Overfiting</a:t>
+            </a:r>
+            <a:endParaRPr lang="en-US" altLang="zh-TW" dirty="0" smtClean="0"/>
+          </a:p>
+          <a:p>
+            <a:r>
+              <a:rPr lang="zh-TW" altLang="en-US" dirty="0" smtClean="0"/>
+              <a:t>原因</a:t>
+            </a:r>
+            <a:r>
+              <a:rPr lang="en-US" altLang="zh-TW" dirty="0" smtClean="0"/>
+              <a:t>:</a:t>
+            </a:r>
+          </a:p>
+          <a:p>
+            <a:r>
+              <a:rPr lang="zh-TW" altLang="en-US" dirty="0" smtClean="0"/>
+              <a:t>改進</a:t>
+            </a:r>
+            <a:r>
+              <a:rPr lang="en-US" altLang="zh-TW" dirty="0" smtClean="0"/>
+              <a:t>:</a:t>
+            </a:r>
+          </a:p>
+          <a:p>
+            <a:endParaRPr lang="en-US" altLang="zh-TW" dirty="0" smtClean="0"/>
+          </a:p>
+          <a:p>
+            <a:r>
+              <a:rPr lang="zh-TW" altLang="en-US" dirty="0" smtClean="0"/>
+              <a:t>額外嘗試</a:t>
+            </a:r>
+            <a:endParaRPr lang="zh-TW" altLang="en-US" dirty="0"/>
+          </a:p>
+        </p:txBody>
+      </p:sp>
+      <p:sp>
+        <p:nvSpPr>
+          <p:cNvPr id="4" name="投影片編號版面配置區 3"/>
+          <p:cNvSpPr>
+            <a:spLocks noGrp="1"/>
+          </p:cNvSpPr>
+          <p:nvPr>
+            <p:ph type="sldNum" sz="quarter" idx="10"/>
+          </p:nvPr>
+        </p:nvSpPr>
+        <p:spPr/>
+        <p:txBody>
+          <a:bodyPr/>
+          <a:lstStyle/>
+          <a:p>
+            <a:fld id="{017142BC-A7BD-4276-975D-6351998F7C85}" type="slidenum">
+              <a:rPr lang="en-US" altLang="zh-TW" noProof="0" smtClean="0"/>
+              <a:pPr/>
+              <a:t>19</a:t>
+            </a:fld>
+            <a:endParaRPr lang="zh-TW" altLang="en-US" noProof="0" dirty="0"/>
+          </a:p>
+        </p:txBody>
+      </p:sp>
+    </p:spTree>
+    <p:extLst>
+      <p:ext uri="{BB962C8B-B14F-4D97-AF65-F5344CB8AC3E}">
+        <p14:creationId xmlns:p14="http://schemas.microsoft.com/office/powerpoint/2010/main" val="2069607819"/>
+      </p:ext>
+    </p:extLst>
+  </p:cSld>
+  <p:clrMapOvr>
+    <a:masterClrMapping/>
+  </p:clrMapOvr>
+</p:notes>
+</file>
+
+<file path=ppt/notesSlides/notesSlide15.xml><?xml version="1.0" encoding="utf-8"?>
 <p:notes xmlns:a="http://schemas.openxmlformats.org/drawingml/2006/main" xmlns:r="http://schemas.openxmlformats.org/officeDocument/2006/relationships" xmlns:p="http://schemas.openxmlformats.org/presentationml/2006/main">
   <p:cSld>
     <p:spTree>
@@ -1245,7 +1373,197 @@
                 <a:latin typeface="Microsoft JhengHei UI" panose="020B0604030504040204" pitchFamily="34" charset="-120"/>
                 <a:ea typeface="Microsoft JhengHei UI" panose="020B0604030504040204" pitchFamily="34" charset="-120"/>
               </a:rPr>
+              <a:t>24</a:t>
+            </a:fld>
+            <a:endParaRPr lang="zh-TW" altLang="en-US" dirty="0">
+              <a:latin typeface="Microsoft JhengHei UI" panose="020B0604030504040204" pitchFamily="34" charset="-120"/>
+              <a:ea typeface="Microsoft JhengHei UI" panose="020B0604030504040204" pitchFamily="34" charset="-120"/>
+            </a:endParaRPr>
+          </a:p>
+        </p:txBody>
+      </p:sp>
+    </p:spTree>
+    <p:extLst>
+      <p:ext uri="{BB962C8B-B14F-4D97-AF65-F5344CB8AC3E}">
+        <p14:creationId xmlns:p14="http://schemas.microsoft.com/office/powerpoint/2010/main" val="179594298"/>
+      </p:ext>
+    </p:extLst>
+  </p:cSld>
+  <p:clrMapOvr>
+    <a:masterClrMapping/>
+  </p:clrMapOvr>
+</p:notes>
+</file>
+
+<file path=ppt/notesSlides/notesSlide16.xml><?xml version="1.0" encoding="utf-8"?>
+<p:notes xmlns:a="http://schemas.openxmlformats.org/drawingml/2006/main" xmlns:r="http://schemas.openxmlformats.org/officeDocument/2006/relationships" xmlns:p="http://schemas.openxmlformats.org/presentationml/2006/main">
+  <p:cSld>
+    <p:spTree>
+      <p:nvGrpSpPr>
+        <p:cNvPr id="1" name=""/>
+        <p:cNvGrpSpPr/>
+        <p:nvPr/>
+      </p:nvGrpSpPr>
+      <p:grpSpPr>
+        <a:xfrm>
+          <a:off x="0" y="0"/>
+          <a:ext cx="0" cy="0"/>
+          <a:chOff x="0" y="0"/>
+          <a:chExt cx="0" cy="0"/>
+        </a:xfrm>
+      </p:grpSpPr>
+      <p:sp>
+        <p:nvSpPr>
+          <p:cNvPr id="2" name="投影片影像預留位置 1"/>
+          <p:cNvSpPr>
+            <a:spLocks noGrp="1" noRot="1" noChangeAspect="1"/>
+          </p:cNvSpPr>
+          <p:nvPr>
+            <p:ph type="sldImg"/>
+          </p:nvPr>
+        </p:nvSpPr>
+        <p:spPr/>
+      </p:sp>
+      <p:sp>
+        <p:nvSpPr>
+          <p:cNvPr id="3" name="備忘稿預留位置 2"/>
+          <p:cNvSpPr>
+            <a:spLocks noGrp="1"/>
+          </p:cNvSpPr>
+          <p:nvPr>
+            <p:ph type="body" idx="1"/>
+          </p:nvPr>
+        </p:nvSpPr>
+        <p:spPr/>
+        <p:txBody>
+          <a:bodyPr rtlCol="0"/>
+          <a:lstStyle/>
+          <a:p>
+            <a:pPr rtl="0"/>
+            <a:endParaRPr lang="zh-TW" altLang="en-US" dirty="0">
+              <a:latin typeface="Microsoft JhengHei UI" panose="020B0604030504040204" pitchFamily="34" charset="-120"/>
+              <a:ea typeface="Microsoft JhengHei UI" panose="020B0604030504040204" pitchFamily="34" charset="-120"/>
+            </a:endParaRPr>
+          </a:p>
+        </p:txBody>
+      </p:sp>
+      <p:sp>
+        <p:nvSpPr>
+          <p:cNvPr id="4" name="投影片編號預留位置 3"/>
+          <p:cNvSpPr>
+            <a:spLocks noGrp="1"/>
+          </p:cNvSpPr>
+          <p:nvPr>
+            <p:ph type="sldNum" sz="quarter" idx="10"/>
+          </p:nvPr>
+        </p:nvSpPr>
+        <p:spPr/>
+        <p:txBody>
+          <a:bodyPr rtlCol="0"/>
+          <a:lstStyle/>
+          <a:p>
+            <a:pPr rtl="0"/>
+            <a:fld id="{017142BC-A7BD-4276-975D-6351998F7C85}" type="slidenum">
+              <a:rPr lang="en-US" altLang="zh-TW" smtClean="0">
+                <a:latin typeface="Microsoft JhengHei UI" panose="020B0604030504040204" pitchFamily="34" charset="-120"/>
+                <a:ea typeface="Microsoft JhengHei UI" panose="020B0604030504040204" pitchFamily="34" charset="-120"/>
+              </a:rPr>
               <a:t>25</a:t>
+            </a:fld>
+            <a:endParaRPr lang="zh-TW" altLang="en-US" dirty="0">
+              <a:latin typeface="Microsoft JhengHei UI" panose="020B0604030504040204" pitchFamily="34" charset="-120"/>
+              <a:ea typeface="Microsoft JhengHei UI" panose="020B0604030504040204" pitchFamily="34" charset="-120"/>
+            </a:endParaRPr>
+          </a:p>
+        </p:txBody>
+      </p:sp>
+    </p:spTree>
+    <p:extLst>
+      <p:ext uri="{BB962C8B-B14F-4D97-AF65-F5344CB8AC3E}">
+        <p14:creationId xmlns:p14="http://schemas.microsoft.com/office/powerpoint/2010/main" val="3926475111"/>
+      </p:ext>
+    </p:extLst>
+  </p:cSld>
+  <p:clrMapOvr>
+    <a:masterClrMapping/>
+  </p:clrMapOvr>
+</p:notes>
+</file>
+
+<file path=ppt/notesSlides/notesSlide17.xml><?xml version="1.0" encoding="utf-8"?>
+<p:notes xmlns:a="http://schemas.openxmlformats.org/drawingml/2006/main" xmlns:r="http://schemas.openxmlformats.org/officeDocument/2006/relationships" xmlns:p="http://schemas.openxmlformats.org/presentationml/2006/main">
+  <p:cSld>
+    <p:spTree>
+      <p:nvGrpSpPr>
+        <p:cNvPr id="1" name=""/>
+        <p:cNvGrpSpPr/>
+        <p:nvPr/>
+      </p:nvGrpSpPr>
+      <p:grpSpPr>
+        <a:xfrm>
+          <a:off x="0" y="0"/>
+          <a:ext cx="0" cy="0"/>
+          <a:chOff x="0" y="0"/>
+          <a:chExt cx="0" cy="0"/>
+        </a:xfrm>
+      </p:grpSpPr>
+      <p:sp>
+        <p:nvSpPr>
+          <p:cNvPr id="2" name="投影片影像預留位置 1"/>
+          <p:cNvSpPr>
+            <a:spLocks noGrp="1" noRot="1" noChangeAspect="1"/>
+          </p:cNvSpPr>
+          <p:nvPr>
+            <p:ph type="sldImg"/>
+          </p:nvPr>
+        </p:nvSpPr>
+        <p:spPr/>
+      </p:sp>
+      <p:sp>
+        <p:nvSpPr>
+          <p:cNvPr id="3" name="備忘稿預留位置 2"/>
+          <p:cNvSpPr>
+            <a:spLocks noGrp="1"/>
+          </p:cNvSpPr>
+          <p:nvPr>
+            <p:ph type="body" idx="1"/>
+          </p:nvPr>
+        </p:nvSpPr>
+        <p:spPr/>
+        <p:txBody>
+          <a:bodyPr rtlCol="0"/>
+          <a:lstStyle/>
+          <a:p>
+            <a:pPr rtl="0"/>
+            <a:endParaRPr lang="zh-TW" altLang="en-US" dirty="0">
+              <a:latin typeface="Microsoft JhengHei UI" panose="020B0604030504040204" pitchFamily="34" charset="-120"/>
+              <a:ea typeface="Microsoft JhengHei UI" panose="020B0604030504040204" pitchFamily="34" charset="-120"/>
+            </a:endParaRPr>
+          </a:p>
+        </p:txBody>
+      </p:sp>
+      <p:sp>
+        <p:nvSpPr>
+          <p:cNvPr id="4" name="投影片編號預留位置 3"/>
+          <p:cNvSpPr>
+            <a:spLocks noGrp="1"/>
+          </p:cNvSpPr>
+          <p:nvPr>
+            <p:ph type="sldNum" sz="quarter" idx="10"/>
+          </p:nvPr>
+        </p:nvSpPr>
+        <p:spPr/>
+        <p:txBody>
+          <a:bodyPr rtlCol="0"/>
+          <a:lstStyle/>
+          <a:p>
+            <a:pPr rtl="0"/>
+            <a:fld id="{017142BC-A7BD-4276-975D-6351998F7C85}" type="slidenum">
+              <a:rPr lang="en-US" altLang="zh-TW" smtClean="0">
+                <a:latin typeface="Microsoft JhengHei UI" panose="020B0604030504040204" pitchFamily="34" charset="-120"/>
+                <a:ea typeface="Microsoft JhengHei UI" panose="020B0604030504040204" pitchFamily="34" charset="-120"/>
+              </a:rPr>
+              <a:t>27</a:t>
             </a:fld>
             <a:endParaRPr lang="zh-TW" altLang="en-US" dirty="0">
               <a:latin typeface="Microsoft JhengHei UI" panose="020B0604030504040204" pitchFamily="34" charset="-120"/>
@@ -1312,6 +1630,13 @@
           <a:lstStyle/>
           <a:p>
             <a:pPr rtl="0"/>
+            <a:r>
+              <a:rPr lang="zh-TW" altLang="en-US" dirty="0" smtClean="0">
+                <a:latin typeface="Microsoft JhengHei UI" panose="020B0604030504040204" pitchFamily="34" charset="-120"/>
+                <a:ea typeface="Microsoft JhengHei UI" panose="020B0604030504040204" pitchFamily="34" charset="-120"/>
+              </a:rPr>
+              <a:t>資料介紹</a:t>
+            </a:r>
             <a:endParaRPr lang="zh-TW" altLang="en-US" dirty="0">
               <a:latin typeface="Microsoft JhengHei UI" panose="020B0604030504040204" pitchFamily="34" charset="-120"/>
               <a:ea typeface="Microsoft JhengHei UI" panose="020B0604030504040204" pitchFamily="34" charset="-120"/>
@@ -1407,6 +1732,103 @@
           <a:lstStyle/>
           <a:p>
             <a:pPr rtl="0"/>
+            <a:r>
+              <a:rPr lang="zh-TW" altLang="en-US" dirty="0" smtClean="0">
+                <a:latin typeface="Microsoft JhengHei UI" panose="020B0604030504040204" pitchFamily="34" charset="-120"/>
+                <a:ea typeface="Microsoft JhengHei UI" panose="020B0604030504040204" pitchFamily="34" charset="-120"/>
+              </a:rPr>
+              <a:t>資料前處理</a:t>
+            </a:r>
+            <a:endParaRPr lang="en-US" altLang="zh-TW" dirty="0" smtClean="0">
+              <a:latin typeface="Microsoft JhengHei UI" panose="020B0604030504040204" pitchFamily="34" charset="-120"/>
+              <a:ea typeface="Microsoft JhengHei UI" panose="020B0604030504040204" pitchFamily="34" charset="-120"/>
+            </a:endParaRPr>
+          </a:p>
+          <a:p>
+            <a:pPr rtl="0"/>
+            <a:r>
+              <a:rPr lang="en-US" altLang="zh-TW" dirty="0" smtClean="0">
+                <a:latin typeface="Microsoft JhengHei UI" panose="020B0604030504040204" pitchFamily="34" charset="-120"/>
+                <a:ea typeface="Microsoft JhengHei UI" panose="020B0604030504040204" pitchFamily="34" charset="-120"/>
+              </a:rPr>
+              <a:t>W2v</a:t>
+            </a:r>
+          </a:p>
+          <a:p>
+            <a:pPr rtl="0"/>
+            <a:r>
+              <a:rPr lang="zh-TW" altLang="en-US" dirty="0" smtClean="0">
+                <a:latin typeface="Microsoft JhengHei UI" panose="020B0604030504040204" pitchFamily="34" charset="-120"/>
+                <a:ea typeface="Microsoft JhengHei UI" panose="020B0604030504040204" pitchFamily="34" charset="-120"/>
+              </a:rPr>
+              <a:t>方法</a:t>
+            </a:r>
+            <a:r>
+              <a:rPr lang="en-US" altLang="zh-TW" dirty="0" smtClean="0">
+                <a:latin typeface="Microsoft JhengHei UI" panose="020B0604030504040204" pitchFamily="34" charset="-120"/>
+                <a:ea typeface="Microsoft JhengHei UI" panose="020B0604030504040204" pitchFamily="34" charset="-120"/>
+              </a:rPr>
+              <a:t>:</a:t>
+            </a:r>
+            <a:r>
+              <a:rPr lang="zh-TW" altLang="en-US" dirty="0" smtClean="0">
+                <a:latin typeface="Microsoft JhengHei UI" panose="020B0604030504040204" pitchFamily="34" charset="-120"/>
+                <a:ea typeface="Microsoft JhengHei UI" panose="020B0604030504040204" pitchFamily="34" charset="-120"/>
+              </a:rPr>
+              <a:t>統計、</a:t>
+            </a:r>
+            <a:r>
+              <a:rPr lang="en-US" altLang="zh-TW" dirty="0" smtClean="0">
+                <a:latin typeface="Microsoft JhengHei UI" panose="020B0604030504040204" pitchFamily="34" charset="-120"/>
+                <a:ea typeface="Microsoft JhengHei UI" panose="020B0604030504040204" pitchFamily="34" charset="-120"/>
+              </a:rPr>
+              <a:t>ML</a:t>
+            </a:r>
+            <a:r>
+              <a:rPr lang="zh-TW" altLang="en-US" dirty="0" smtClean="0">
+                <a:latin typeface="Microsoft JhengHei UI" panose="020B0604030504040204" pitchFamily="34" charset="-120"/>
+                <a:ea typeface="Microsoft JhengHei UI" panose="020B0604030504040204" pitchFamily="34" charset="-120"/>
+              </a:rPr>
+              <a:t>、</a:t>
+            </a:r>
+            <a:r>
+              <a:rPr lang="en-US" altLang="zh-TW" dirty="0" smtClean="0">
+                <a:latin typeface="Microsoft JhengHei UI" panose="020B0604030504040204" pitchFamily="34" charset="-120"/>
+                <a:ea typeface="Microsoft JhengHei UI" panose="020B0604030504040204" pitchFamily="34" charset="-120"/>
+              </a:rPr>
+              <a:t>DL</a:t>
+            </a:r>
+          </a:p>
+          <a:p>
+            <a:pPr rtl="0"/>
+            <a:r>
+              <a:rPr lang="zh-TW" altLang="en-US" dirty="0" smtClean="0">
+                <a:latin typeface="Microsoft JhengHei UI" panose="020B0604030504040204" pitchFamily="34" charset="-120"/>
+                <a:ea typeface="Microsoft JhengHei UI" panose="020B0604030504040204" pitchFamily="34" charset="-120"/>
+              </a:rPr>
+              <a:t>測試集</a:t>
+            </a:r>
+            <a:r>
+              <a:rPr lang="en-US" altLang="zh-TW" dirty="0" smtClean="0">
+                <a:latin typeface="Microsoft JhengHei UI" panose="020B0604030504040204" pitchFamily="34" charset="-120"/>
+                <a:ea typeface="Microsoft JhengHei UI" panose="020B0604030504040204" pitchFamily="34" charset="-120"/>
+              </a:rPr>
+              <a:t>&amp;</a:t>
+            </a:r>
+            <a:r>
+              <a:rPr lang="en-US" altLang="zh-TW" dirty="0" err="1" smtClean="0">
+                <a:latin typeface="Microsoft JhengHei UI" panose="020B0604030504040204" pitchFamily="34" charset="-120"/>
+                <a:ea typeface="Microsoft JhengHei UI" panose="020B0604030504040204" pitchFamily="34" charset="-120"/>
+              </a:rPr>
+              <a:t>kaggle</a:t>
+            </a:r>
+            <a:r>
+              <a:rPr lang="zh-TW" altLang="en-US" dirty="0" smtClean="0">
+                <a:latin typeface="Microsoft JhengHei UI" panose="020B0604030504040204" pitchFamily="34" charset="-120"/>
+                <a:ea typeface="Microsoft JhengHei UI" panose="020B0604030504040204" pitchFamily="34" charset="-120"/>
+              </a:rPr>
+              <a:t>結果</a:t>
+            </a:r>
             <a:endParaRPr lang="zh-TW" altLang="en-US" dirty="0">
               <a:latin typeface="Microsoft JhengHei UI" panose="020B0604030504040204" pitchFamily="34" charset="-120"/>
               <a:ea typeface="Microsoft JhengHei UI" panose="020B0604030504040204" pitchFamily="34" charset="-120"/>
@@ -1447,7 +1869,7 @@
     </p:spTree>
     <p:extLst>
       <p:ext uri="{BB962C8B-B14F-4D97-AF65-F5344CB8AC3E}">
-        <p14:creationId xmlns:p14="http://schemas.microsoft.com/office/powerpoint/2010/main" val="3923078234"/>
+        <p14:creationId xmlns:p14="http://schemas.microsoft.com/office/powerpoint/2010/main" val="2699254312"/>
       </p:ext>
     </p:extLst>
   </p:cSld>
@@ -1502,7 +1924,70 @@
           <a:lstStyle/>
           <a:p>
             <a:pPr rtl="0"/>
-            <a:endParaRPr lang="zh-TW" altLang="en-US" dirty="0">
+            <a:r>
+              <a:rPr lang="zh-TW" altLang="en-US" dirty="0" smtClean="0">
+                <a:latin typeface="Microsoft JhengHei UI" panose="020B0604030504040204" pitchFamily="34" charset="-120"/>
+                <a:ea typeface="Microsoft JhengHei UI" panose="020B0604030504040204" pitchFamily="34" charset="-120"/>
+              </a:rPr>
+              <a:t>移除標點符號</a:t>
+            </a:r>
+            <a:r>
+              <a:rPr lang="zh-TW" altLang="en-US" dirty="0">
+                <a:latin typeface="Microsoft JhengHei UI" panose="020B0604030504040204" pitchFamily="34" charset="-120"/>
+                <a:ea typeface="Microsoft JhengHei UI" panose="020B0604030504040204" pitchFamily="34" charset="-120"/>
+              </a:rPr>
+              <a:t> </a:t>
+            </a:r>
+            <a:r>
+              <a:rPr lang="zh-TW" altLang="en-US" dirty="0" smtClean="0">
+                <a:latin typeface="Microsoft JhengHei UI" panose="020B0604030504040204" pitchFamily="34" charset="-120"/>
+                <a:ea typeface="Microsoft JhengHei UI" panose="020B0604030504040204" pitchFamily="34" charset="-120"/>
+              </a:rPr>
+              <a:t>數字</a:t>
+            </a:r>
+            <a:endParaRPr lang="en-US" altLang="zh-TW" dirty="0" smtClean="0">
+              <a:latin typeface="Microsoft JhengHei UI" panose="020B0604030504040204" pitchFamily="34" charset="-120"/>
+              <a:ea typeface="Microsoft JhengHei UI" panose="020B0604030504040204" pitchFamily="34" charset="-120"/>
+            </a:endParaRPr>
+          </a:p>
+          <a:p>
+            <a:pPr rtl="0"/>
+            <a:r>
+              <a:rPr lang="zh-TW" altLang="en-US" dirty="0" smtClean="0">
+                <a:latin typeface="Microsoft JhengHei UI" panose="020B0604030504040204" pitchFamily="34" charset="-120"/>
+                <a:ea typeface="Microsoft JhengHei UI" panose="020B0604030504040204" pitchFamily="34" charset="-120"/>
+              </a:rPr>
+              <a:t>斷字</a:t>
+            </a:r>
+            <a:endParaRPr lang="en-US" altLang="zh-TW" dirty="0" smtClean="0">
+              <a:latin typeface="Microsoft JhengHei UI" panose="020B0604030504040204" pitchFamily="34" charset="-120"/>
+              <a:ea typeface="Microsoft JhengHei UI" panose="020B0604030504040204" pitchFamily="34" charset="-120"/>
+            </a:endParaRPr>
+          </a:p>
+          <a:p>
+            <a:pPr rtl="0"/>
+            <a:r>
+              <a:rPr lang="zh-TW" altLang="en-US" dirty="0" smtClean="0">
+                <a:latin typeface="Microsoft JhengHei UI" panose="020B0604030504040204" pitchFamily="34" charset="-120"/>
+                <a:ea typeface="Microsoft JhengHei UI" panose="020B0604030504040204" pitchFamily="34" charset="-120"/>
+              </a:rPr>
+              <a:t>移除停用字</a:t>
+            </a:r>
+            <a:endParaRPr lang="en-US" altLang="zh-TW" dirty="0" smtClean="0">
+              <a:latin typeface="Microsoft JhengHei UI" panose="020B0604030504040204" pitchFamily="34" charset="-120"/>
+              <a:ea typeface="Microsoft JhengHei UI" panose="020B0604030504040204" pitchFamily="34" charset="-120"/>
+            </a:endParaRPr>
+          </a:p>
+          <a:p>
+            <a:pPr rtl="0"/>
+            <a:r>
+              <a:rPr lang="zh-TW" altLang="en-US" dirty="0" smtClean="0">
+                <a:latin typeface="Microsoft JhengHei UI" panose="020B0604030504040204" pitchFamily="34" charset="-120"/>
+                <a:ea typeface="Microsoft JhengHei UI" panose="020B0604030504040204" pitchFamily="34" charset="-120"/>
+              </a:rPr>
+              <a:t>詞性回復</a:t>
+            </a:r>
+            <a:endParaRPr lang="en-US" altLang="zh-TW" dirty="0" smtClean="0">
               <a:latin typeface="Microsoft JhengHei UI" panose="020B0604030504040204" pitchFamily="34" charset="-120"/>
               <a:ea typeface="Microsoft JhengHei UI" panose="020B0604030504040204" pitchFamily="34" charset="-120"/>
             </a:endParaRPr>
@@ -1597,7 +2082,140 @@
           <a:lstStyle/>
           <a:p>
             <a:pPr rtl="0"/>
-            <a:endParaRPr lang="zh-TW" altLang="en-US" dirty="0">
+            <a:r>
+              <a:rPr lang="en-US" altLang="zh-TW" dirty="0" smtClean="0">
+                <a:latin typeface="Microsoft JhengHei UI" panose="020B0604030504040204" pitchFamily="34" charset="-120"/>
+                <a:ea typeface="Microsoft JhengHei UI" panose="020B0604030504040204" pitchFamily="34" charset="-120"/>
+              </a:rPr>
+              <a:t>W2</a:t>
+            </a:r>
+            <a:r>
+              <a:rPr lang="zh-TW" altLang="en-US" dirty="0" smtClean="0">
+                <a:latin typeface="Microsoft JhengHei UI" panose="020B0604030504040204" pitchFamily="34" charset="-120"/>
+                <a:ea typeface="Microsoft JhengHei UI" panose="020B0604030504040204" pitchFamily="34" charset="-120"/>
+              </a:rPr>
+              <a:t>由</a:t>
+            </a:r>
+            <a:r>
+              <a:rPr lang="en-US" altLang="zh-TW" dirty="0" smtClean="0">
+                <a:latin typeface="Microsoft JhengHei UI" panose="020B0604030504040204" pitchFamily="34" charset="-120"/>
+                <a:ea typeface="Microsoft JhengHei UI" panose="020B0604030504040204" pitchFamily="34" charset="-120"/>
+              </a:rPr>
+              <a:t>skip-gram &amp;</a:t>
+            </a:r>
+            <a:r>
+              <a:rPr lang="zh-TW" altLang="en-US" dirty="0" smtClean="0">
+                <a:latin typeface="Microsoft JhengHei UI" panose="020B0604030504040204" pitchFamily="34" charset="-120"/>
+                <a:ea typeface="Microsoft JhengHei UI" panose="020B0604030504040204" pitchFamily="34" charset="-120"/>
+              </a:rPr>
+              <a:t> </a:t>
+            </a:r>
+            <a:r>
+              <a:rPr lang="en-US" altLang="zh-TW" dirty="0" smtClean="0">
+                <a:latin typeface="Microsoft JhengHei UI" panose="020B0604030504040204" pitchFamily="34" charset="-120"/>
+                <a:ea typeface="Microsoft JhengHei UI" panose="020B0604030504040204" pitchFamily="34" charset="-120"/>
+              </a:rPr>
+              <a:t>CBOW</a:t>
+            </a:r>
+            <a:r>
+              <a:rPr lang="zh-TW" altLang="en-US" dirty="0" smtClean="0">
+                <a:latin typeface="Microsoft JhengHei UI" panose="020B0604030504040204" pitchFamily="34" charset="-120"/>
+                <a:ea typeface="Microsoft JhengHei UI" panose="020B0604030504040204" pitchFamily="34" charset="-120"/>
+              </a:rPr>
+              <a:t>組成</a:t>
+            </a:r>
+            <a:endParaRPr lang="en-US" altLang="zh-TW" dirty="0" smtClean="0">
+              <a:latin typeface="Microsoft JhengHei UI" panose="020B0604030504040204" pitchFamily="34" charset="-120"/>
+              <a:ea typeface="Microsoft JhengHei UI" panose="020B0604030504040204" pitchFamily="34" charset="-120"/>
+            </a:endParaRPr>
+          </a:p>
+          <a:p>
+            <a:pPr rtl="0"/>
+            <a:r>
+              <a:rPr lang="en-US" altLang="zh-TW" dirty="0" smtClean="0">
+                <a:latin typeface="Microsoft JhengHei UI" panose="020B0604030504040204" pitchFamily="34" charset="-120"/>
+                <a:ea typeface="Microsoft JhengHei UI" panose="020B0604030504040204" pitchFamily="34" charset="-120"/>
+              </a:rPr>
+              <a:t>Skip-gram</a:t>
+            </a:r>
+            <a:r>
+              <a:rPr lang="zh-TW" altLang="en-US" dirty="0" smtClean="0">
+                <a:latin typeface="Microsoft JhengHei UI" panose="020B0604030504040204" pitchFamily="34" charset="-120"/>
+                <a:ea typeface="Microsoft JhengHei UI" panose="020B0604030504040204" pitchFamily="34" charset="-120"/>
+              </a:rPr>
+              <a:t>考慮一個字詞上下文字出現機率</a:t>
+            </a:r>
+            <a:endParaRPr lang="en-US" altLang="zh-TW" dirty="0" smtClean="0">
+              <a:latin typeface="Microsoft JhengHei UI" panose="020B0604030504040204" pitchFamily="34" charset="-120"/>
+              <a:ea typeface="Microsoft JhengHei UI" panose="020B0604030504040204" pitchFamily="34" charset="-120"/>
+            </a:endParaRPr>
+          </a:p>
+          <a:p>
+            <a:pPr rtl="0"/>
+            <a:r>
+              <a:rPr lang="en-US" altLang="zh-TW" dirty="0" smtClean="0">
+                <a:latin typeface="Microsoft JhengHei UI" panose="020B0604030504040204" pitchFamily="34" charset="-120"/>
+                <a:ea typeface="Microsoft JhengHei UI" panose="020B0604030504040204" pitchFamily="34" charset="-120"/>
+              </a:rPr>
+              <a:t>CBOW</a:t>
+            </a:r>
+            <a:r>
+              <a:rPr lang="zh-TW" altLang="en-US" dirty="0" smtClean="0">
+                <a:latin typeface="Microsoft JhengHei UI" panose="020B0604030504040204" pitchFamily="34" charset="-120"/>
+                <a:ea typeface="Microsoft JhengHei UI" panose="020B0604030504040204" pitchFamily="34" charset="-120"/>
+              </a:rPr>
+              <a:t>考慮上下文後，中間字出現機率</a:t>
+            </a:r>
+            <a:endParaRPr lang="en-US" altLang="zh-TW" dirty="0" smtClean="0">
+              <a:latin typeface="Microsoft JhengHei UI" panose="020B0604030504040204" pitchFamily="34" charset="-120"/>
+              <a:ea typeface="Microsoft JhengHei UI" panose="020B0604030504040204" pitchFamily="34" charset="-120"/>
+            </a:endParaRPr>
+          </a:p>
+          <a:p>
+            <a:pPr rtl="0"/>
+            <a:endParaRPr lang="en-US" altLang="zh-TW" dirty="0" smtClean="0">
+              <a:latin typeface="Microsoft JhengHei UI" panose="020B0604030504040204" pitchFamily="34" charset="-120"/>
+              <a:ea typeface="Microsoft JhengHei UI" panose="020B0604030504040204" pitchFamily="34" charset="-120"/>
+            </a:endParaRPr>
+          </a:p>
+          <a:p>
+            <a:pPr rtl="0"/>
+            <a:r>
+              <a:rPr lang="zh-TW" altLang="en-US" dirty="0" smtClean="0">
+                <a:latin typeface="Microsoft JhengHei UI" panose="020B0604030504040204" pitchFamily="34" charset="-120"/>
+                <a:ea typeface="Microsoft JhengHei UI" panose="020B0604030504040204" pitchFamily="34" charset="-120"/>
+              </a:rPr>
+              <a:t>利用以上演算法得到</a:t>
+            </a:r>
+            <a:r>
+              <a:rPr lang="en-US" altLang="zh-TW" dirty="0" smtClean="0">
+                <a:latin typeface="Microsoft JhengHei UI" panose="020B0604030504040204" pitchFamily="34" charset="-120"/>
+                <a:ea typeface="Microsoft JhengHei UI" panose="020B0604030504040204" pitchFamily="34" charset="-120"/>
+              </a:rPr>
+              <a:t>vector</a:t>
+            </a:r>
+            <a:r>
+              <a:rPr lang="zh-TW" altLang="en-US" dirty="0" smtClean="0">
+                <a:latin typeface="Microsoft JhengHei UI" panose="020B0604030504040204" pitchFamily="34" charset="-120"/>
+                <a:ea typeface="Microsoft JhengHei UI" panose="020B0604030504040204" pitchFamily="34" charset="-120"/>
+              </a:rPr>
+              <a:t>算</a:t>
+            </a:r>
+            <a:r>
+              <a:rPr lang="en-US" altLang="zh-TW" dirty="0" err="1" smtClean="0">
+                <a:latin typeface="Microsoft JhengHei UI" panose="020B0604030504040204" pitchFamily="34" charset="-120"/>
+                <a:ea typeface="Microsoft JhengHei UI" panose="020B0604030504040204" pitchFamily="34" charset="-120"/>
+              </a:rPr>
+              <a:t>cosin</a:t>
+            </a:r>
+            <a:r>
+              <a:rPr lang="zh-TW" altLang="en-US" dirty="0" smtClean="0">
+                <a:latin typeface="Microsoft JhengHei UI" panose="020B0604030504040204" pitchFamily="34" charset="-120"/>
+                <a:ea typeface="Microsoft JhengHei UI" panose="020B0604030504040204" pitchFamily="34" charset="-120"/>
+              </a:rPr>
+              <a:t>角度，即可得知字詞相近程度</a:t>
+            </a:r>
+            <a:endParaRPr lang="en-US" altLang="zh-TW" dirty="0" smtClean="0">
               <a:latin typeface="Microsoft JhengHei UI" panose="020B0604030504040204" pitchFamily="34" charset="-120"/>
               <a:ea typeface="Microsoft JhengHei UI" panose="020B0604030504040204" pitchFamily="34" charset="-120"/>
             </a:endParaRPr>
@@ -1692,6 +2310,79 @@
           <a:lstStyle/>
           <a:p>
             <a:pPr rtl="0"/>
+            <a:r>
+              <a:rPr lang="zh-TW" altLang="en-US" dirty="0" smtClean="0">
+                <a:latin typeface="Microsoft JhengHei UI" panose="020B0604030504040204" pitchFamily="34" charset="-120"/>
+                <a:ea typeface="Microsoft JhengHei UI" panose="020B0604030504040204" pitchFamily="34" charset="-120"/>
+              </a:rPr>
+              <a:t>找到</a:t>
+            </a:r>
+            <a:r>
+              <a:rPr lang="en-US" altLang="zh-TW" sz="1200" dirty="0" smtClean="0">
+                <a:latin typeface="Microsoft JhengHei UI" panose="020B0604030504040204" pitchFamily="34" charset="-120"/>
+                <a:ea typeface="Microsoft JhengHei UI" panose="020B0604030504040204" pitchFamily="34" charset="-120"/>
+              </a:rPr>
+              <a:t>“obesity” and “obese”.</a:t>
+            </a:r>
+            <a:r>
+              <a:rPr lang="zh-TW" altLang="en-US" sz="1200" dirty="0" smtClean="0">
+                <a:latin typeface="Microsoft JhengHei UI" panose="020B0604030504040204" pitchFamily="34" charset="-120"/>
+                <a:ea typeface="Microsoft JhengHei UI" panose="020B0604030504040204" pitchFamily="34" charset="-120"/>
+              </a:rPr>
+              <a:t>相近字 並給權重</a:t>
+            </a:r>
+            <a:endParaRPr lang="en-US" altLang="zh-TW" dirty="0" smtClean="0">
+              <a:latin typeface="Microsoft JhengHei UI" panose="020B0604030504040204" pitchFamily="34" charset="-120"/>
+              <a:ea typeface="Microsoft JhengHei UI" panose="020B0604030504040204" pitchFamily="34" charset="-120"/>
+            </a:endParaRPr>
+          </a:p>
+          <a:p>
+            <a:pPr rtl="0"/>
+            <a:endParaRPr lang="en-US" altLang="zh-TW" dirty="0" smtClean="0">
+              <a:latin typeface="Microsoft JhengHei UI" panose="020B0604030504040204" pitchFamily="34" charset="-120"/>
+              <a:ea typeface="Microsoft JhengHei UI" panose="020B0604030504040204" pitchFamily="34" charset="-120"/>
+            </a:endParaRPr>
+          </a:p>
+          <a:p>
+            <a:pPr rtl="0"/>
+            <a:r>
+              <a:rPr lang="zh-TW" altLang="en-US" dirty="0" smtClean="0">
+                <a:latin typeface="Microsoft JhengHei UI" panose="020B0604030504040204" pitchFamily="34" charset="-120"/>
+                <a:ea typeface="Microsoft JhengHei UI" panose="020B0604030504040204" pitchFamily="34" charset="-120"/>
+              </a:rPr>
+              <a:t>傳統統計方法 </a:t>
+            </a:r>
+            <a:r>
+              <a:rPr lang="en-US" altLang="zh-TW" dirty="0" smtClean="0">
+                <a:latin typeface="Microsoft JhengHei UI" panose="020B0604030504040204" pitchFamily="34" charset="-120"/>
+                <a:ea typeface="Microsoft JhengHei UI" panose="020B0604030504040204" pitchFamily="34" charset="-120"/>
+              </a:rPr>
+              <a:t>:</a:t>
+            </a:r>
+            <a:r>
+              <a:rPr lang="zh-TW" altLang="en-US" dirty="0" smtClean="0">
+                <a:latin typeface="Microsoft JhengHei UI" panose="020B0604030504040204" pitchFamily="34" charset="-120"/>
+                <a:ea typeface="Microsoft JhengHei UI" panose="020B0604030504040204" pitchFamily="34" charset="-120"/>
+              </a:rPr>
+              <a:t> 文章權重計算</a:t>
+            </a:r>
+            <a:endParaRPr lang="en-US" altLang="zh-TW" dirty="0" smtClean="0">
+              <a:latin typeface="Microsoft JhengHei UI" panose="020B0604030504040204" pitchFamily="34" charset="-120"/>
+              <a:ea typeface="Microsoft JhengHei UI" panose="020B0604030504040204" pitchFamily="34" charset="-120"/>
+            </a:endParaRPr>
+          </a:p>
+          <a:p>
+            <a:pPr rtl="0"/>
+            <a:r>
+              <a:rPr lang="en-US" altLang="zh-TW" dirty="0" smtClean="0">
+                <a:latin typeface="Microsoft JhengHei UI" panose="020B0604030504040204" pitchFamily="34" charset="-120"/>
+                <a:ea typeface="Microsoft JhengHei UI" panose="020B0604030504040204" pitchFamily="34" charset="-120"/>
+              </a:rPr>
+              <a:t>&gt;50</a:t>
+            </a:r>
+          </a:p>
+          <a:p>
+            <a:pPr rtl="0"/>
             <a:endParaRPr lang="zh-TW" altLang="en-US" dirty="0">
               <a:latin typeface="Microsoft JhengHei UI" panose="020B0604030504040204" pitchFamily="34" charset="-120"/>
               <a:ea typeface="Microsoft JhengHei UI" panose="020B0604030504040204" pitchFamily="34" charset="-120"/>
@@ -1787,6 +2478,153 @@
           <a:lstStyle/>
           <a:p>
             <a:pPr rtl="0"/>
+            <a:r>
+              <a:rPr lang="zh-TW" altLang="en-US" dirty="0" smtClean="0">
+                <a:latin typeface="Microsoft JhengHei UI" panose="020B0604030504040204" pitchFamily="34" charset="-120"/>
+                <a:ea typeface="Microsoft JhengHei UI" panose="020B0604030504040204" pitchFamily="34" charset="-120"/>
+              </a:rPr>
+              <a:t>機器學習方法</a:t>
+            </a:r>
+            <a:endParaRPr lang="en-US" altLang="zh-TW" dirty="0" smtClean="0">
+              <a:latin typeface="Microsoft JhengHei UI" panose="020B0604030504040204" pitchFamily="34" charset="-120"/>
+              <a:ea typeface="Microsoft JhengHei UI" panose="020B0604030504040204" pitchFamily="34" charset="-120"/>
+            </a:endParaRPr>
+          </a:p>
+          <a:p>
+            <a:pPr rtl="0"/>
+            <a:r>
+              <a:rPr lang="zh-TW" altLang="en-US" dirty="0" smtClean="0">
+                <a:latin typeface="Microsoft JhengHei UI" panose="020B0604030504040204" pitchFamily="34" charset="-120"/>
+                <a:ea typeface="Microsoft JhengHei UI" panose="020B0604030504040204" pitchFamily="34" charset="-120"/>
+              </a:rPr>
+              <a:t>利用</a:t>
+            </a:r>
+            <a:r>
+              <a:rPr lang="en-US" altLang="zh-TW" dirty="0" err="1" smtClean="0">
+                <a:latin typeface="Microsoft JhengHei UI" panose="020B0604030504040204" pitchFamily="34" charset="-120"/>
+                <a:ea typeface="Microsoft JhengHei UI" panose="020B0604030504040204" pitchFamily="34" charset="-120"/>
+              </a:rPr>
+              <a:t>NaiveBayes</a:t>
+            </a:r>
+            <a:r>
+              <a:rPr lang="en-US" altLang="zh-TW" dirty="0" smtClean="0">
+                <a:latin typeface="Microsoft JhengHei UI" panose="020B0604030504040204" pitchFamily="34" charset="-120"/>
+                <a:ea typeface="Microsoft JhengHei UI" panose="020B0604030504040204" pitchFamily="34" charset="-120"/>
+              </a:rPr>
+              <a:t> </a:t>
+            </a:r>
+            <a:r>
+              <a:rPr lang="zh-TW" altLang="en-US" dirty="0" smtClean="0">
+                <a:latin typeface="Microsoft JhengHei UI" panose="020B0604030504040204" pitchFamily="34" charset="-120"/>
+                <a:ea typeface="Microsoft JhengHei UI" panose="020B0604030504040204" pitchFamily="34" charset="-120"/>
+              </a:rPr>
+              <a:t>隨機森林 </a:t>
+            </a:r>
+            <a:r>
+              <a:rPr lang="en-US" altLang="zh-TW" dirty="0" err="1" smtClean="0">
+                <a:latin typeface="Microsoft JhengHei UI" panose="020B0604030504040204" pitchFamily="34" charset="-120"/>
+                <a:ea typeface="Microsoft JhengHei UI" panose="020B0604030504040204" pitchFamily="34" charset="-120"/>
+              </a:rPr>
+              <a:t>Xgboost</a:t>
+            </a:r>
+            <a:r>
+              <a:rPr lang="zh-TW" altLang="en-US" dirty="0" smtClean="0">
+                <a:latin typeface="Microsoft JhengHei UI" panose="020B0604030504040204" pitchFamily="34" charset="-120"/>
+                <a:ea typeface="Microsoft JhengHei UI" panose="020B0604030504040204" pitchFamily="34" charset="-120"/>
+              </a:rPr>
+              <a:t>分類</a:t>
+            </a:r>
+            <a:endParaRPr lang="en-US" altLang="zh-TW" dirty="0" smtClean="0">
+              <a:latin typeface="Microsoft JhengHei UI" panose="020B0604030504040204" pitchFamily="34" charset="-120"/>
+              <a:ea typeface="Microsoft JhengHei UI" panose="020B0604030504040204" pitchFamily="34" charset="-120"/>
+            </a:endParaRPr>
+          </a:p>
+          <a:p>
+            <a:pPr rtl="0"/>
+            <a:endParaRPr lang="en-US" altLang="zh-TW" dirty="0" smtClean="0">
+              <a:latin typeface="Microsoft JhengHei UI" panose="020B0604030504040204" pitchFamily="34" charset="-120"/>
+              <a:ea typeface="Microsoft JhengHei UI" panose="020B0604030504040204" pitchFamily="34" charset="-120"/>
+            </a:endParaRPr>
+          </a:p>
+          <a:p>
+            <a:pPr rtl="0"/>
+            <a:r>
+              <a:rPr lang="zh-TW" altLang="en-US" dirty="0" smtClean="0">
+                <a:latin typeface="Microsoft JhengHei UI" panose="020B0604030504040204" pitchFamily="34" charset="-120"/>
+                <a:ea typeface="Microsoft JhengHei UI" panose="020B0604030504040204" pitchFamily="34" charset="-120"/>
+              </a:rPr>
+              <a:t>每篇文章維度計算</a:t>
+            </a:r>
+            <a:endParaRPr lang="en-US" altLang="zh-TW" dirty="0" smtClean="0">
+              <a:latin typeface="Microsoft JhengHei UI" panose="020B0604030504040204" pitchFamily="34" charset="-120"/>
+              <a:ea typeface="Microsoft JhengHei UI" panose="020B0604030504040204" pitchFamily="34" charset="-120"/>
+            </a:endParaRPr>
+          </a:p>
+          <a:p>
+            <a:pPr rtl="0"/>
+            <a:r>
+              <a:rPr lang="en-US" altLang="zh-TW" dirty="0" smtClean="0">
+                <a:latin typeface="Microsoft JhengHei UI" panose="020B0604030504040204" pitchFamily="34" charset="-120"/>
+                <a:ea typeface="Microsoft JhengHei UI" panose="020B0604030504040204" pitchFamily="34" charset="-120"/>
+              </a:rPr>
+              <a:t>A</a:t>
+            </a:r>
+            <a:r>
+              <a:rPr lang="zh-TW" altLang="en-US" dirty="0" smtClean="0">
+                <a:latin typeface="Microsoft JhengHei UI" panose="020B0604030504040204" pitchFamily="34" charset="-120"/>
+                <a:ea typeface="Microsoft JhengHei UI" panose="020B0604030504040204" pitchFamily="34" charset="-120"/>
+              </a:rPr>
+              <a:t>方法</a:t>
+            </a:r>
+            <a:r>
+              <a:rPr lang="en-US" altLang="zh-TW" dirty="0" smtClean="0">
+                <a:latin typeface="Microsoft JhengHei UI" panose="020B0604030504040204" pitchFamily="34" charset="-120"/>
+                <a:ea typeface="Microsoft JhengHei UI" panose="020B0604030504040204" pitchFamily="34" charset="-120"/>
+              </a:rPr>
+              <a:t>:</a:t>
+            </a:r>
+            <a:r>
+              <a:rPr lang="zh-TW" altLang="en-US" dirty="0" smtClean="0">
+                <a:latin typeface="Microsoft JhengHei UI" panose="020B0604030504040204" pitchFamily="34" charset="-120"/>
+                <a:ea typeface="Microsoft JhengHei UI" panose="020B0604030504040204" pitchFamily="34" charset="-120"/>
+              </a:rPr>
+              <a:t>把每個字維度加起來，取平均</a:t>
+            </a:r>
+            <a:endParaRPr lang="en-US" altLang="zh-TW" dirty="0" smtClean="0">
+              <a:latin typeface="Microsoft JhengHei UI" panose="020B0604030504040204" pitchFamily="34" charset="-120"/>
+              <a:ea typeface="Microsoft JhengHei UI" panose="020B0604030504040204" pitchFamily="34" charset="-120"/>
+            </a:endParaRPr>
+          </a:p>
+          <a:p>
+            <a:pPr rtl="0"/>
+            <a:r>
+              <a:rPr lang="en-US" altLang="zh-TW" dirty="0" smtClean="0">
+                <a:latin typeface="Microsoft JhengHei UI" panose="020B0604030504040204" pitchFamily="34" charset="-120"/>
+                <a:ea typeface="Microsoft JhengHei UI" panose="020B0604030504040204" pitchFamily="34" charset="-120"/>
+              </a:rPr>
+              <a:t>B</a:t>
+            </a:r>
+            <a:r>
+              <a:rPr lang="zh-TW" altLang="en-US" dirty="0" smtClean="0">
+                <a:latin typeface="Microsoft JhengHei UI" panose="020B0604030504040204" pitchFamily="34" charset="-120"/>
+                <a:ea typeface="Microsoft JhengHei UI" panose="020B0604030504040204" pitchFamily="34" charset="-120"/>
+              </a:rPr>
+              <a:t>方法</a:t>
+            </a:r>
+            <a:r>
+              <a:rPr lang="en-US" altLang="zh-TW" dirty="0" smtClean="0">
+                <a:latin typeface="Microsoft JhengHei UI" panose="020B0604030504040204" pitchFamily="34" charset="-120"/>
+                <a:ea typeface="Microsoft JhengHei UI" panose="020B0604030504040204" pitchFamily="34" charset="-120"/>
+              </a:rPr>
+              <a:t>:</a:t>
+            </a:r>
+            <a:r>
+              <a:rPr lang="zh-TW" altLang="en-US" dirty="0" smtClean="0">
+                <a:latin typeface="Microsoft JhengHei UI" panose="020B0604030504040204" pitchFamily="34" charset="-120"/>
+                <a:ea typeface="Microsoft JhengHei UI" panose="020B0604030504040204" pitchFamily="34" charset="-120"/>
+              </a:rPr>
+              <a:t>把每個字*權重的維度加起來，取平均</a:t>
+            </a:r>
             <a:endParaRPr lang="zh-TW" altLang="en-US" dirty="0">
               <a:latin typeface="Microsoft JhengHei UI" panose="020B0604030504040204" pitchFamily="34" charset="-120"/>
               <a:ea typeface="Microsoft JhengHei UI" panose="020B0604030504040204" pitchFamily="34" charset="-120"/>
@@ -1882,6 +2720,130 @@
           <a:lstStyle/>
           <a:p>
             <a:pPr rtl="0"/>
+            <a:r>
+              <a:rPr lang="zh-TW" altLang="en-US" dirty="0" smtClean="0">
+                <a:latin typeface="Microsoft JhengHei UI" panose="020B0604030504040204" pitchFamily="34" charset="-120"/>
+                <a:ea typeface="Microsoft JhengHei UI" panose="020B0604030504040204" pitchFamily="34" charset="-120"/>
+              </a:rPr>
+              <a:t>機器學習方法</a:t>
+            </a:r>
+            <a:endParaRPr lang="en-US" altLang="zh-TW" dirty="0" smtClean="0">
+              <a:latin typeface="Microsoft JhengHei UI" panose="020B0604030504040204" pitchFamily="34" charset="-120"/>
+              <a:ea typeface="Microsoft JhengHei UI" panose="020B0604030504040204" pitchFamily="34" charset="-120"/>
+            </a:endParaRPr>
+          </a:p>
+          <a:p>
+            <a:pPr rtl="0"/>
+            <a:r>
+              <a:rPr lang="zh-TW" altLang="en-US" dirty="0" smtClean="0">
+                <a:latin typeface="Microsoft JhengHei UI" panose="020B0604030504040204" pitchFamily="34" charset="-120"/>
+                <a:ea typeface="Microsoft JhengHei UI" panose="020B0604030504040204" pitchFamily="34" charset="-120"/>
+              </a:rPr>
+              <a:t>利用</a:t>
+            </a:r>
+            <a:r>
+              <a:rPr lang="en-US" altLang="zh-TW" dirty="0" err="1" smtClean="0">
+                <a:latin typeface="Microsoft JhengHei UI" panose="020B0604030504040204" pitchFamily="34" charset="-120"/>
+                <a:ea typeface="Microsoft JhengHei UI" panose="020B0604030504040204" pitchFamily="34" charset="-120"/>
+              </a:rPr>
+              <a:t>NaiveBayes</a:t>
+            </a:r>
+            <a:r>
+              <a:rPr lang="en-US" altLang="zh-TW" dirty="0" smtClean="0">
+                <a:latin typeface="Microsoft JhengHei UI" panose="020B0604030504040204" pitchFamily="34" charset="-120"/>
+                <a:ea typeface="Microsoft JhengHei UI" panose="020B0604030504040204" pitchFamily="34" charset="-120"/>
+              </a:rPr>
+              <a:t> :</a:t>
+            </a:r>
+            <a:r>
+              <a:rPr lang="zh-TW" altLang="en-US" dirty="0" smtClean="0">
+                <a:latin typeface="Microsoft JhengHei UI" panose="020B0604030504040204" pitchFamily="34" charset="-120"/>
+                <a:ea typeface="Microsoft JhengHei UI" panose="020B0604030504040204" pitchFamily="34" charset="-120"/>
+              </a:rPr>
+              <a:t> 假設每個事件獨立，利用條件機率計算，某事件發生機率</a:t>
+            </a:r>
+            <a:endParaRPr lang="en-US" altLang="zh-TW" dirty="0" smtClean="0">
+              <a:latin typeface="Microsoft JhengHei UI" panose="020B0604030504040204" pitchFamily="34" charset="-120"/>
+              <a:ea typeface="Microsoft JhengHei UI" panose="020B0604030504040204" pitchFamily="34" charset="-120"/>
+            </a:endParaRPr>
+          </a:p>
+          <a:p>
+            <a:pPr rtl="0"/>
+            <a:r>
+              <a:rPr lang="zh-TW" altLang="en-US" dirty="0" smtClean="0">
+                <a:latin typeface="Microsoft JhengHei UI" panose="020B0604030504040204" pitchFamily="34" charset="-120"/>
+                <a:ea typeface="Microsoft JhengHei UI" panose="020B0604030504040204" pitchFamily="34" charset="-120"/>
+              </a:rPr>
+              <a:t>隨機森林 </a:t>
+            </a:r>
+            <a:r>
+              <a:rPr lang="en-US" altLang="zh-TW" dirty="0" smtClean="0">
+                <a:latin typeface="Microsoft JhengHei UI" panose="020B0604030504040204" pitchFamily="34" charset="-120"/>
+                <a:ea typeface="Microsoft JhengHei UI" panose="020B0604030504040204" pitchFamily="34" charset="-120"/>
+              </a:rPr>
+              <a:t>:</a:t>
+            </a:r>
+            <a:r>
+              <a:rPr lang="zh-TW" altLang="en-US" dirty="0" smtClean="0">
+                <a:latin typeface="Microsoft JhengHei UI" panose="020B0604030504040204" pitchFamily="34" charset="-120"/>
+                <a:ea typeface="Microsoft JhengHei UI" panose="020B0604030504040204" pitchFamily="34" charset="-120"/>
+              </a:rPr>
+              <a:t> 由很多決策樹組成，最後進行投票</a:t>
+            </a:r>
+            <a:endParaRPr lang="en-US" altLang="zh-TW" dirty="0" smtClean="0">
+              <a:latin typeface="Microsoft JhengHei UI" panose="020B0604030504040204" pitchFamily="34" charset="-120"/>
+              <a:ea typeface="Microsoft JhengHei UI" panose="020B0604030504040204" pitchFamily="34" charset="-120"/>
+            </a:endParaRPr>
+          </a:p>
+          <a:p>
+            <a:pPr rtl="0"/>
+            <a:r>
+              <a:rPr lang="en-US" altLang="zh-TW" dirty="0" err="1" smtClean="0">
+                <a:latin typeface="Microsoft JhengHei UI" panose="020B0604030504040204" pitchFamily="34" charset="-120"/>
+                <a:ea typeface="Microsoft JhengHei UI" panose="020B0604030504040204" pitchFamily="34" charset="-120"/>
+              </a:rPr>
+              <a:t>Xgboost</a:t>
+            </a:r>
+            <a:r>
+              <a:rPr lang="zh-TW" altLang="en-US" dirty="0" smtClean="0">
+                <a:latin typeface="Microsoft JhengHei UI" panose="020B0604030504040204" pitchFamily="34" charset="-120"/>
+                <a:ea typeface="Microsoft JhengHei UI" panose="020B0604030504040204" pitchFamily="34" charset="-120"/>
+              </a:rPr>
+              <a:t> </a:t>
+            </a:r>
+            <a:r>
+              <a:rPr lang="en-US" altLang="zh-TW" dirty="0" smtClean="0">
+                <a:latin typeface="Microsoft JhengHei UI" panose="020B0604030504040204" pitchFamily="34" charset="-120"/>
+                <a:ea typeface="Microsoft JhengHei UI" panose="020B0604030504040204" pitchFamily="34" charset="-120"/>
+              </a:rPr>
+              <a:t>:</a:t>
+            </a:r>
+            <a:r>
+              <a:rPr lang="zh-TW" altLang="en-US" dirty="0" smtClean="0">
+                <a:latin typeface="Microsoft JhengHei UI" panose="020B0604030504040204" pitchFamily="34" charset="-120"/>
+                <a:ea typeface="Microsoft JhengHei UI" panose="020B0604030504040204" pitchFamily="34" charset="-120"/>
+              </a:rPr>
+              <a:t> </a:t>
+            </a:r>
+            <a:r>
+              <a:rPr lang="zh-TW" altLang="en-US" sz="1200" b="0" i="0" kern="1200" dirty="0" smtClean="0">
+                <a:solidFill>
+                  <a:schemeClr val="tx1"/>
+                </a:solidFill>
+                <a:effectLst/>
+                <a:latin typeface="Microsoft JhengHei UI" panose="020B0604030504040204" pitchFamily="34" charset="-120"/>
+                <a:ea typeface="Microsoft JhengHei UI" panose="020B0604030504040204" pitchFamily="34" charset="-120"/>
+                <a:cs typeface="+mn-cs"/>
+              </a:rPr>
+              <a:t>每一次保留原來的模型不變，並且加入一個新的函數至模型中，修正上一棵樹的錯誤，以提升整體的模型</a:t>
+            </a:r>
+            <a:endParaRPr lang="en-US" altLang="zh-TW" dirty="0" smtClean="0">
+              <a:latin typeface="Microsoft JhengHei UI" panose="020B0604030504040204" pitchFamily="34" charset="-120"/>
+              <a:ea typeface="Microsoft JhengHei UI" panose="020B0604030504040204" pitchFamily="34" charset="-120"/>
+            </a:endParaRPr>
+          </a:p>
+          <a:p>
+            <a:pPr rtl="0"/>
             <a:endParaRPr lang="zh-TW" altLang="en-US" dirty="0">
               <a:latin typeface="Microsoft JhengHei UI" panose="020B0604030504040204" pitchFamily="34" charset="-120"/>
               <a:ea typeface="Microsoft JhengHei UI" panose="020B0604030504040204" pitchFamily="34" charset="-120"/>
@@ -1951,7 +2913,7 @@
       </p:grpSpPr>
       <p:sp>
         <p:nvSpPr>
-          <p:cNvPr id="2" name="投影片影像預留位置 1"/>
+          <p:cNvPr id="2" name="投影片圖像版面配置區 1"/>
           <p:cNvSpPr>
             <a:spLocks noGrp="1" noRot="1" noChangeAspect="1"/>
           </p:cNvSpPr>
@@ -1963,7 +2925,7 @@
       </p:sp>
       <p:sp>
         <p:nvSpPr>
-          <p:cNvPr id="3" name="備忘稿預留位置 2"/>
+          <p:cNvPr id="3" name="備忘稿版面配置區 2"/>
           <p:cNvSpPr>
             <a:spLocks noGrp="1"/>
           </p:cNvSpPr>
@@ -1973,20 +2935,81 @@
         </p:nvSpPr>
         <p:spPr/>
         <p:txBody>
-          <a:bodyPr rtlCol="0"/>
+          <a:bodyPr/>
           <a:lstStyle/>
           <a:p>
-            <a:pPr rtl="0"/>
-            <a:endParaRPr lang="zh-TW" altLang="en-US" dirty="0">
-              <a:latin typeface="Microsoft JhengHei UI" panose="020B0604030504040204" pitchFamily="34" charset="-120"/>
-              <a:ea typeface="Microsoft JhengHei UI" panose="020B0604030504040204" pitchFamily="34" charset="-120"/>
-            </a:endParaRPr>
+            <a:r>
+              <a:rPr lang="zh-TW" altLang="en-US" dirty="0" smtClean="0"/>
+              <a:t>深度學習</a:t>
+            </a:r>
+            <a:r>
+              <a:rPr lang="en-US" altLang="zh-TW" dirty="0" smtClean="0"/>
+              <a:t>:</a:t>
+            </a:r>
+          </a:p>
+          <a:p>
+            <a:r>
+              <a:rPr lang="zh-TW" altLang="zh-TW" dirty="0" smtClean="0"/>
+              <a:t>TextCategorizer 使用卷積神經網絡為文檔中的每個</a:t>
+            </a:r>
+            <a:r>
+              <a:rPr lang="zh-TW" altLang="en-US" dirty="0" smtClean="0"/>
+              <a:t>敏感</a:t>
+            </a:r>
+            <a:r>
+              <a:rPr lang="en-US" altLang="zh-TW" dirty="0" smtClean="0"/>
+              <a:t>(</a:t>
+            </a:r>
+            <a:r>
+              <a:rPr lang="zh-TW" altLang="en-US" dirty="0" smtClean="0"/>
+              <a:t>重要</a:t>
+            </a:r>
+            <a:r>
+              <a:rPr lang="en-US" altLang="zh-TW" dirty="0" smtClean="0"/>
+              <a:t>)</a:t>
+            </a:r>
+            <a:r>
+              <a:rPr lang="zh-TW" altLang="zh-TW" dirty="0" smtClean="0"/>
+              <a:t>單詞</a:t>
+            </a:r>
+            <a:r>
+              <a:rPr lang="zh-TW" altLang="en-US" dirty="0" smtClean="0"/>
+              <a:t> 當作 該文章</a:t>
+            </a:r>
+            <a:r>
+              <a:rPr lang="zh-TW" altLang="zh-TW" dirty="0" smtClean="0"/>
+              <a:t>向量。 </a:t>
+            </a:r>
+            <a:endParaRPr lang="en-US" altLang="zh-TW" dirty="0" smtClean="0"/>
+          </a:p>
+          <a:p>
+            <a:r>
+              <a:rPr lang="zh-TW" altLang="zh-TW" dirty="0" smtClean="0"/>
+              <a:t>並使用多層</a:t>
+            </a:r>
+            <a:r>
+              <a:rPr lang="zh-TW" altLang="en-US" dirty="0" smtClean="0"/>
+              <a:t>神經網絡 </a:t>
+            </a:r>
+            <a:r>
+              <a:rPr lang="zh-TW" altLang="zh-TW" dirty="0" smtClean="0"/>
+              <a:t>來預測長度為 nr_class 的輸出向量。每個輸出神經元的值是某個類存在的</a:t>
+            </a:r>
+            <a:r>
+              <a:rPr lang="zh-TW" altLang="en-US" dirty="0" smtClean="0"/>
+              <a:t>機率</a:t>
+            </a:r>
+            <a:r>
+              <a:rPr lang="zh-TW" altLang="zh-TW" dirty="0" smtClean="0"/>
+              <a:t>。</a:t>
+            </a:r>
+            <a:endParaRPr lang="zh-TW" altLang="en-US" dirty="0"/>
           </a:p>
         </p:txBody>
       </p:sp>
       <p:sp>
         <p:nvSpPr>
-          <p:cNvPr id="4" name="投影片編號預留位置 3"/>
+          <p:cNvPr id="4" name="投影片編號版面配置區 3"/>
           <p:cNvSpPr>
             <a:spLocks noGrp="1"/>
           </p:cNvSpPr>
@@ -1996,28 +3019,22 @@
         </p:nvSpPr>
         <p:spPr/>
         <p:txBody>
-          <a:bodyPr rtlCol="0"/>
+          <a:bodyPr/>
           <a:lstStyle/>
           <a:p>
-            <a:pPr rtl="0"/>
             <a:fld id="{017142BC-A7BD-4276-975D-6351998F7C85}" type="slidenum">
-              <a:rPr lang="en-US" altLang="zh-TW" smtClean="0">
-                <a:latin typeface="Microsoft JhengHei UI" panose="020B0604030504040204" pitchFamily="34" charset="-120"/>
-                <a:ea typeface="Microsoft JhengHei UI" panose="020B0604030504040204" pitchFamily="34" charset="-120"/>
-              </a:rPr>
-              <a:t>14</a:t>
+              <a:rPr lang="en-US" altLang="zh-TW" noProof="0" smtClean="0"/>
+              <a:pPr/>
+              <a:t>13</a:t>
             </a:fld>
-            <a:endParaRPr lang="zh-TW" altLang="en-US" dirty="0">
-              <a:latin typeface="Microsoft JhengHei UI" panose="020B0604030504040204" pitchFamily="34" charset="-120"/>
-              <a:ea typeface="Microsoft JhengHei UI" panose="020B0604030504040204" pitchFamily="34" charset="-120"/>
-            </a:endParaRPr>
+            <a:endParaRPr lang="zh-TW" altLang="en-US" noProof="0" dirty="0"/>
           </a:p>
         </p:txBody>
       </p:sp>
     </p:spTree>
     <p:extLst>
       <p:ext uri="{BB962C8B-B14F-4D97-AF65-F5344CB8AC3E}">
-        <p14:creationId xmlns:p14="http://schemas.microsoft.com/office/powerpoint/2010/main" val="1026099171"/>
+        <p14:creationId xmlns:p14="http://schemas.microsoft.com/office/powerpoint/2010/main" val="1217696702"/>
       </p:ext>
     </p:extLst>
   </p:cSld>
@@ -2275,7 +3292,7 @@
             <a:pPr rtl="0"/>
             <a:fld id="{8ED88A50-215E-468E-827C-42AE249A1C51}" type="datetime1">
               <a:rPr lang="zh-TW" altLang="en-US" noProof="0" smtClean="0"/>
-              <a:t>2021/10/18</a:t>
+              <a:t>2021/10/19</a:t>
             </a:fld>
             <a:endParaRPr lang="zh-TW" altLang="en-US" noProof="0" dirty="0"/>
           </a:p>
@@ -2537,7 +3554,7 @@
             <a:pPr rtl="0"/>
             <a:fld id="{D6C9D539-0D53-48B5-9E72-7002309E311F}" type="datetime1">
               <a:rPr lang="zh-TW" altLang="en-US" noProof="0" smtClean="0"/>
-              <a:t>2021/10/18</a:t>
+              <a:t>2021/10/19</a:t>
             </a:fld>
             <a:endParaRPr lang="zh-TW" altLang="en-US" noProof="0" dirty="0"/>
           </a:p>
@@ -2772,7 +3789,7 @@
             <a:pPr rtl="0"/>
             <a:fld id="{48E54D84-2993-4C36-A82E-7B3A7AF31A54}" type="datetime1">
               <a:rPr lang="zh-TW" altLang="en-US" noProof="0" smtClean="0"/>
-              <a:t>2021/10/18</a:t>
+              <a:t>2021/10/19</a:t>
             </a:fld>
             <a:endParaRPr lang="zh-TW" altLang="en-US" noProof="0" dirty="0"/>
           </a:p>
@@ -3012,7 +4029,7 @@
             <a:pPr rtl="0"/>
             <a:fld id="{D73E7FC9-F991-4E60-A471-A91FDB4A45AC}" type="datetime1">
               <a:rPr lang="zh-TW" altLang="en-US" noProof="0" smtClean="0"/>
-              <a:t>2021/10/18</a:t>
+              <a:t>2021/10/19</a:t>
             </a:fld>
             <a:endParaRPr lang="zh-TW" altLang="en-US" noProof="0" dirty="0"/>
           </a:p>
@@ -3319,7 +4336,7 @@
             <a:pPr rtl="0"/>
             <a:fld id="{A4EEDE44-BA41-4E3A-8776-BD0C8196250C}" type="datetime1">
               <a:rPr lang="zh-TW" altLang="en-US" noProof="0" smtClean="0"/>
-              <a:t>2021/10/18</a:t>
+              <a:t>2021/10/19</a:t>
             </a:fld>
             <a:endParaRPr lang="zh-TW" altLang="en-US" noProof="0" dirty="0"/>
           </a:p>
@@ -3621,7 +4638,7 @@
             <a:pPr rtl="0"/>
             <a:fld id="{F4B8659F-CA7A-4C3A-9D10-E5E8E21E48DE}" type="datetime1">
               <a:rPr lang="zh-TW" altLang="en-US" noProof="0" smtClean="0"/>
-              <a:t>2021/10/18</a:t>
+              <a:t>2021/10/19</a:t>
             </a:fld>
             <a:endParaRPr lang="zh-TW" altLang="en-US" noProof="0" dirty="0"/>
           </a:p>
@@ -4043,7 +5060,7 @@
             <a:pPr rtl="0"/>
             <a:fld id="{0C6448A1-7DA6-4094-92A3-B84F1C7DDCB9}" type="datetime1">
               <a:rPr lang="zh-TW" altLang="en-US" noProof="0" smtClean="0"/>
-              <a:t>2021/10/18</a:t>
+              <a:t>2021/10/19</a:t>
             </a:fld>
             <a:endParaRPr lang="zh-TW" altLang="en-US" noProof="0" dirty="0"/>
           </a:p>
@@ -4205,7 +5222,7 @@
             <a:pPr rtl="0"/>
             <a:fld id="{D40C8A5F-0A80-42DD-9603-0B61C4DB190B}" type="datetime1">
               <a:rPr lang="zh-TW" altLang="en-US" noProof="0" smtClean="0"/>
-              <a:t>2021/10/18</a:t>
+              <a:t>2021/10/19</a:t>
             </a:fld>
             <a:endParaRPr lang="zh-TW" altLang="en-US" noProof="0" dirty="0"/>
           </a:p>
@@ -4299,7 +5316,7 @@
             <a:pPr rtl="0"/>
             <a:fld id="{71FAD4C2-D65D-4A0F-A151-0D79808B4228}" type="datetime1">
               <a:rPr lang="zh-TW" altLang="en-US" noProof="0" smtClean="0"/>
-              <a:t>2021/10/18</a:t>
+              <a:t>2021/10/19</a:t>
             </a:fld>
             <a:endParaRPr lang="zh-TW" altLang="en-US" noProof="0" dirty="0"/>
           </a:p>
@@ -4677,7 +5694,7 @@
             <a:pPr rtl="0"/>
             <a:fld id="{6820BF0F-D78A-44A7-BCB4-3FADDF770EE4}" type="datetime1">
               <a:rPr lang="zh-TW" altLang="en-US" noProof="0" smtClean="0"/>
-              <a:t>2021/10/18</a:t>
+              <a:t>2021/10/19</a:t>
             </a:fld>
             <a:endParaRPr lang="zh-TW" altLang="en-US" noProof="0" dirty="0"/>
           </a:p>
@@ -4967,7 +5984,7 @@
             <a:pPr rtl="0"/>
             <a:fld id="{F95A0CF5-590E-40CC-964F-83273B68E425}" type="datetime1">
               <a:rPr lang="zh-TW" altLang="en-US" noProof="0" smtClean="0"/>
-              <a:t>2021/10/18</a:t>
+              <a:t>2021/10/19</a:t>
             </a:fld>
             <a:endParaRPr lang="zh-TW" altLang="en-US" noProof="0" dirty="0"/>
           </a:p>
@@ -5177,7 +6194,7 @@
           <a:p>
             <a:fld id="{7C741ED0-6F00-40F9-AFA4-51A44224A830}" type="datetime1">
               <a:rPr lang="zh-TW" altLang="en-US" noProof="0" smtClean="0"/>
-              <a:t>2021/10/18</a:t>
+              <a:t>2021/10/19</a:t>
             </a:fld>
             <a:endParaRPr lang="zh-TW" altLang="en-US" noProof="0" dirty="0"/>
           </a:p>
@@ -9758,6 +10775,561 @@
             <p:ph type="title"/>
           </p:nvPr>
         </p:nvSpPr>
+        <p:spPr/>
+        <p:txBody>
+          <a:bodyPr/>
+          <a:lstStyle/>
+          <a:p>
+            <a:r>
+              <a:rPr lang="en-US" altLang="zh-TW" dirty="0" smtClean="0">
+                <a:solidFill>
+                  <a:srgbClr val="FFC000"/>
+                </a:solidFill>
+              </a:rPr>
+              <a:t>Deep </a:t>
+            </a:r>
+            <a:r>
+              <a:rPr lang="en-US" altLang="zh-TW" dirty="0">
+                <a:solidFill>
+                  <a:srgbClr val="FFC000"/>
+                </a:solidFill>
+              </a:rPr>
+              <a:t>learning</a:t>
+            </a:r>
+            <a:r>
+              <a:rPr lang="en-US" altLang="zh-TW" dirty="0" smtClean="0"/>
+              <a:t> Spacy.TextRecognizer</a:t>
+            </a:r>
+            <a:endParaRPr lang="zh-TW" altLang="en-US" dirty="0"/>
+          </a:p>
+        </p:txBody>
+      </p:sp>
+      <p:grpSp>
+        <p:nvGrpSpPr>
+          <p:cNvPr id="4" name="群組 3"/>
+          <p:cNvGrpSpPr/>
+          <p:nvPr/>
+        </p:nvGrpSpPr>
+        <p:grpSpPr>
+          <a:xfrm>
+            <a:off x="673151" y="1963732"/>
+            <a:ext cx="1207408" cy="441388"/>
+            <a:chOff x="4192673" y="1618424"/>
+            <a:chExt cx="2365367" cy="441388"/>
+          </a:xfrm>
+        </p:grpSpPr>
+        <p:sp>
+          <p:nvSpPr>
+            <p:cNvPr id="5" name="六邊形 4"/>
+            <p:cNvSpPr/>
+            <p:nvPr/>
+          </p:nvSpPr>
+          <p:spPr>
+            <a:xfrm>
+              <a:off x="4192673" y="1618424"/>
+              <a:ext cx="1946222" cy="441388"/>
+            </a:xfrm>
+            <a:prstGeom prst="hexagon">
+              <a:avLst>
+                <a:gd name="adj" fmla="val 40000"/>
+                <a:gd name="vf" fmla="val 115470"/>
+              </a:avLst>
+            </a:prstGeom>
+          </p:spPr>
+          <p:style>
+            <a:lnRef idx="2">
+              <a:schemeClr val="accent5">
+                <a:shade val="50000"/>
+              </a:schemeClr>
+            </a:lnRef>
+            <a:fillRef idx="1">
+              <a:schemeClr val="accent5"/>
+            </a:fillRef>
+            <a:effectRef idx="0">
+              <a:schemeClr val="accent5"/>
+            </a:effectRef>
+            <a:fontRef idx="minor">
+              <a:schemeClr val="lt1"/>
+            </a:fontRef>
+          </p:style>
+        </p:sp>
+        <p:sp>
+          <p:nvSpPr>
+            <p:cNvPr id="6" name="六邊形 4"/>
+            <p:cNvSpPr txBox="1"/>
+            <p:nvPr/>
+          </p:nvSpPr>
+          <p:spPr>
+            <a:xfrm>
+              <a:off x="4471908" y="1665029"/>
+              <a:ext cx="2086132" cy="348178"/>
+            </a:xfrm>
+            <a:prstGeom prst="rect">
+              <a:avLst/>
+            </a:prstGeom>
+          </p:spPr>
+          <p:style>
+            <a:lnRef idx="0">
+              <a:scrgbClr r="0" g="0" b="0"/>
+            </a:lnRef>
+            <a:fillRef idx="0">
+              <a:scrgbClr r="0" g="0" b="0"/>
+            </a:fillRef>
+            <a:effectRef idx="0">
+              <a:scrgbClr r="0" g="0" b="0"/>
+            </a:effectRef>
+            <a:fontRef idx="minor">
+              <a:schemeClr val="lt1"/>
+            </a:fontRef>
+          </p:style>
+          <p:txBody>
+            <a:bodyPr spcFirstLastPara="0" vert="horz" wrap="square" lIns="121920" tIns="121920" rIns="121920" bIns="121920" numCol="1" spcCol="1270" rtlCol="0" anchor="ctr" anchorCtr="0">
+              <a:noAutofit/>
+            </a:bodyPr>
+            <a:lstStyle/>
+            <a:p>
+              <a:pPr lvl="0" defTabSz="711200">
+                <a:lnSpc>
+                  <a:spcPct val="90000"/>
+                </a:lnSpc>
+                <a:spcBef>
+                  <a:spcPct val="0"/>
+                </a:spcBef>
+                <a:spcAft>
+                  <a:spcPct val="35000"/>
+                </a:spcAft>
+              </a:pPr>
+              <a:r>
+                <a:rPr lang="en-US" sz="1600" kern="1200" noProof="0" dirty="0" smtClean="0">
+                  <a:latin typeface="Microsoft JhengHei UI" panose="020B0604030504040204" pitchFamily="34" charset="-120"/>
+                  <a:ea typeface="Microsoft JhengHei UI" panose="020B0604030504040204" pitchFamily="34" charset="-120"/>
+                </a:rPr>
+                <a:t>W2V</a:t>
+              </a:r>
+              <a:endParaRPr lang="en-US" sz="1600" kern="1200" noProof="0" dirty="0">
+                <a:latin typeface="Microsoft JhengHei UI" panose="020B0604030504040204" pitchFamily="34" charset="-120"/>
+                <a:ea typeface="Microsoft JhengHei UI" panose="020B0604030504040204" pitchFamily="34" charset="-120"/>
+              </a:endParaRPr>
+            </a:p>
+          </p:txBody>
+        </p:sp>
+      </p:grpSp>
+      <p:grpSp>
+        <p:nvGrpSpPr>
+          <p:cNvPr id="7" name="群組 6"/>
+          <p:cNvGrpSpPr/>
+          <p:nvPr/>
+        </p:nvGrpSpPr>
+        <p:grpSpPr>
+          <a:xfrm>
+            <a:off x="673151" y="2830450"/>
+            <a:ext cx="1207408" cy="441388"/>
+            <a:chOff x="4192673" y="1618424"/>
+            <a:chExt cx="2365367" cy="441388"/>
+          </a:xfrm>
+        </p:grpSpPr>
+        <p:sp>
+          <p:nvSpPr>
+            <p:cNvPr id="8" name="六邊形 7"/>
+            <p:cNvSpPr/>
+            <p:nvPr/>
+          </p:nvSpPr>
+          <p:spPr>
+            <a:xfrm>
+              <a:off x="4192673" y="1618424"/>
+              <a:ext cx="1946222" cy="441388"/>
+            </a:xfrm>
+            <a:prstGeom prst="hexagon">
+              <a:avLst>
+                <a:gd name="adj" fmla="val 40000"/>
+                <a:gd name="vf" fmla="val 115470"/>
+              </a:avLst>
+            </a:prstGeom>
+          </p:spPr>
+          <p:style>
+            <a:lnRef idx="2">
+              <a:schemeClr val="accent5">
+                <a:shade val="50000"/>
+              </a:schemeClr>
+            </a:lnRef>
+            <a:fillRef idx="1">
+              <a:schemeClr val="accent5"/>
+            </a:fillRef>
+            <a:effectRef idx="0">
+              <a:schemeClr val="accent5"/>
+            </a:effectRef>
+            <a:fontRef idx="minor">
+              <a:schemeClr val="lt1"/>
+            </a:fontRef>
+          </p:style>
+        </p:sp>
+        <p:sp>
+          <p:nvSpPr>
+            <p:cNvPr id="9" name="六邊形 4"/>
+            <p:cNvSpPr txBox="1"/>
+            <p:nvPr/>
+          </p:nvSpPr>
+          <p:spPr>
+            <a:xfrm>
+              <a:off x="4471908" y="1665029"/>
+              <a:ext cx="2086132" cy="348178"/>
+            </a:xfrm>
+            <a:prstGeom prst="rect">
+              <a:avLst/>
+            </a:prstGeom>
+          </p:spPr>
+          <p:style>
+            <a:lnRef idx="0">
+              <a:scrgbClr r="0" g="0" b="0"/>
+            </a:lnRef>
+            <a:fillRef idx="0">
+              <a:scrgbClr r="0" g="0" b="0"/>
+            </a:fillRef>
+            <a:effectRef idx="0">
+              <a:scrgbClr r="0" g="0" b="0"/>
+            </a:effectRef>
+            <a:fontRef idx="minor">
+              <a:schemeClr val="lt1"/>
+            </a:fontRef>
+          </p:style>
+          <p:txBody>
+            <a:bodyPr spcFirstLastPara="0" vert="horz" wrap="square" lIns="121920" tIns="121920" rIns="121920" bIns="121920" numCol="1" spcCol="1270" rtlCol="0" anchor="ctr" anchorCtr="0">
+              <a:noAutofit/>
+            </a:bodyPr>
+            <a:lstStyle/>
+            <a:p>
+              <a:pPr lvl="0" defTabSz="711200">
+                <a:lnSpc>
+                  <a:spcPct val="90000"/>
+                </a:lnSpc>
+                <a:spcBef>
+                  <a:spcPct val="0"/>
+                </a:spcBef>
+                <a:spcAft>
+                  <a:spcPct val="35000"/>
+                </a:spcAft>
+              </a:pPr>
+              <a:r>
+                <a:rPr lang="en-US" sz="1600" dirty="0" smtClean="0">
+                  <a:latin typeface="Microsoft JhengHei UI" panose="020B0604030504040204" pitchFamily="34" charset="-120"/>
+                  <a:ea typeface="Microsoft JhengHei UI" panose="020B0604030504040204" pitchFamily="34" charset="-120"/>
+                </a:rPr>
+                <a:t>CNN</a:t>
+              </a:r>
+              <a:endParaRPr lang="en-US" sz="1600" kern="1200" noProof="0" dirty="0">
+                <a:latin typeface="Microsoft JhengHei UI" panose="020B0604030504040204" pitchFamily="34" charset="-120"/>
+                <a:ea typeface="Microsoft JhengHei UI" panose="020B0604030504040204" pitchFamily="34" charset="-120"/>
+              </a:endParaRPr>
+            </a:p>
+          </p:txBody>
+        </p:sp>
+      </p:grpSp>
+      <p:sp>
+        <p:nvSpPr>
+          <p:cNvPr id="11" name="矩形 10"/>
+          <p:cNvSpPr/>
+          <p:nvPr/>
+        </p:nvSpPr>
+        <p:spPr>
+          <a:xfrm>
+            <a:off x="809456" y="2415594"/>
+            <a:ext cx="9637221" cy="338554"/>
+          </a:xfrm>
+          <a:prstGeom prst="rect">
+            <a:avLst/>
+          </a:prstGeom>
+        </p:spPr>
+        <p:txBody>
+          <a:bodyPr wrap="square">
+            <a:spAutoFit/>
+          </a:bodyPr>
+          <a:lstStyle/>
+          <a:p>
+            <a:pPr lvl="0"/>
+            <a:r>
+              <a:rPr lang="en-US" altLang="zh-TW" sz="1600" dirty="0" smtClean="0">
+                <a:latin typeface="Microsoft JhengHei UI" panose="020B0604030504040204" pitchFamily="34" charset="-120"/>
+                <a:ea typeface="Microsoft JhengHei UI" panose="020B0604030504040204" pitchFamily="34" charset="-120"/>
+              </a:rPr>
+              <a:t>Same as above </a:t>
+            </a:r>
+            <a:endParaRPr lang="en-US" altLang="zh-TW" sz="1600" dirty="0">
+              <a:latin typeface="Microsoft JhengHei UI" panose="020B0604030504040204" pitchFamily="34" charset="-120"/>
+              <a:ea typeface="Microsoft JhengHei UI" panose="020B0604030504040204" pitchFamily="34" charset="-120"/>
+            </a:endParaRPr>
+          </a:p>
+        </p:txBody>
+      </p:sp>
+      <p:sp>
+        <p:nvSpPr>
+          <p:cNvPr id="12" name="矩形 11"/>
+          <p:cNvSpPr/>
+          <p:nvPr/>
+        </p:nvSpPr>
+        <p:spPr>
+          <a:xfrm>
+            <a:off x="809456" y="3287806"/>
+            <a:ext cx="10801352" cy="1077218"/>
+          </a:xfrm>
+          <a:prstGeom prst="rect">
+            <a:avLst/>
+          </a:prstGeom>
+        </p:spPr>
+        <p:txBody>
+          <a:bodyPr wrap="square">
+            <a:spAutoFit/>
+          </a:bodyPr>
+          <a:lstStyle/>
+          <a:p>
+            <a:pPr lvl="0"/>
+            <a:r>
+              <a:rPr lang="en-US" altLang="zh-TW" sz="1600" dirty="0" smtClean="0">
+                <a:latin typeface="Microsoft JhengHei UI" panose="020B0604030504040204" pitchFamily="34" charset="-120"/>
+                <a:ea typeface="Microsoft JhengHei UI" panose="020B0604030504040204" pitchFamily="34" charset="-120"/>
+              </a:rPr>
+              <a:t>Convolutional </a:t>
+            </a:r>
+            <a:r>
+              <a:rPr lang="en-US" altLang="zh-TW" sz="1600" dirty="0">
+                <a:latin typeface="Microsoft JhengHei UI" panose="020B0604030504040204" pitchFamily="34" charset="-120"/>
+                <a:ea typeface="Microsoft JhengHei UI" panose="020B0604030504040204" pitchFamily="34" charset="-120"/>
+              </a:rPr>
+              <a:t>neural network (CNN, or ConvNet) is a class of artificial neural network, most commonly applied to analyze visual imagery</a:t>
+            </a:r>
+            <a:r>
+              <a:rPr lang="en-US" altLang="zh-TW" sz="1600" dirty="0" smtClean="0">
+                <a:latin typeface="Microsoft JhengHei UI" panose="020B0604030504040204" pitchFamily="34" charset="-120"/>
+                <a:ea typeface="Microsoft JhengHei UI" panose="020B0604030504040204" pitchFamily="34" charset="-120"/>
+              </a:rPr>
+              <a:t>. </a:t>
+            </a:r>
+            <a:r>
+              <a:rPr lang="en-US" altLang="zh-TW" sz="1600" dirty="0">
+                <a:latin typeface="Microsoft JhengHei UI" panose="020B0604030504040204" pitchFamily="34" charset="-120"/>
+                <a:ea typeface="Microsoft JhengHei UI" panose="020B0604030504040204" pitchFamily="34" charset="-120"/>
+              </a:rPr>
+              <a:t>They are also known as shift invariant or space invariant artificial neural networks (SIANN), based on the shared-weight architecture of the convolution kernels or filters that slide along input features and provide translation equivariant responses known as feature maps.</a:t>
+            </a:r>
+          </a:p>
+        </p:txBody>
+      </p:sp>
+      <p:grpSp>
+        <p:nvGrpSpPr>
+          <p:cNvPr id="13" name="群組 12"/>
+          <p:cNvGrpSpPr/>
+          <p:nvPr/>
+        </p:nvGrpSpPr>
+        <p:grpSpPr>
+          <a:xfrm>
+            <a:off x="673151" y="4703515"/>
+            <a:ext cx="2579009" cy="441388"/>
+            <a:chOff x="4192673" y="1618424"/>
+            <a:chExt cx="1946222" cy="441388"/>
+          </a:xfrm>
+        </p:grpSpPr>
+        <p:sp>
+          <p:nvSpPr>
+            <p:cNvPr id="14" name="六邊形 13"/>
+            <p:cNvSpPr/>
+            <p:nvPr/>
+          </p:nvSpPr>
+          <p:spPr>
+            <a:xfrm>
+              <a:off x="4192673" y="1618424"/>
+              <a:ext cx="1946222" cy="441388"/>
+            </a:xfrm>
+            <a:prstGeom prst="hexagon">
+              <a:avLst>
+                <a:gd name="adj" fmla="val 40000"/>
+                <a:gd name="vf" fmla="val 115470"/>
+              </a:avLst>
+            </a:prstGeom>
+          </p:spPr>
+          <p:style>
+            <a:lnRef idx="2">
+              <a:schemeClr val="accent5">
+                <a:shade val="50000"/>
+              </a:schemeClr>
+            </a:lnRef>
+            <a:fillRef idx="1">
+              <a:schemeClr val="accent5"/>
+            </a:fillRef>
+            <a:effectRef idx="0">
+              <a:schemeClr val="accent5"/>
+            </a:effectRef>
+            <a:fontRef idx="minor">
+              <a:schemeClr val="lt1"/>
+            </a:fontRef>
+          </p:style>
+        </p:sp>
+        <p:sp>
+          <p:nvSpPr>
+            <p:cNvPr id="15" name="六邊形 4"/>
+            <p:cNvSpPr txBox="1"/>
+            <p:nvPr/>
+          </p:nvSpPr>
+          <p:spPr>
+            <a:xfrm>
+              <a:off x="4295534" y="1665029"/>
+              <a:ext cx="1843361" cy="348178"/>
+            </a:xfrm>
+            <a:prstGeom prst="rect">
+              <a:avLst/>
+            </a:prstGeom>
+          </p:spPr>
+          <p:style>
+            <a:lnRef idx="0">
+              <a:scrgbClr r="0" g="0" b="0"/>
+            </a:lnRef>
+            <a:fillRef idx="0">
+              <a:scrgbClr r="0" g="0" b="0"/>
+            </a:fillRef>
+            <a:effectRef idx="0">
+              <a:scrgbClr r="0" g="0" b="0"/>
+            </a:effectRef>
+            <a:fontRef idx="minor">
+              <a:schemeClr val="lt1"/>
+            </a:fontRef>
+          </p:style>
+          <p:txBody>
+            <a:bodyPr spcFirstLastPara="0" vert="horz" wrap="square" lIns="121920" tIns="121920" rIns="121920" bIns="121920" numCol="1" spcCol="1270" rtlCol="0" anchor="ctr" anchorCtr="0">
+              <a:noAutofit/>
+            </a:bodyPr>
+            <a:lstStyle/>
+            <a:p>
+              <a:pPr lvl="0" defTabSz="711200">
+                <a:lnSpc>
+                  <a:spcPct val="90000"/>
+                </a:lnSpc>
+                <a:spcBef>
+                  <a:spcPct val="0"/>
+                </a:spcBef>
+                <a:spcAft>
+                  <a:spcPct val="35000"/>
+                </a:spcAft>
+              </a:pPr>
+              <a:r>
+                <a:rPr lang="en-US" sz="1600" noProof="0" dirty="0" smtClean="0">
+                  <a:latin typeface="Microsoft JhengHei UI" panose="020B0604030504040204" pitchFamily="34" charset="-120"/>
+                  <a:ea typeface="Microsoft JhengHei UI" panose="020B0604030504040204" pitchFamily="34" charset="-120"/>
+                </a:rPr>
+                <a:t>Spacy.TextRecognizer</a:t>
+              </a:r>
+              <a:endParaRPr lang="en-US" sz="1600" kern="1200" noProof="0" dirty="0">
+                <a:latin typeface="Microsoft JhengHei UI" panose="020B0604030504040204" pitchFamily="34" charset="-120"/>
+                <a:ea typeface="Microsoft JhengHei UI" panose="020B0604030504040204" pitchFamily="34" charset="-120"/>
+              </a:endParaRPr>
+            </a:p>
+          </p:txBody>
+        </p:sp>
+      </p:grpSp>
+      <p:sp>
+        <p:nvSpPr>
+          <p:cNvPr id="16" name="矩形 15"/>
+          <p:cNvSpPr/>
+          <p:nvPr/>
+        </p:nvSpPr>
+        <p:spPr>
+          <a:xfrm>
+            <a:off x="809455" y="5163095"/>
+            <a:ext cx="11011243" cy="1569660"/>
+          </a:xfrm>
+          <a:prstGeom prst="rect">
+            <a:avLst/>
+          </a:prstGeom>
+        </p:spPr>
+        <p:txBody>
+          <a:bodyPr wrap="square">
+            <a:spAutoFit/>
+          </a:bodyPr>
+          <a:lstStyle/>
+          <a:p>
+            <a:pPr lvl="0"/>
+            <a:r>
+              <a:rPr lang="en-US" altLang="zh-TW" sz="1600" dirty="0">
+                <a:latin typeface="Microsoft JhengHei UI" panose="020B0604030504040204" pitchFamily="34" charset="-120"/>
+                <a:ea typeface="Microsoft JhengHei UI" panose="020B0604030504040204" pitchFamily="34" charset="-120"/>
+              </a:rPr>
+              <a:t>The model supports classification with multiple, non-mutually exclusive labels. </a:t>
+            </a:r>
+            <a:r>
+              <a:rPr lang="en-US" altLang="zh-TW" sz="1600" dirty="0" smtClean="0">
+                <a:latin typeface="Microsoft JhengHei UI" panose="020B0604030504040204" pitchFamily="34" charset="-120"/>
+                <a:ea typeface="Microsoft JhengHei UI" panose="020B0604030504040204" pitchFamily="34" charset="-120"/>
+              </a:rPr>
+              <a:t>By </a:t>
+            </a:r>
+            <a:r>
+              <a:rPr lang="en-US" altLang="zh-TW" sz="1600" dirty="0">
+                <a:latin typeface="Microsoft JhengHei UI" panose="020B0604030504040204" pitchFamily="34" charset="-120"/>
+                <a:ea typeface="Microsoft JhengHei UI" panose="020B0604030504040204" pitchFamily="34" charset="-120"/>
+              </a:rPr>
+              <a:t>default, the TextCategorizer class uses a convolutional neural network to assign position-sensitive vectors to each word in the document. The TextCategorizer uses its own CNN model, to avoid sharing weights with the other pipeline components. The document tensor is then summarized by concatenating max and mean pooling, and a multilayer perceptron is used to predict an output vector of length </a:t>
+            </a:r>
+            <a:r>
+              <a:rPr lang="en-US" altLang="zh-TW" sz="1600" dirty="0" err="1" smtClean="0">
+                <a:latin typeface="Microsoft JhengHei UI" panose="020B0604030504040204" pitchFamily="34" charset="-120"/>
+                <a:ea typeface="Microsoft JhengHei UI" panose="020B0604030504040204" pitchFamily="34" charset="-120"/>
+              </a:rPr>
+              <a:t>nr_class</a:t>
+            </a:r>
+            <a:r>
+              <a:rPr lang="en-US" altLang="zh-TW" sz="1600" dirty="0" smtClean="0">
+                <a:latin typeface="Microsoft JhengHei UI" panose="020B0604030504040204" pitchFamily="34" charset="-120"/>
+                <a:ea typeface="Microsoft JhengHei UI" panose="020B0604030504040204" pitchFamily="34" charset="-120"/>
+              </a:rPr>
+              <a:t>. </a:t>
+            </a:r>
+            <a:r>
+              <a:rPr lang="en-US" altLang="zh-TW" sz="1600" dirty="0">
+                <a:latin typeface="Microsoft JhengHei UI" panose="020B0604030504040204" pitchFamily="34" charset="-120"/>
+                <a:ea typeface="Microsoft JhengHei UI" panose="020B0604030504040204" pitchFamily="34" charset="-120"/>
+              </a:rPr>
+              <a:t>The value of each output neuron is the probability that some class is present.</a:t>
+            </a:r>
+          </a:p>
+        </p:txBody>
+      </p:sp>
+    </p:spTree>
+    <p:extLst>
+      <p:ext uri="{BB962C8B-B14F-4D97-AF65-F5344CB8AC3E}">
+        <p14:creationId xmlns:p14="http://schemas.microsoft.com/office/powerpoint/2010/main" val="718231928"/>
+      </p:ext>
+    </p:extLst>
+  </p:cSld>
+  <p:clrMapOvr>
+    <a:masterClrMapping/>
+  </p:clrMapOvr>
+</p:sld>
+</file>
+
+<file path=ppt/slides/slide14.xml><?xml version="1.0" encoding="utf-8"?>
+<p:sld xmlns:a="http://schemas.openxmlformats.org/drawingml/2006/main" xmlns:r="http://schemas.openxmlformats.org/officeDocument/2006/relationships" xmlns:p="http://schemas.openxmlformats.org/presentationml/2006/main">
+  <p:cSld>
+    <p:spTree>
+      <p:nvGrpSpPr>
+        <p:cNvPr id="1" name=""/>
+        <p:cNvGrpSpPr/>
+        <p:nvPr/>
+      </p:nvGrpSpPr>
+      <p:grpSpPr>
+        <a:xfrm>
+          <a:off x="0" y="0"/>
+          <a:ext cx="0" cy="0"/>
+          <a:chOff x="0" y="0"/>
+          <a:chExt cx="0" cy="0"/>
+        </a:xfrm>
+      </p:grpSpPr>
+      <p:sp>
+        <p:nvSpPr>
+          <p:cNvPr id="2" name="標題 1"/>
+          <p:cNvSpPr>
+            <a:spLocks noGrp="1"/>
+          </p:cNvSpPr>
+          <p:nvPr>
+            <p:ph type="title"/>
+          </p:nvPr>
+        </p:nvSpPr>
         <p:spPr>
           <a:xfrm>
             <a:off x="428793" y="3653510"/>
@@ -9799,7 +11371,7 @@
 </p:sld>
 </file>
 
-<file path=ppt/slides/slide14.xml><?xml version="1.0" encoding="utf-8"?>
+<file path=ppt/slides/slide15.xml><?xml version="1.0" encoding="utf-8"?>
 <p:sld xmlns:a="http://schemas.openxmlformats.org/drawingml/2006/main" xmlns:r="http://schemas.openxmlformats.org/officeDocument/2006/relationships" xmlns:p="http://schemas.openxmlformats.org/presentationml/2006/main">
   <p:cSld>
     <p:spTree>
@@ -10518,7 +12090,7 @@
 </p:sld>
 </file>
 
-<file path=ppt/slides/slide15.xml><?xml version="1.0" encoding="utf-8"?>
+<file path=ppt/slides/slide16.xml><?xml version="1.0" encoding="utf-8"?>
 <p:sld xmlns:a="http://schemas.openxmlformats.org/drawingml/2006/main" xmlns:r="http://schemas.openxmlformats.org/officeDocument/2006/relationships" xmlns:p="http://schemas.openxmlformats.org/presentationml/2006/main">
   <p:cSld>
     <p:spTree>
@@ -12067,7 +13639,7 @@
 </p:sld>
 </file>
 
-<file path=ppt/slides/slide16.xml><?xml version="1.0" encoding="utf-8"?>
+<file path=ppt/slides/slide17.xml><?xml version="1.0" encoding="utf-8"?>
 <p:sld xmlns:a="http://schemas.openxmlformats.org/drawingml/2006/main" xmlns:r="http://schemas.openxmlformats.org/officeDocument/2006/relationships" xmlns:p="http://schemas.openxmlformats.org/presentationml/2006/main">
   <p:cSld>
     <p:spTree>
@@ -13354,7 +14926,7 @@
           <p:nvPr>
             <p:extLst>
               <p:ext uri="{D42A27DB-BD31-4B8C-83A1-F6EECF244321}">
-                <p14:modId xmlns:p14="http://schemas.microsoft.com/office/powerpoint/2010/main" val="184444248"/>
+                <p14:modId xmlns:p14="http://schemas.microsoft.com/office/powerpoint/2010/main" val="245235302"/>
               </p:ext>
             </p:extLst>
           </p:nvPr>
@@ -13434,7 +15006,7 @@
                     <a:p>
                       <a:r>
                         <a:rPr lang="en-US" altLang="zh-TW" sz="1200" dirty="0" smtClean="0"/>
-                        <a:t>0.543</a:t>
+                        <a:t>0.57</a:t>
                       </a:r>
                       <a:endParaRPr lang="zh-TW" altLang="en-US" sz="1200" dirty="0"/>
                     </a:p>
@@ -13608,7 +15180,718 @@
 </p:sld>
 </file>
 
-<file path=ppt/slides/slide17.xml><?xml version="1.0" encoding="utf-8"?>
+<file path=ppt/slides/slide18.xml><?xml version="1.0" encoding="utf-8"?>
+<p:sld xmlns:a="http://schemas.openxmlformats.org/drawingml/2006/main" xmlns:r="http://schemas.openxmlformats.org/officeDocument/2006/relationships" xmlns:p="http://schemas.openxmlformats.org/presentationml/2006/main">
+  <p:cSld>
+    <p:spTree>
+      <p:nvGrpSpPr>
+        <p:cNvPr id="1" name=""/>
+        <p:cNvGrpSpPr/>
+        <p:nvPr/>
+      </p:nvGrpSpPr>
+      <p:grpSpPr>
+        <a:xfrm>
+          <a:off x="0" y="0"/>
+          <a:ext cx="0" cy="0"/>
+          <a:chOff x="0" y="0"/>
+          <a:chExt cx="0" cy="0"/>
+        </a:xfrm>
+      </p:grpSpPr>
+      <p:sp>
+        <p:nvSpPr>
+          <p:cNvPr id="2" name="標題 1">
+            <a:extLst>
+              <a:ext uri="{FF2B5EF4-FFF2-40B4-BE49-F238E27FC236}">
+                <a16:creationId xmlns:a16="http://schemas.microsoft.com/office/drawing/2014/main" id="{A0150EC9-7E7D-4648-AC38-2A7BCBFB2EF6}"/>
+              </a:ext>
+            </a:extLst>
+          </p:cNvPr>
+          <p:cNvSpPr>
+            <a:spLocks noGrp="1"/>
+          </p:cNvSpPr>
+          <p:nvPr>
+            <p:ph type="title"/>
+          </p:nvPr>
+        </p:nvSpPr>
+        <p:spPr>
+          <a:xfrm>
+            <a:off x="581192" y="702156"/>
+            <a:ext cx="11029616" cy="1013800"/>
+          </a:xfrm>
+        </p:spPr>
+        <p:txBody>
+          <a:bodyPr rtlCol="0">
+            <a:normAutofit/>
+          </a:bodyPr>
+          <a:lstStyle/>
+          <a:p>
+            <a:r>
+              <a:rPr lang="en-US" altLang="zh-TW" dirty="0" smtClean="0">
+                <a:solidFill>
+                  <a:srgbClr val="FFC000"/>
+                </a:solidFill>
+              </a:rPr>
+              <a:t>Deep learning</a:t>
+            </a:r>
+            <a:r>
+              <a:rPr lang="en-US" altLang="zh-TW" dirty="0" smtClean="0">
+                <a:solidFill>
+                  <a:srgbClr val="FFFEFF"/>
+                </a:solidFill>
+              </a:rPr>
+              <a:t> result</a:t>
+            </a:r>
+            <a:endParaRPr lang="en-US" altLang="zh-TW" dirty="0">
+              <a:solidFill>
+                <a:srgbClr val="FFFEFF"/>
+              </a:solidFill>
+              <a:latin typeface="Microsoft JhengHei UI" panose="020B0604030504040204" pitchFamily="34" charset="-120"/>
+              <a:ea typeface="Microsoft JhengHei UI" panose="020B0604030504040204" pitchFamily="34" charset="-120"/>
+            </a:endParaRPr>
+          </a:p>
+        </p:txBody>
+      </p:sp>
+      <p:sp>
+        <p:nvSpPr>
+          <p:cNvPr id="4" name="矩形 3"/>
+          <p:cNvSpPr/>
+          <p:nvPr/>
+        </p:nvSpPr>
+        <p:spPr>
+          <a:xfrm>
+            <a:off x="120659" y="2032728"/>
+            <a:ext cx="3673059" cy="1177036"/>
+          </a:xfrm>
+          <a:prstGeom prst="rect">
+            <a:avLst/>
+          </a:prstGeom>
+        </p:spPr>
+        <p:style>
+          <a:lnRef idx="0">
+            <a:schemeClr val="dk1">
+              <a:alpha val="0"/>
+              <a:hueOff val="0"/>
+              <a:satOff val="0"/>
+              <a:lumOff val="0"/>
+              <a:alphaOff val="0"/>
+            </a:schemeClr>
+          </a:lnRef>
+          <a:fillRef idx="0">
+            <a:schemeClr val="lt1">
+              <a:alpha val="0"/>
+              <a:hueOff val="0"/>
+              <a:satOff val="0"/>
+              <a:lumOff val="0"/>
+              <a:alphaOff val="0"/>
+            </a:schemeClr>
+          </a:fillRef>
+          <a:effectRef idx="0">
+            <a:schemeClr val="lt1">
+              <a:alpha val="0"/>
+              <a:hueOff val="0"/>
+              <a:satOff val="0"/>
+              <a:lumOff val="0"/>
+              <a:alphaOff val="0"/>
+            </a:schemeClr>
+          </a:effectRef>
+          <a:fontRef idx="minor">
+            <a:schemeClr val="tx1">
+              <a:hueOff val="0"/>
+              <a:satOff val="0"/>
+              <a:lumOff val="0"/>
+              <a:alphaOff val="0"/>
+            </a:schemeClr>
+          </a:fontRef>
+        </p:style>
+      </p:sp>
+      <p:grpSp>
+        <p:nvGrpSpPr>
+          <p:cNvPr id="32" name="群組 31"/>
+          <p:cNvGrpSpPr/>
+          <p:nvPr/>
+        </p:nvGrpSpPr>
+        <p:grpSpPr>
+          <a:xfrm>
+            <a:off x="474742" y="2716431"/>
+            <a:ext cx="2733971" cy="441388"/>
+            <a:chOff x="4192673" y="1618424"/>
+            <a:chExt cx="2365367" cy="441388"/>
+          </a:xfrm>
+        </p:grpSpPr>
+        <p:sp>
+          <p:nvSpPr>
+            <p:cNvPr id="34" name="六邊形 33"/>
+            <p:cNvSpPr/>
+            <p:nvPr/>
+          </p:nvSpPr>
+          <p:spPr>
+            <a:xfrm>
+              <a:off x="4192673" y="1618424"/>
+              <a:ext cx="1946222" cy="441388"/>
+            </a:xfrm>
+            <a:prstGeom prst="hexagon">
+              <a:avLst>
+                <a:gd name="adj" fmla="val 40000"/>
+                <a:gd name="vf" fmla="val 115470"/>
+              </a:avLst>
+            </a:prstGeom>
+          </p:spPr>
+          <p:style>
+            <a:lnRef idx="2">
+              <a:schemeClr val="accent5">
+                <a:shade val="50000"/>
+              </a:schemeClr>
+            </a:lnRef>
+            <a:fillRef idx="1">
+              <a:schemeClr val="accent5"/>
+            </a:fillRef>
+            <a:effectRef idx="0">
+              <a:schemeClr val="accent5"/>
+            </a:effectRef>
+            <a:fontRef idx="minor">
+              <a:schemeClr val="lt1"/>
+            </a:fontRef>
+          </p:style>
+        </p:sp>
+        <p:sp>
+          <p:nvSpPr>
+            <p:cNvPr id="35" name="六邊形 4"/>
+            <p:cNvSpPr txBox="1"/>
+            <p:nvPr/>
+          </p:nvSpPr>
+          <p:spPr>
+            <a:xfrm>
+              <a:off x="4471908" y="1665029"/>
+              <a:ext cx="2086132" cy="348178"/>
+            </a:xfrm>
+            <a:prstGeom prst="rect">
+              <a:avLst/>
+            </a:prstGeom>
+          </p:spPr>
+          <p:style>
+            <a:lnRef idx="0">
+              <a:scrgbClr r="0" g="0" b="0"/>
+            </a:lnRef>
+            <a:fillRef idx="0">
+              <a:scrgbClr r="0" g="0" b="0"/>
+            </a:fillRef>
+            <a:effectRef idx="0">
+              <a:scrgbClr r="0" g="0" b="0"/>
+            </a:effectRef>
+            <a:fontRef idx="minor">
+              <a:schemeClr val="lt1"/>
+            </a:fontRef>
+          </p:style>
+          <p:txBody>
+            <a:bodyPr spcFirstLastPara="0" vert="horz" wrap="square" lIns="121920" tIns="121920" rIns="121920" bIns="121920" numCol="1" spcCol="1270" rtlCol="0" anchor="ctr" anchorCtr="0">
+              <a:noAutofit/>
+            </a:bodyPr>
+            <a:lstStyle/>
+            <a:p>
+              <a:pPr lvl="0" defTabSz="711200">
+                <a:lnSpc>
+                  <a:spcPct val="90000"/>
+                </a:lnSpc>
+                <a:spcBef>
+                  <a:spcPct val="0"/>
+                </a:spcBef>
+                <a:spcAft>
+                  <a:spcPct val="35000"/>
+                </a:spcAft>
+              </a:pPr>
+              <a:r>
+                <a:rPr lang="en-US" sz="1600" dirty="0" smtClean="0">
+                  <a:latin typeface="Microsoft JhengHei UI" panose="020B0604030504040204" pitchFamily="34" charset="-120"/>
+                  <a:ea typeface="Microsoft JhengHei UI" panose="020B0604030504040204" pitchFamily="34" charset="-120"/>
+                </a:rPr>
+                <a:t>a. Test dataset</a:t>
+              </a:r>
+              <a:endParaRPr lang="en-US" sz="1600" kern="1200" noProof="0" dirty="0">
+                <a:latin typeface="Microsoft JhengHei UI" panose="020B0604030504040204" pitchFamily="34" charset="-120"/>
+                <a:ea typeface="Microsoft JhengHei UI" panose="020B0604030504040204" pitchFamily="34" charset="-120"/>
+              </a:endParaRPr>
+            </a:p>
+          </p:txBody>
+        </p:sp>
+      </p:grpSp>
+      <p:grpSp>
+        <p:nvGrpSpPr>
+          <p:cNvPr id="41" name="群組 40"/>
+          <p:cNvGrpSpPr/>
+          <p:nvPr/>
+        </p:nvGrpSpPr>
+        <p:grpSpPr>
+          <a:xfrm>
+            <a:off x="474742" y="4605022"/>
+            <a:ext cx="2733971" cy="441388"/>
+            <a:chOff x="4192673" y="1618424"/>
+            <a:chExt cx="2365367" cy="441388"/>
+          </a:xfrm>
+        </p:grpSpPr>
+        <p:sp>
+          <p:nvSpPr>
+            <p:cNvPr id="42" name="六邊形 41"/>
+            <p:cNvSpPr/>
+            <p:nvPr/>
+          </p:nvSpPr>
+          <p:spPr>
+            <a:xfrm>
+              <a:off x="4192673" y="1618424"/>
+              <a:ext cx="1946222" cy="441388"/>
+            </a:xfrm>
+            <a:prstGeom prst="hexagon">
+              <a:avLst>
+                <a:gd name="adj" fmla="val 40000"/>
+                <a:gd name="vf" fmla="val 115470"/>
+              </a:avLst>
+            </a:prstGeom>
+          </p:spPr>
+          <p:style>
+            <a:lnRef idx="2">
+              <a:schemeClr val="accent5">
+                <a:shade val="50000"/>
+              </a:schemeClr>
+            </a:lnRef>
+            <a:fillRef idx="1">
+              <a:schemeClr val="accent5"/>
+            </a:fillRef>
+            <a:effectRef idx="0">
+              <a:schemeClr val="accent5"/>
+            </a:effectRef>
+            <a:fontRef idx="minor">
+              <a:schemeClr val="lt1"/>
+            </a:fontRef>
+          </p:style>
+        </p:sp>
+        <p:sp>
+          <p:nvSpPr>
+            <p:cNvPr id="47" name="六邊形 4"/>
+            <p:cNvSpPr txBox="1"/>
+            <p:nvPr/>
+          </p:nvSpPr>
+          <p:spPr>
+            <a:xfrm>
+              <a:off x="4471908" y="1665029"/>
+              <a:ext cx="2086132" cy="348178"/>
+            </a:xfrm>
+            <a:prstGeom prst="rect">
+              <a:avLst/>
+            </a:prstGeom>
+          </p:spPr>
+          <p:style>
+            <a:lnRef idx="0">
+              <a:scrgbClr r="0" g="0" b="0"/>
+            </a:lnRef>
+            <a:fillRef idx="0">
+              <a:scrgbClr r="0" g="0" b="0"/>
+            </a:fillRef>
+            <a:effectRef idx="0">
+              <a:scrgbClr r="0" g="0" b="0"/>
+            </a:effectRef>
+            <a:fontRef idx="minor">
+              <a:schemeClr val="lt1"/>
+            </a:fontRef>
+          </p:style>
+          <p:txBody>
+            <a:bodyPr spcFirstLastPara="0" vert="horz" wrap="square" lIns="121920" tIns="121920" rIns="121920" bIns="121920" numCol="1" spcCol="1270" rtlCol="0" anchor="ctr" anchorCtr="0">
+              <a:noAutofit/>
+            </a:bodyPr>
+            <a:lstStyle/>
+            <a:p>
+              <a:pPr lvl="0" defTabSz="711200">
+                <a:lnSpc>
+                  <a:spcPct val="90000"/>
+                </a:lnSpc>
+                <a:spcBef>
+                  <a:spcPct val="0"/>
+                </a:spcBef>
+                <a:spcAft>
+                  <a:spcPct val="35000"/>
+                </a:spcAft>
+              </a:pPr>
+              <a:r>
+                <a:rPr lang="en-US" sz="1600" dirty="0">
+                  <a:latin typeface="Microsoft JhengHei UI" panose="020B0604030504040204" pitchFamily="34" charset="-120"/>
+                  <a:ea typeface="Microsoft JhengHei UI" panose="020B0604030504040204" pitchFamily="34" charset="-120"/>
+                </a:rPr>
+                <a:t>b</a:t>
+              </a:r>
+              <a:r>
+                <a:rPr lang="en-US" sz="1600" dirty="0" smtClean="0">
+                  <a:latin typeface="Microsoft JhengHei UI" panose="020B0604030504040204" pitchFamily="34" charset="-120"/>
+                  <a:ea typeface="Microsoft JhengHei UI" panose="020B0604030504040204" pitchFamily="34" charset="-120"/>
+                </a:rPr>
+                <a:t>. Validation</a:t>
+              </a:r>
+              <a:endParaRPr lang="en-US" sz="1600" kern="1200" noProof="0" dirty="0">
+                <a:latin typeface="Microsoft JhengHei UI" panose="020B0604030504040204" pitchFamily="34" charset="-120"/>
+                <a:ea typeface="Microsoft JhengHei UI" panose="020B0604030504040204" pitchFamily="34" charset="-120"/>
+              </a:endParaRPr>
+            </a:p>
+          </p:txBody>
+        </p:sp>
+      </p:grpSp>
+      <p:graphicFrame>
+        <p:nvGraphicFramePr>
+          <p:cNvPr id="9" name="表格 8"/>
+          <p:cNvGraphicFramePr>
+            <a:graphicFrameLocks noGrp="1"/>
+          </p:cNvGraphicFramePr>
+          <p:nvPr>
+            <p:extLst/>
+          </p:nvPr>
+        </p:nvGraphicFramePr>
+        <p:xfrm>
+          <a:off x="3047000" y="2716431"/>
+          <a:ext cx="2175934" cy="1371600"/>
+        </p:xfrm>
+        <a:graphic>
+          <a:graphicData uri="http://schemas.openxmlformats.org/drawingml/2006/table">
+            <a:tbl>
+              <a:tblPr firstRow="1" bandRow="1">
+                <a:tableStyleId>{5C22544A-7EE6-4342-B048-85BDC9FD1C3A}</a:tableStyleId>
+              </a:tblPr>
+              <a:tblGrid>
+                <a:gridCol w="1087967">
+                  <a:extLst>
+                    <a:ext uri="{9D8B030D-6E8A-4147-A177-3AD203B41FA5}">
+                      <a16:colId xmlns:a16="http://schemas.microsoft.com/office/drawing/2014/main" val="2442387198"/>
+                    </a:ext>
+                  </a:extLst>
+                </a:gridCol>
+                <a:gridCol w="1087967">
+                  <a:extLst>
+                    <a:ext uri="{9D8B030D-6E8A-4147-A177-3AD203B41FA5}">
+                      <a16:colId xmlns:a16="http://schemas.microsoft.com/office/drawing/2014/main" val="616024349"/>
+                    </a:ext>
+                  </a:extLst>
+                </a:gridCol>
+              </a:tblGrid>
+              <a:tr h="121507">
+                <a:tc>
+                  <a:txBody>
+                    <a:bodyPr/>
+                    <a:lstStyle/>
+                    <a:p>
+                      <a:endParaRPr lang="zh-TW" altLang="en-US" sz="1200" dirty="0"/>
+                    </a:p>
+                  </a:txBody>
+                  <a:tcPr/>
+                </a:tc>
+                <a:tc>
+                  <a:txBody>
+                    <a:bodyPr/>
+                    <a:lstStyle/>
+                    <a:p>
+                      <a:endParaRPr lang="zh-TW" altLang="en-US" sz="1200"/>
+                    </a:p>
+                  </a:txBody>
+                  <a:tcPr/>
+                </a:tc>
+                <a:extLst>
+                  <a:ext uri="{0D108BD9-81ED-4DB2-BD59-A6C34878D82A}">
+                    <a16:rowId xmlns:a16="http://schemas.microsoft.com/office/drawing/2014/main" val="469500916"/>
+                  </a:ext>
+                </a:extLst>
+              </a:tr>
+              <a:tr h="121507">
+                <a:tc>
+                  <a:txBody>
+                    <a:bodyPr/>
+                    <a:lstStyle/>
+                    <a:p>
+                      <a:r>
+                        <a:rPr lang="en-US" altLang="zh-TW" sz="1200" dirty="0" smtClean="0"/>
+                        <a:t>Precision</a:t>
+                      </a:r>
+                      <a:endParaRPr lang="zh-TW" altLang="en-US" sz="1200" dirty="0"/>
+                    </a:p>
+                  </a:txBody>
+                  <a:tcPr/>
+                </a:tc>
+                <a:tc>
+                  <a:txBody>
+                    <a:bodyPr/>
+                    <a:lstStyle/>
+                    <a:p>
+                      <a:r>
+                        <a:rPr lang="en-US" altLang="zh-TW" sz="1200" dirty="0" smtClean="0"/>
+                        <a:t>0.72</a:t>
+                      </a:r>
+                      <a:endParaRPr lang="zh-TW" altLang="en-US" sz="1200" dirty="0"/>
+                    </a:p>
+                  </a:txBody>
+                  <a:tcPr/>
+                </a:tc>
+                <a:extLst>
+                  <a:ext uri="{0D108BD9-81ED-4DB2-BD59-A6C34878D82A}">
+                    <a16:rowId xmlns:a16="http://schemas.microsoft.com/office/drawing/2014/main" val="3642463612"/>
+                  </a:ext>
+                </a:extLst>
+              </a:tr>
+              <a:tr h="121507">
+                <a:tc>
+                  <a:txBody>
+                    <a:bodyPr/>
+                    <a:lstStyle/>
+                    <a:p>
+                      <a:r>
+                        <a:rPr lang="en-US" altLang="zh-TW" sz="1200" dirty="0" smtClean="0"/>
+                        <a:t>Recall</a:t>
+                      </a:r>
+                      <a:endParaRPr lang="zh-TW" altLang="en-US" sz="1200" dirty="0"/>
+                    </a:p>
+                  </a:txBody>
+                  <a:tcPr/>
+                </a:tc>
+                <a:tc>
+                  <a:txBody>
+                    <a:bodyPr/>
+                    <a:lstStyle/>
+                    <a:p>
+                      <a:r>
+                        <a:rPr lang="en-US" altLang="zh-TW" sz="1200" dirty="0" smtClean="0"/>
+                        <a:t>0.72</a:t>
+                      </a:r>
+                      <a:endParaRPr lang="zh-TW" altLang="en-US" sz="1200" dirty="0"/>
+                    </a:p>
+                  </a:txBody>
+                  <a:tcPr/>
+                </a:tc>
+                <a:extLst>
+                  <a:ext uri="{0D108BD9-81ED-4DB2-BD59-A6C34878D82A}">
+                    <a16:rowId xmlns:a16="http://schemas.microsoft.com/office/drawing/2014/main" val="468655977"/>
+                  </a:ext>
+                </a:extLst>
+              </a:tr>
+              <a:tr h="121507">
+                <a:tc>
+                  <a:txBody>
+                    <a:bodyPr/>
+                    <a:lstStyle/>
+                    <a:p>
+                      <a:r>
+                        <a:rPr lang="en-US" altLang="zh-TW" sz="1200" dirty="0" smtClean="0"/>
+                        <a:t>Accuracy</a:t>
+                      </a:r>
+                      <a:endParaRPr lang="zh-TW" altLang="en-US" sz="1200" dirty="0"/>
+                    </a:p>
+                  </a:txBody>
+                  <a:tcPr/>
+                </a:tc>
+                <a:tc>
+                  <a:txBody>
+                    <a:bodyPr/>
+                    <a:lstStyle/>
+                    <a:p>
+                      <a:r>
+                        <a:rPr lang="en-US" altLang="zh-TW" sz="1200" dirty="0" smtClean="0"/>
+                        <a:t>0.72</a:t>
+                      </a:r>
+                      <a:endParaRPr lang="zh-TW" altLang="en-US" sz="1200" dirty="0"/>
+                    </a:p>
+                  </a:txBody>
+                  <a:tcPr/>
+                </a:tc>
+                <a:extLst>
+                  <a:ext uri="{0D108BD9-81ED-4DB2-BD59-A6C34878D82A}">
+                    <a16:rowId xmlns:a16="http://schemas.microsoft.com/office/drawing/2014/main" val="2042429446"/>
+                  </a:ext>
+                </a:extLst>
+              </a:tr>
+              <a:tr h="121507">
+                <a:tc>
+                  <a:txBody>
+                    <a:bodyPr/>
+                    <a:lstStyle/>
+                    <a:p>
+                      <a:r>
+                        <a:rPr lang="en-US" altLang="zh-TW" sz="1200" dirty="0" smtClean="0"/>
+                        <a:t>f1</a:t>
+                      </a:r>
+                      <a:endParaRPr lang="zh-TW" altLang="en-US" sz="1200" dirty="0"/>
+                    </a:p>
+                  </a:txBody>
+                  <a:tcPr/>
+                </a:tc>
+                <a:tc>
+                  <a:txBody>
+                    <a:bodyPr/>
+                    <a:lstStyle/>
+                    <a:p>
+                      <a:r>
+                        <a:rPr lang="en-US" altLang="zh-TW" sz="1200" dirty="0" smtClean="0"/>
+                        <a:t>0.72</a:t>
+                      </a:r>
+                      <a:endParaRPr lang="zh-TW" altLang="en-US" sz="1200" dirty="0"/>
+                    </a:p>
+                  </a:txBody>
+                  <a:tcPr/>
+                </a:tc>
+                <a:extLst>
+                  <a:ext uri="{0D108BD9-81ED-4DB2-BD59-A6C34878D82A}">
+                    <a16:rowId xmlns:a16="http://schemas.microsoft.com/office/drawing/2014/main" val="3956447785"/>
+                  </a:ext>
+                </a:extLst>
+              </a:tr>
+            </a:tbl>
+          </a:graphicData>
+        </a:graphic>
+      </p:graphicFrame>
+      <p:graphicFrame>
+        <p:nvGraphicFramePr>
+          <p:cNvPr id="49" name="表格 48"/>
+          <p:cNvGraphicFramePr>
+            <a:graphicFrameLocks noGrp="1"/>
+          </p:cNvGraphicFramePr>
+          <p:nvPr>
+            <p:extLst/>
+          </p:nvPr>
+        </p:nvGraphicFramePr>
+        <p:xfrm>
+          <a:off x="3047000" y="4566887"/>
+          <a:ext cx="2175934" cy="548640"/>
+        </p:xfrm>
+        <a:graphic>
+          <a:graphicData uri="http://schemas.openxmlformats.org/drawingml/2006/table">
+            <a:tbl>
+              <a:tblPr firstRow="1" bandRow="1">
+                <a:tableStyleId>{5C22544A-7EE6-4342-B048-85BDC9FD1C3A}</a:tableStyleId>
+              </a:tblPr>
+              <a:tblGrid>
+                <a:gridCol w="1087967">
+                  <a:extLst>
+                    <a:ext uri="{9D8B030D-6E8A-4147-A177-3AD203B41FA5}">
+                      <a16:colId xmlns:a16="http://schemas.microsoft.com/office/drawing/2014/main" val="2442387198"/>
+                    </a:ext>
+                  </a:extLst>
+                </a:gridCol>
+                <a:gridCol w="1087967">
+                  <a:extLst>
+                    <a:ext uri="{9D8B030D-6E8A-4147-A177-3AD203B41FA5}">
+                      <a16:colId xmlns:a16="http://schemas.microsoft.com/office/drawing/2014/main" val="616024349"/>
+                    </a:ext>
+                  </a:extLst>
+                </a:gridCol>
+              </a:tblGrid>
+              <a:tr h="121507">
+                <a:tc>
+                  <a:txBody>
+                    <a:bodyPr/>
+                    <a:lstStyle/>
+                    <a:p>
+                      <a:endParaRPr lang="zh-TW" altLang="en-US" sz="1200" dirty="0"/>
+                    </a:p>
+                  </a:txBody>
+                  <a:tcPr/>
+                </a:tc>
+                <a:tc>
+                  <a:txBody>
+                    <a:bodyPr/>
+                    <a:lstStyle/>
+                    <a:p>
+                      <a:endParaRPr lang="zh-TW" altLang="en-US" sz="1200"/>
+                    </a:p>
+                  </a:txBody>
+                  <a:tcPr/>
+                </a:tc>
+                <a:extLst>
+                  <a:ext uri="{0D108BD9-81ED-4DB2-BD59-A6C34878D82A}">
+                    <a16:rowId xmlns:a16="http://schemas.microsoft.com/office/drawing/2014/main" val="469500916"/>
+                  </a:ext>
+                </a:extLst>
+              </a:tr>
+              <a:tr h="121507">
+                <a:tc>
+                  <a:txBody>
+                    <a:bodyPr/>
+                    <a:lstStyle/>
+                    <a:p>
+                      <a:r>
+                        <a:rPr lang="en-US" altLang="zh-TW" sz="1200" dirty="0" smtClean="0"/>
+                        <a:t>f1</a:t>
+                      </a:r>
+                      <a:endParaRPr lang="zh-TW" altLang="en-US" sz="1200" dirty="0"/>
+                    </a:p>
+                  </a:txBody>
+                  <a:tcPr/>
+                </a:tc>
+                <a:tc>
+                  <a:txBody>
+                    <a:bodyPr/>
+                    <a:lstStyle/>
+                    <a:p>
+                      <a:r>
+                        <a:rPr lang="en-US" altLang="zh-TW" sz="1200" dirty="0" smtClean="0"/>
+                        <a:t>0.514</a:t>
+                      </a:r>
+                      <a:endParaRPr lang="zh-TW" altLang="en-US" sz="1200" dirty="0"/>
+                    </a:p>
+                  </a:txBody>
+                  <a:tcPr/>
+                </a:tc>
+                <a:extLst>
+                  <a:ext uri="{0D108BD9-81ED-4DB2-BD59-A6C34878D82A}">
+                    <a16:rowId xmlns:a16="http://schemas.microsoft.com/office/drawing/2014/main" val="3956447785"/>
+                  </a:ext>
+                </a:extLst>
+              </a:tr>
+            </a:tbl>
+          </a:graphicData>
+        </a:graphic>
+      </p:graphicFrame>
+      <p:cxnSp>
+        <p:nvCxnSpPr>
+          <p:cNvPr id="50" name="直線接點 49"/>
+          <p:cNvCxnSpPr/>
+          <p:nvPr/>
+        </p:nvCxnSpPr>
+        <p:spPr>
+          <a:xfrm flipH="1" flipV="1">
+            <a:off x="2959332" y="4323835"/>
+            <a:ext cx="7764086" cy="12761"/>
+          </a:xfrm>
+          <a:prstGeom prst="line">
+            <a:avLst/>
+          </a:prstGeom>
+          <a:ln>
+            <a:solidFill>
+              <a:schemeClr val="bg2">
+                <a:lumMod val="75000"/>
+              </a:schemeClr>
+            </a:solidFill>
+            <a:prstDash val="sysDash"/>
+          </a:ln>
+        </p:spPr>
+        <p:style>
+          <a:lnRef idx="1">
+            <a:schemeClr val="accent1"/>
+          </a:lnRef>
+          <a:fillRef idx="0">
+            <a:schemeClr val="accent1"/>
+          </a:fillRef>
+          <a:effectRef idx="0">
+            <a:schemeClr val="accent1"/>
+          </a:effectRef>
+          <a:fontRef idx="minor">
+            <a:schemeClr val="tx1"/>
+          </a:fontRef>
+        </p:style>
+      </p:cxnSp>
+    </p:spTree>
+    <p:extLst>
+      <p:ext uri="{BB962C8B-B14F-4D97-AF65-F5344CB8AC3E}">
+        <p14:creationId xmlns:p14="http://schemas.microsoft.com/office/powerpoint/2010/main" val="751066058"/>
+      </p:ext>
+    </p:extLst>
+  </p:cSld>
+  <p:clrMapOvr>
+    <a:masterClrMapping/>
+  </p:clrMapOvr>
+</p:sld>
+</file>
+
+<file path=ppt/slides/slide19.xml><?xml version="1.0" encoding="utf-8"?>
 <p:sld xmlns:a="http://schemas.openxmlformats.org/drawingml/2006/main" xmlns:r="http://schemas.openxmlformats.org/officeDocument/2006/relationships" xmlns:p="http://schemas.openxmlformats.org/presentationml/2006/main">
   <p:cSld>
     <p:spTree>
@@ -14144,6 +16427,180 @@
           </a:graphicData>
         </a:graphic>
       </p:graphicFrame>
+      <p:grpSp>
+        <p:nvGrpSpPr>
+          <p:cNvPr id="9" name="群組 8"/>
+          <p:cNvGrpSpPr/>
+          <p:nvPr/>
+        </p:nvGrpSpPr>
+        <p:grpSpPr>
+          <a:xfrm>
+            <a:off x="474742" y="4579193"/>
+            <a:ext cx="2733971" cy="441388"/>
+            <a:chOff x="4192673" y="1618424"/>
+            <a:chExt cx="2365367" cy="441388"/>
+          </a:xfrm>
+        </p:grpSpPr>
+        <p:sp>
+          <p:nvSpPr>
+            <p:cNvPr id="10" name="六邊形 9"/>
+            <p:cNvSpPr/>
+            <p:nvPr/>
+          </p:nvSpPr>
+          <p:spPr>
+            <a:xfrm>
+              <a:off x="4192673" y="1618424"/>
+              <a:ext cx="1946222" cy="441388"/>
+            </a:xfrm>
+            <a:prstGeom prst="hexagon">
+              <a:avLst>
+                <a:gd name="adj" fmla="val 40000"/>
+                <a:gd name="vf" fmla="val 115470"/>
+              </a:avLst>
+            </a:prstGeom>
+          </p:spPr>
+          <p:style>
+            <a:lnRef idx="2">
+              <a:schemeClr val="accent5">
+                <a:shade val="50000"/>
+              </a:schemeClr>
+            </a:lnRef>
+            <a:fillRef idx="1">
+              <a:schemeClr val="accent5"/>
+            </a:fillRef>
+            <a:effectRef idx="0">
+              <a:schemeClr val="accent5"/>
+            </a:effectRef>
+            <a:fontRef idx="minor">
+              <a:schemeClr val="lt1"/>
+            </a:fontRef>
+          </p:style>
+        </p:sp>
+        <p:sp>
+          <p:nvSpPr>
+            <p:cNvPr id="11" name="六邊形 4"/>
+            <p:cNvSpPr txBox="1"/>
+            <p:nvPr/>
+          </p:nvSpPr>
+          <p:spPr>
+            <a:xfrm>
+              <a:off x="4471908" y="1665029"/>
+              <a:ext cx="2086132" cy="348178"/>
+            </a:xfrm>
+            <a:prstGeom prst="rect">
+              <a:avLst/>
+            </a:prstGeom>
+          </p:spPr>
+          <p:style>
+            <a:lnRef idx="0">
+              <a:scrgbClr r="0" g="0" b="0"/>
+            </a:lnRef>
+            <a:fillRef idx="0">
+              <a:scrgbClr r="0" g="0" b="0"/>
+            </a:fillRef>
+            <a:effectRef idx="0">
+              <a:scrgbClr r="0" g="0" b="0"/>
+            </a:effectRef>
+            <a:fontRef idx="minor">
+              <a:schemeClr val="lt1"/>
+            </a:fontRef>
+          </p:style>
+          <p:txBody>
+            <a:bodyPr spcFirstLastPara="0" vert="horz" wrap="square" lIns="121920" tIns="121920" rIns="121920" bIns="121920" numCol="1" spcCol="1270" rtlCol="0" anchor="ctr" anchorCtr="0">
+              <a:noAutofit/>
+            </a:bodyPr>
+            <a:lstStyle/>
+            <a:p>
+              <a:pPr lvl="0" defTabSz="711200">
+                <a:lnSpc>
+                  <a:spcPct val="90000"/>
+                </a:lnSpc>
+                <a:spcBef>
+                  <a:spcPct val="0"/>
+                </a:spcBef>
+                <a:spcAft>
+                  <a:spcPct val="35000"/>
+                </a:spcAft>
+              </a:pPr>
+              <a:r>
+                <a:rPr lang="en-US" sz="1600" dirty="0" smtClean="0">
+                  <a:latin typeface="Microsoft JhengHei UI" panose="020B0604030504040204" pitchFamily="34" charset="-120"/>
+                  <a:ea typeface="Microsoft JhengHei UI" panose="020B0604030504040204" pitchFamily="34" charset="-120"/>
+                </a:rPr>
+                <a:t>b. More try</a:t>
+              </a:r>
+              <a:endParaRPr lang="en-US" sz="1600" kern="1200" noProof="0" dirty="0">
+                <a:latin typeface="Microsoft JhengHei UI" panose="020B0604030504040204" pitchFamily="34" charset="-120"/>
+                <a:ea typeface="Microsoft JhengHei UI" panose="020B0604030504040204" pitchFamily="34" charset="-120"/>
+              </a:endParaRPr>
+            </a:p>
+          </p:txBody>
+        </p:sp>
+      </p:grpSp>
+      <p:sp>
+        <p:nvSpPr>
+          <p:cNvPr id="13" name="矩形 12"/>
+          <p:cNvSpPr/>
+          <p:nvPr/>
+        </p:nvSpPr>
+        <p:spPr>
+          <a:xfrm>
+            <a:off x="581192" y="5132472"/>
+            <a:ext cx="11332778" cy="584775"/>
+          </a:xfrm>
+          <a:prstGeom prst="rect">
+            <a:avLst/>
+          </a:prstGeom>
+        </p:spPr>
+        <p:txBody>
+          <a:bodyPr wrap="square">
+            <a:spAutoFit/>
+          </a:bodyPr>
+          <a:lstStyle/>
+          <a:p>
+            <a:pPr marL="342900" lvl="0" indent="-342900">
+              <a:buAutoNum type="arabicPeriod"/>
+            </a:pPr>
+            <a:r>
+              <a:rPr lang="en-US" altLang="zh-TW" sz="1600" dirty="0" smtClean="0">
+                <a:latin typeface="Microsoft JhengHei UI" panose="020B0604030504040204" pitchFamily="34" charset="-120"/>
+                <a:ea typeface="Microsoft JhengHei UI" panose="020B0604030504040204" pitchFamily="34" charset="-120"/>
+              </a:rPr>
+              <a:t>Redesign and reduce word vector.</a:t>
+            </a:r>
+            <a:endParaRPr lang="en-US" altLang="zh-TW" sz="1600" dirty="0">
+              <a:latin typeface="Microsoft JhengHei UI" panose="020B0604030504040204" pitchFamily="34" charset="-120"/>
+              <a:ea typeface="Microsoft JhengHei UI" panose="020B0604030504040204" pitchFamily="34" charset="-120"/>
+            </a:endParaRPr>
+          </a:p>
+          <a:p>
+            <a:pPr marL="342900" lvl="0" indent="-342900">
+              <a:buAutoNum type="arabicPeriod"/>
+            </a:pPr>
+            <a:r>
+              <a:rPr lang="en-US" altLang="zh-TW" sz="1600" dirty="0" smtClean="0">
+                <a:latin typeface="Microsoft JhengHei UI" panose="020B0604030504040204" pitchFamily="34" charset="-120"/>
+                <a:ea typeface="Microsoft JhengHei UI" panose="020B0604030504040204" pitchFamily="34" charset="-120"/>
+              </a:rPr>
+              <a:t>Word Clustering by K-Means</a:t>
+            </a:r>
+            <a:r>
+              <a:rPr lang="zh-TW" altLang="en-US" sz="1600" dirty="0" smtClean="0">
+                <a:latin typeface="Microsoft JhengHei UI" panose="020B0604030504040204" pitchFamily="34" charset="-120"/>
+                <a:ea typeface="Microsoft JhengHei UI" panose="020B0604030504040204" pitchFamily="34" charset="-120"/>
+              </a:rPr>
+              <a:t>、</a:t>
+            </a:r>
+            <a:r>
+              <a:rPr lang="en-US" altLang="zh-TW" sz="1600" dirty="0" smtClean="0">
+                <a:latin typeface="Microsoft JhengHei UI" panose="020B0604030504040204" pitchFamily="34" charset="-120"/>
+                <a:ea typeface="Microsoft JhengHei UI" panose="020B0604030504040204" pitchFamily="34" charset="-120"/>
+              </a:rPr>
+              <a:t>DBCAN.</a:t>
+            </a:r>
+          </a:p>
+        </p:txBody>
+      </p:sp>
     </p:spTree>
     <p:extLst>
       <p:ext uri="{BB962C8B-B14F-4D97-AF65-F5344CB8AC3E}">
@@ -14154,145 +16611,6 @@
   <p:clrMapOvr>
     <a:masterClrMapping/>
   </p:clrMapOvr>
-</p:sld>
-</file>
-
-<file path=ppt/slides/slide18.xml><?xml version="1.0" encoding="utf-8"?>
-<p:sld xmlns:a="http://schemas.openxmlformats.org/drawingml/2006/main" xmlns:r="http://schemas.openxmlformats.org/officeDocument/2006/relationships" xmlns:p="http://schemas.openxmlformats.org/presentationml/2006/main">
-  <p:cSld>
-    <p:spTree>
-      <p:nvGrpSpPr>
-        <p:cNvPr id="1" name=""/>
-        <p:cNvGrpSpPr/>
-        <p:nvPr/>
-      </p:nvGrpSpPr>
-      <p:grpSpPr>
-        <a:xfrm>
-          <a:off x="0" y="0"/>
-          <a:ext cx="0" cy="0"/>
-          <a:chOff x="0" y="0"/>
-          <a:chExt cx="0" cy="0"/>
-        </a:xfrm>
-      </p:grpSpPr>
-      <p:sp>
-        <p:nvSpPr>
-          <p:cNvPr id="2" name="標題 1"/>
-          <p:cNvSpPr>
-            <a:spLocks noGrp="1"/>
-          </p:cNvSpPr>
-          <p:nvPr>
-            <p:ph type="title"/>
-          </p:nvPr>
-        </p:nvSpPr>
-        <p:spPr>
-          <a:xfrm>
-            <a:off x="428793" y="3653510"/>
-            <a:ext cx="11029615" cy="1497507"/>
-          </a:xfrm>
-        </p:spPr>
-        <p:txBody>
-          <a:bodyPr>
-            <a:normAutofit/>
-          </a:bodyPr>
-          <a:lstStyle/>
-          <a:p>
-            <a:r>
-              <a:rPr lang="en-US" altLang="zh-TW" sz="7200" dirty="0" smtClean="0"/>
-              <a:t>Thank </a:t>
-            </a:r>
-            <a:r>
-              <a:rPr lang="en-US" altLang="zh-TW" sz="7200" dirty="0" smtClean="0">
-                <a:solidFill>
-                  <a:schemeClr val="accent6"/>
-                </a:solidFill>
-              </a:rPr>
-              <a:t>you</a:t>
-            </a:r>
-            <a:endParaRPr lang="zh-TW" altLang="en-US" sz="7200" dirty="0">
-              <a:solidFill>
-                <a:schemeClr val="accent6"/>
-              </a:solidFill>
-            </a:endParaRPr>
-          </a:p>
-        </p:txBody>
-      </p:sp>
-    </p:spTree>
-    <p:extLst>
-      <p:ext uri="{BB962C8B-B14F-4D97-AF65-F5344CB8AC3E}">
-        <p14:creationId xmlns:p14="http://schemas.microsoft.com/office/powerpoint/2010/main" val="4038362970"/>
-      </p:ext>
-    </p:extLst>
-  </p:cSld>
-  <p:clrMapOvr>
-    <a:masterClrMapping/>
-  </p:clrMapOvr>
-</p:sld>
-</file>
-
-<file path=ppt/slides/slide19.xml><?xml version="1.0" encoding="utf-8"?>
-<p:sld xmlns:a="http://schemas.openxmlformats.org/drawingml/2006/main" xmlns:r="http://schemas.openxmlformats.org/officeDocument/2006/relationships" xmlns:p="http://schemas.openxmlformats.org/presentationml/2006/main">
-  <p:cSld>
-    <p:spTree>
-      <p:nvGrpSpPr>
-        <p:cNvPr id="1" name=""/>
-        <p:cNvGrpSpPr/>
-        <p:nvPr/>
-      </p:nvGrpSpPr>
-      <p:grpSpPr>
-        <a:xfrm>
-          <a:off x="0" y="0"/>
-          <a:ext cx="0" cy="0"/>
-          <a:chOff x="0" y="0"/>
-          <a:chExt cx="0" cy="0"/>
-        </a:xfrm>
-      </p:grpSpPr>
-      <p:sp>
-        <p:nvSpPr>
-          <p:cNvPr id="2" name="標題 1"/>
-          <p:cNvSpPr>
-            <a:spLocks noGrp="1"/>
-          </p:cNvSpPr>
-          <p:nvPr>
-            <p:ph type="title"/>
-          </p:nvPr>
-        </p:nvSpPr>
-        <p:spPr>
-          <a:xfrm>
-            <a:off x="428793" y="3653510"/>
-            <a:ext cx="11029615" cy="1497507"/>
-          </a:xfrm>
-        </p:spPr>
-        <p:txBody>
-          <a:bodyPr>
-            <a:normAutofit/>
-          </a:bodyPr>
-          <a:lstStyle/>
-          <a:p>
-            <a:r>
-              <a:rPr lang="en-US" altLang="zh-TW" sz="7200" dirty="0" err="1" smtClean="0"/>
-              <a:t>github</a:t>
-            </a:r>
-            <a:endParaRPr lang="zh-TW" altLang="en-US" sz="7200" dirty="0"/>
-          </a:p>
-        </p:txBody>
-      </p:sp>
-    </p:spTree>
-    <p:extLst>
-      <p:ext uri="{BB962C8B-B14F-4D97-AF65-F5344CB8AC3E}">
-        <p14:creationId xmlns:p14="http://schemas.microsoft.com/office/powerpoint/2010/main" val="224526004"/>
-      </p:ext>
-    </p:extLst>
-  </p:cSld>
-  <p:clrMapOvr>
-    <a:masterClrMapping/>
-  </p:clrMapOvr>
-  <p:timing>
-    <p:tnLst>
-      <p:par>
-        <p:cTn id="1" dur="indefinite" restart="never" nodeType="tmRoot"/>
-      </p:par>
-    </p:tnLst>
-  </p:timing>
 </p:sld>
 </file>
 
@@ -14987,6 +17305,145 @@
             <p:ph type="title"/>
           </p:nvPr>
         </p:nvSpPr>
+        <p:spPr>
+          <a:xfrm>
+            <a:off x="428793" y="3653510"/>
+            <a:ext cx="11029615" cy="1497507"/>
+          </a:xfrm>
+        </p:spPr>
+        <p:txBody>
+          <a:bodyPr>
+            <a:normAutofit/>
+          </a:bodyPr>
+          <a:lstStyle/>
+          <a:p>
+            <a:r>
+              <a:rPr lang="en-US" altLang="zh-TW" sz="7200" dirty="0" smtClean="0"/>
+              <a:t>Thank </a:t>
+            </a:r>
+            <a:r>
+              <a:rPr lang="en-US" altLang="zh-TW" sz="7200" dirty="0" smtClean="0">
+                <a:solidFill>
+                  <a:schemeClr val="accent6"/>
+                </a:solidFill>
+              </a:rPr>
+              <a:t>you</a:t>
+            </a:r>
+            <a:endParaRPr lang="zh-TW" altLang="en-US" sz="7200" dirty="0">
+              <a:solidFill>
+                <a:schemeClr val="accent6"/>
+              </a:solidFill>
+            </a:endParaRPr>
+          </a:p>
+        </p:txBody>
+      </p:sp>
+    </p:spTree>
+    <p:extLst>
+      <p:ext uri="{BB962C8B-B14F-4D97-AF65-F5344CB8AC3E}">
+        <p14:creationId xmlns:p14="http://schemas.microsoft.com/office/powerpoint/2010/main" val="4038362970"/>
+      </p:ext>
+    </p:extLst>
+  </p:cSld>
+  <p:clrMapOvr>
+    <a:masterClrMapping/>
+  </p:clrMapOvr>
+</p:sld>
+</file>
+
+<file path=ppt/slides/slide21.xml><?xml version="1.0" encoding="utf-8"?>
+<p:sld xmlns:a="http://schemas.openxmlformats.org/drawingml/2006/main" xmlns:r="http://schemas.openxmlformats.org/officeDocument/2006/relationships" xmlns:p="http://schemas.openxmlformats.org/presentationml/2006/main">
+  <p:cSld>
+    <p:spTree>
+      <p:nvGrpSpPr>
+        <p:cNvPr id="1" name=""/>
+        <p:cNvGrpSpPr/>
+        <p:nvPr/>
+      </p:nvGrpSpPr>
+      <p:grpSpPr>
+        <a:xfrm>
+          <a:off x="0" y="0"/>
+          <a:ext cx="0" cy="0"/>
+          <a:chOff x="0" y="0"/>
+          <a:chExt cx="0" cy="0"/>
+        </a:xfrm>
+      </p:grpSpPr>
+      <p:sp>
+        <p:nvSpPr>
+          <p:cNvPr id="2" name="標題 1"/>
+          <p:cNvSpPr>
+            <a:spLocks noGrp="1"/>
+          </p:cNvSpPr>
+          <p:nvPr>
+            <p:ph type="title"/>
+          </p:nvPr>
+        </p:nvSpPr>
+        <p:spPr>
+          <a:xfrm>
+            <a:off x="428793" y="3653510"/>
+            <a:ext cx="11029615" cy="1497507"/>
+          </a:xfrm>
+        </p:spPr>
+        <p:txBody>
+          <a:bodyPr>
+            <a:normAutofit/>
+          </a:bodyPr>
+          <a:lstStyle/>
+          <a:p>
+            <a:r>
+              <a:rPr lang="en-US" altLang="zh-TW" sz="7200" dirty="0" err="1" smtClean="0"/>
+              <a:t>github</a:t>
+            </a:r>
+            <a:endParaRPr lang="zh-TW" altLang="en-US" sz="7200" dirty="0"/>
+          </a:p>
+        </p:txBody>
+      </p:sp>
+    </p:spTree>
+    <p:extLst>
+      <p:ext uri="{BB962C8B-B14F-4D97-AF65-F5344CB8AC3E}">
+        <p14:creationId xmlns:p14="http://schemas.microsoft.com/office/powerpoint/2010/main" val="224526004"/>
+      </p:ext>
+    </p:extLst>
+  </p:cSld>
+  <p:clrMapOvr>
+    <a:masterClrMapping/>
+  </p:clrMapOvr>
+  <p:timing>
+    <p:tnLst>
+      <p:par>
+        <p:cTn id="1" dur="indefinite" restart="never" nodeType="tmRoot"/>
+      </p:par>
+    </p:tnLst>
+  </p:timing>
+</p:sld>
+</file>
+
+<file path=ppt/slides/slide22.xml><?xml version="1.0" encoding="utf-8"?>
+<p:sld xmlns:a="http://schemas.openxmlformats.org/drawingml/2006/main" xmlns:r="http://schemas.openxmlformats.org/officeDocument/2006/relationships" xmlns:p="http://schemas.openxmlformats.org/presentationml/2006/main">
+  <p:cSld>
+    <p:spTree>
+      <p:nvGrpSpPr>
+        <p:cNvPr id="1" name=""/>
+        <p:cNvGrpSpPr/>
+        <p:nvPr/>
+      </p:nvGrpSpPr>
+      <p:grpSpPr>
+        <a:xfrm>
+          <a:off x="0" y="0"/>
+          <a:ext cx="0" cy="0"/>
+          <a:chOff x="0" y="0"/>
+          <a:chExt cx="0" cy="0"/>
+        </a:xfrm>
+      </p:grpSpPr>
+      <p:sp>
+        <p:nvSpPr>
+          <p:cNvPr id="2" name="標題 1"/>
+          <p:cNvSpPr>
+            <a:spLocks noGrp="1"/>
+          </p:cNvSpPr>
+          <p:nvPr>
+            <p:ph type="title"/>
+          </p:nvPr>
+        </p:nvSpPr>
         <p:spPr/>
         <p:txBody>
           <a:bodyPr/>
@@ -15190,7 +17647,7 @@
 </p:sld>
 </file>
 
-<file path=ppt/slides/slide21.xml><?xml version="1.0" encoding="utf-8"?>
+<file path=ppt/slides/slide23.xml><?xml version="1.0" encoding="utf-8"?>
 <p:sld xmlns:a="http://schemas.openxmlformats.org/drawingml/2006/main" xmlns:r="http://schemas.openxmlformats.org/officeDocument/2006/relationships" xmlns:p="http://schemas.openxmlformats.org/presentationml/2006/main">
   <p:cSld>
     <p:spTree>
@@ -15257,7 +17714,7 @@
 </p:sld>
 </file>
 
-<file path=ppt/slides/slide22.xml><?xml version="1.0" encoding="utf-8"?>
+<file path=ppt/slides/slide24.xml><?xml version="1.0" encoding="utf-8"?>
 <p:sld xmlns:a="http://schemas.openxmlformats.org/drawingml/2006/main" xmlns:r="http://schemas.openxmlformats.org/officeDocument/2006/relationships" xmlns:p="http://schemas.openxmlformats.org/presentationml/2006/main">
   <p:cSld>
     <p:spTree>
@@ -15841,7 +18298,7 @@
 </p:sld>
 </file>
 
-<file path=ppt/slides/slide23.xml><?xml version="1.0" encoding="utf-8"?>
+<file path=ppt/slides/slide25.xml><?xml version="1.0" encoding="utf-8"?>
 <p:sld xmlns:a="http://schemas.openxmlformats.org/drawingml/2006/main" xmlns:r="http://schemas.openxmlformats.org/officeDocument/2006/relationships" xmlns:p="http://schemas.openxmlformats.org/presentationml/2006/main">
   <p:cSld>
     <p:spTree>
@@ -16366,7 +18823,7 @@
 </p:sld>
 </file>
 
-<file path=ppt/slides/slide24.xml><?xml version="1.0" encoding="utf-8"?>
+<file path=ppt/slides/slide26.xml><?xml version="1.0" encoding="utf-8"?>
 <p:sld xmlns:a="http://schemas.openxmlformats.org/drawingml/2006/main" xmlns:r="http://schemas.openxmlformats.org/officeDocument/2006/relationships" xmlns:p="http://schemas.openxmlformats.org/presentationml/2006/main">
   <p:cSld>
     <p:spTree>
@@ -16433,7 +18890,7 @@
 </p:sld>
 </file>
 
-<file path=ppt/slides/slide25.xml><?xml version="1.0" encoding="utf-8"?>
+<file path=ppt/slides/slide27.xml><?xml version="1.0" encoding="utf-8"?>
 <p:sld xmlns:a="http://schemas.openxmlformats.org/drawingml/2006/main" xmlns:r="http://schemas.openxmlformats.org/officeDocument/2006/relationships" xmlns:p="http://schemas.openxmlformats.org/presentationml/2006/main">
   <p:cSld>
     <p:spTree>
@@ -16548,14 +19005,14 @@
           <p:nvPr>
             <p:extLst>
               <p:ext uri="{D42A27DB-BD31-4B8C-83A1-F6EECF244321}">
-                <p14:modId xmlns:p14="http://schemas.microsoft.com/office/powerpoint/2010/main" val="1977776700"/>
+                <p14:modId xmlns:p14="http://schemas.microsoft.com/office/powerpoint/2010/main" val="3395272290"/>
               </p:ext>
             </p:extLst>
           </p:nvPr>
         </p:nvGraphicFramePr>
         <p:xfrm>
           <a:off x="460892" y="2375916"/>
-          <a:ext cx="11149916" cy="2423160"/>
+          <a:ext cx="11149916" cy="3571240"/>
         </p:xfrm>
         <a:graphic>
           <a:graphicData uri="http://schemas.openxmlformats.org/drawingml/2006/table">
@@ -16753,6 +19210,27 @@
                           <a:latin typeface="Microsoft JhengHei UI" panose="020B0604030504040204" pitchFamily="34" charset="-120"/>
                           <a:ea typeface="Microsoft JhengHei UI" panose="020B0604030504040204" pitchFamily="34" charset="-120"/>
                         </a:rPr>
+                        <a:t> </a:t>
+                      </a:r>
+                      <a:r>
+                        <a:rPr lang="en-US" altLang="zh-TW" sz="1600" b="0" baseline="0" dirty="0" smtClean="0">
+                          <a:latin typeface="Microsoft JhengHei UI" panose="020B0604030504040204" pitchFamily="34" charset="-120"/>
+                          <a:ea typeface="Microsoft JhengHei UI" panose="020B0604030504040204" pitchFamily="34" charset="-120"/>
+                        </a:rPr>
+                        <a:t>&amp; </a:t>
+                      </a:r>
+                      <a:r>
+                        <a:rPr lang="en-US" altLang="zh-TW" sz="1600" b="0" baseline="0" dirty="0" err="1" smtClean="0">
+                          <a:latin typeface="Microsoft JhengHei UI" panose="020B0604030504040204" pitchFamily="34" charset="-120"/>
+                          <a:ea typeface="Microsoft JhengHei UI" panose="020B0604030504040204" pitchFamily="34" charset="-120"/>
+                        </a:rPr>
+                        <a:t>github</a:t>
+                      </a:r>
+                      <a:r>
+                        <a:rPr lang="en-US" altLang="zh-TW" sz="1600" b="0" baseline="0" dirty="0" smtClean="0">
+                          <a:latin typeface="Microsoft JhengHei UI" panose="020B0604030504040204" pitchFamily="34" charset="-120"/>
+                          <a:ea typeface="Microsoft JhengHei UI" panose="020B0604030504040204" pitchFamily="34" charset="-120"/>
+                        </a:rPr>
                         <a:t> design</a:t>
                       </a:r>
                       <a:endParaRPr lang="en-US" altLang="zh-TW" sz="1600" b="0" dirty="0" smtClean="0">
@@ -16815,10 +19293,84 @@
                     <a:bodyPr/>
                     <a:lstStyle/>
                     <a:p>
-                      <a:endParaRPr lang="zh-TW" altLang="en-US" sz="1600" b="0" dirty="0">
+                      <a:pPr marL="342900" indent="-342900">
+                        <a:buAutoNum type="arabicPeriod"/>
+                      </a:pPr>
+                      <a:r>
+                        <a:rPr lang="en-US" altLang="zh-TW" sz="1600" b="0" dirty="0" smtClean="0">
+                          <a:latin typeface="Microsoft JhengHei UI" panose="020B0604030504040204" pitchFamily="34" charset="-120"/>
+                          <a:ea typeface="Microsoft JhengHei UI" panose="020B0604030504040204" pitchFamily="34" charset="-120"/>
+                        </a:rPr>
+                        <a:t>Data clear</a:t>
+                      </a:r>
+                    </a:p>
+                    <a:p>
+                      <a:pPr marL="342900" indent="-342900">
+                        <a:buAutoNum type="arabicPeriod"/>
+                      </a:pPr>
+                      <a:r>
+                        <a:rPr lang="en-US" altLang="zh-TW" sz="1600" b="0" dirty="0" smtClean="0">
+                          <a:latin typeface="Microsoft JhengHei UI" panose="020B0604030504040204" pitchFamily="34" charset="-120"/>
+                          <a:ea typeface="Microsoft JhengHei UI" panose="020B0604030504040204" pitchFamily="34" charset="-120"/>
+                        </a:rPr>
+                        <a:t>Word to vector</a:t>
+                      </a:r>
+                    </a:p>
+                    <a:p>
+                      <a:pPr marL="342900" indent="-342900">
+                        <a:buAutoNum type="arabicPeriod"/>
+                      </a:pPr>
+                      <a:r>
+                        <a:rPr lang="en-US" altLang="zh-TW" sz="1600" b="0" dirty="0" smtClean="0">
+                          <a:latin typeface="Microsoft JhengHei UI" panose="020B0604030504040204" pitchFamily="34" charset="-120"/>
+                          <a:ea typeface="Microsoft JhengHei UI" panose="020B0604030504040204" pitchFamily="34" charset="-120"/>
+                        </a:rPr>
+                        <a:t>Try Statistic</a:t>
+                      </a:r>
+                      <a:r>
+                        <a:rPr lang="en-US" altLang="zh-TW" sz="1600" b="0" baseline="0" dirty="0" smtClean="0">
+                          <a:latin typeface="Microsoft JhengHei UI" panose="020B0604030504040204" pitchFamily="34" charset="-120"/>
+                          <a:ea typeface="Microsoft JhengHei UI" panose="020B0604030504040204" pitchFamily="34" charset="-120"/>
+                        </a:rPr>
+                        <a:t> method</a:t>
+                      </a:r>
+                      <a:endParaRPr lang="en-US" altLang="zh-TW" sz="1600" b="0" baseline="0" dirty="0">
                         <a:latin typeface="Microsoft JhengHei UI" panose="020B0604030504040204" pitchFamily="34" charset="-120"/>
                         <a:ea typeface="Microsoft JhengHei UI" panose="020B0604030504040204" pitchFamily="34" charset="-120"/>
                       </a:endParaRPr>
+                    </a:p>
+                    <a:p>
+                      <a:pPr marL="342900" marR="0" indent="-342900" algn="l" defTabSz="457200" rtl="0" eaLnBrk="1" fontAlgn="auto" latinLnBrk="0" hangingPunct="1">
+                        <a:lnSpc>
+                          <a:spcPct val="100000"/>
+                        </a:lnSpc>
+                        <a:spcBef>
+                          <a:spcPts val="0"/>
+                        </a:spcBef>
+                        <a:spcAft>
+                          <a:spcPts val="0"/>
+                        </a:spcAft>
+                        <a:buClrTx/>
+                        <a:buSzTx/>
+                        <a:buFontTx/>
+                        <a:buAutoNum type="arabicPeriod"/>
+                        <a:tabLst/>
+                        <a:defRPr/>
+                      </a:pPr>
+                      <a:r>
+                        <a:rPr lang="en-US" altLang="zh-TW" sz="1600" b="0" dirty="0" smtClean="0">
+                          <a:latin typeface="Microsoft JhengHei UI" panose="020B0604030504040204" pitchFamily="34" charset="-120"/>
+                          <a:ea typeface="Microsoft JhengHei UI" panose="020B0604030504040204" pitchFamily="34" charset="-120"/>
+                        </a:rPr>
+                        <a:t>Try </a:t>
+                      </a:r>
+                      <a:r>
+                        <a:rPr lang="en-US" altLang="zh-TW" sz="1600" b="0" baseline="0" dirty="0" smtClean="0">
+                          <a:latin typeface="Microsoft JhengHei UI" panose="020B0604030504040204" pitchFamily="34" charset="-120"/>
+                          <a:ea typeface="Microsoft JhengHei UI" panose="020B0604030504040204" pitchFamily="34" charset="-120"/>
+                        </a:rPr>
+                        <a:t>Deep learning method </a:t>
+                      </a:r>
                     </a:p>
                   </a:txBody>
                   <a:tcPr/>
@@ -16828,6 +19380,13 @@
                     <a:bodyPr/>
                     <a:lstStyle/>
                     <a:p>
+                      <a:r>
+                        <a:rPr lang="zh-TW" altLang="en-US" sz="1600" b="0" dirty="0" smtClean="0">
+                          <a:latin typeface="Microsoft JhengHei UI" panose="020B0604030504040204" pitchFamily="34" charset="-120"/>
+                          <a:ea typeface="Microsoft JhengHei UI" panose="020B0604030504040204" pitchFamily="34" charset="-120"/>
+                        </a:rPr>
+                        <a:t>帶甜</a:t>
+                      </a:r>
                       <a:endParaRPr lang="zh-TW" altLang="en-US" sz="1600" b="0" dirty="0">
                         <a:latin typeface="Microsoft JhengHei UI" panose="020B0604030504040204" pitchFamily="34" charset="-120"/>
                         <a:ea typeface="Microsoft JhengHei UI" panose="020B0604030504040204" pitchFamily="34" charset="-120"/>
@@ -16868,10 +19427,100 @@
                     <a:bodyPr/>
                     <a:lstStyle/>
                     <a:p>
-                      <a:endParaRPr lang="zh-TW" altLang="en-US" sz="1600" b="0" dirty="0">
+                      <a:pPr marL="342900" marR="0" indent="-342900" algn="l" defTabSz="457200" rtl="0" eaLnBrk="1" fontAlgn="auto" latinLnBrk="0" hangingPunct="1">
+                        <a:lnSpc>
+                          <a:spcPct val="100000"/>
+                        </a:lnSpc>
+                        <a:spcBef>
+                          <a:spcPts val="0"/>
+                        </a:spcBef>
+                        <a:spcAft>
+                          <a:spcPts val="0"/>
+                        </a:spcAft>
+                        <a:buClrTx/>
+                        <a:buSzTx/>
+                        <a:buFontTx/>
+                        <a:buAutoNum type="arabicPeriod"/>
+                        <a:tabLst/>
+                        <a:defRPr/>
+                      </a:pPr>
+                      <a:r>
+                        <a:rPr lang="en-US" altLang="zh-TW" sz="1600" b="0" dirty="0" smtClean="0">
+                          <a:latin typeface="Microsoft JhengHei UI" panose="020B0604030504040204" pitchFamily="34" charset="-120"/>
+                          <a:ea typeface="Microsoft JhengHei UI" panose="020B0604030504040204" pitchFamily="34" charset="-120"/>
+                        </a:rPr>
+                        <a:t>Word to vector</a:t>
+                      </a:r>
+                    </a:p>
+                    <a:p>
+                      <a:pPr marL="342900" marR="0" indent="-342900" algn="l" defTabSz="457200" rtl="0" eaLnBrk="1" fontAlgn="auto" latinLnBrk="0" hangingPunct="1">
+                        <a:lnSpc>
+                          <a:spcPct val="100000"/>
+                        </a:lnSpc>
+                        <a:spcBef>
+                          <a:spcPts val="0"/>
+                        </a:spcBef>
+                        <a:spcAft>
+                          <a:spcPts val="0"/>
+                        </a:spcAft>
+                        <a:buClrTx/>
+                        <a:buSzTx/>
+                        <a:buFontTx/>
+                        <a:buAutoNum type="arabicPeriod"/>
+                        <a:tabLst/>
+                        <a:defRPr/>
+                      </a:pPr>
+                      <a:r>
+                        <a:rPr lang="en-US" altLang="zh-TW" sz="1600" b="0" dirty="0" smtClean="0">
+                          <a:latin typeface="Microsoft JhengHei UI" panose="020B0604030504040204" pitchFamily="34" charset="-120"/>
+                          <a:ea typeface="Microsoft JhengHei UI" panose="020B0604030504040204" pitchFamily="34" charset="-120"/>
+                        </a:rPr>
+                        <a:t>Try Statistic</a:t>
+                      </a:r>
+                      <a:r>
+                        <a:rPr lang="en-US" altLang="zh-TW" sz="1600" b="0" baseline="0" dirty="0" smtClean="0">
+                          <a:latin typeface="Microsoft JhengHei UI" panose="020B0604030504040204" pitchFamily="34" charset="-120"/>
+                          <a:ea typeface="Microsoft JhengHei UI" panose="020B0604030504040204" pitchFamily="34" charset="-120"/>
+                        </a:rPr>
+                        <a:t> method</a:t>
+                      </a:r>
+                      <a:endParaRPr lang="en-US" altLang="zh-TW" sz="1600" b="0" baseline="0" dirty="0">
                         <a:latin typeface="Microsoft JhengHei UI" panose="020B0604030504040204" pitchFamily="34" charset="-120"/>
                         <a:ea typeface="Microsoft JhengHei UI" panose="020B0604030504040204" pitchFamily="34" charset="-120"/>
                       </a:endParaRPr>
+                    </a:p>
+                    <a:p>
+                      <a:pPr marL="342900" marR="0" indent="-342900" algn="l" defTabSz="457200" rtl="0" eaLnBrk="1" fontAlgn="auto" latinLnBrk="0" hangingPunct="1">
+                        <a:lnSpc>
+                          <a:spcPct val="100000"/>
+                        </a:lnSpc>
+                        <a:spcBef>
+                          <a:spcPts val="0"/>
+                        </a:spcBef>
+                        <a:spcAft>
+                          <a:spcPts val="0"/>
+                        </a:spcAft>
+                        <a:buClrTx/>
+                        <a:buSzTx/>
+                        <a:buFontTx/>
+                        <a:buAutoNum type="arabicPeriod"/>
+                        <a:tabLst/>
+                        <a:defRPr/>
+                      </a:pPr>
+                      <a:r>
+                        <a:rPr lang="en-US" altLang="zh-TW" sz="1600" b="0" dirty="0" smtClean="0">
+                          <a:latin typeface="Microsoft JhengHei UI" panose="020B0604030504040204" pitchFamily="34" charset="-120"/>
+                          <a:ea typeface="Microsoft JhengHei UI" panose="020B0604030504040204" pitchFamily="34" charset="-120"/>
+                        </a:rPr>
+                        <a:t>PPT </a:t>
+                      </a:r>
+                      <a:r>
+                        <a:rPr lang="en-US" altLang="zh-TW" sz="1600" b="0" baseline="0" dirty="0" smtClean="0">
+                          <a:latin typeface="Microsoft JhengHei UI" panose="020B0604030504040204" pitchFamily="34" charset="-120"/>
+                          <a:ea typeface="Microsoft JhengHei UI" panose="020B0604030504040204" pitchFamily="34" charset="-120"/>
+                        </a:rPr>
+                        <a:t>design</a:t>
+                      </a:r>
                     </a:p>
                   </a:txBody>
                   <a:tcPr/>
@@ -16881,6 +19530,13 @@
                     <a:bodyPr/>
                     <a:lstStyle/>
                     <a:p>
+                      <a:r>
+                        <a:rPr lang="zh-TW" altLang="en-US" sz="1600" b="0" dirty="0" smtClean="0">
+                          <a:latin typeface="Microsoft JhengHei UI" panose="020B0604030504040204" pitchFamily="34" charset="-120"/>
+                          <a:ea typeface="Microsoft JhengHei UI" panose="020B0604030504040204" pitchFamily="34" charset="-120"/>
+                        </a:rPr>
+                        <a:t>帶甜</a:t>
+                      </a:r>
                       <a:endParaRPr lang="zh-TW" altLang="en-US" sz="1600" b="0" dirty="0">
                         <a:latin typeface="Microsoft JhengHei UI" panose="020B0604030504040204" pitchFamily="34" charset="-120"/>
                         <a:ea typeface="Microsoft JhengHei UI" panose="020B0604030504040204" pitchFamily="34" charset="-120"/>
@@ -17618,14 +20274,6 @@
 <file path=ppt/slides/slide5.xml><?xml version="1.0" encoding="utf-8"?>
 <p:sld xmlns:a="http://schemas.openxmlformats.org/drawingml/2006/main" xmlns:r="http://schemas.openxmlformats.org/officeDocument/2006/relationships" xmlns:p="http://schemas.openxmlformats.org/presentationml/2006/main">
   <p:cSld>
-    <p:bg>
-      <p:bgPr>
-        <a:solidFill>
-          <a:schemeClr val="bg1"/>
-        </a:solidFill>
-        <a:effectLst/>
-      </p:bgPr>
-    </p:bg>
     <p:spTree>
       <p:nvGrpSpPr>
         <p:cNvPr id="1" name=""/>
@@ -17738,7 +20386,7 @@
         </p:nvSpPr>
         <p:spPr>
           <a:xfrm>
-            <a:off x="1764395" y="2624719"/>
+            <a:off x="1766446" y="2624719"/>
             <a:ext cx="960129" cy="590204"/>
           </a:xfrm>
           <a:prstGeom prst="roundRect">
@@ -18057,7 +20705,7 @@
         <p:spPr>
           <a:xfrm flipV="1">
             <a:off x="1517070" y="2919821"/>
-            <a:ext cx="247325" cy="899079"/>
+            <a:ext cx="249376" cy="899079"/>
           </a:xfrm>
           <a:prstGeom prst="straightConnector1">
             <a:avLst/>
@@ -18179,8 +20827,8 @@
         </p:nvCxnSpPr>
         <p:spPr>
           <a:xfrm>
-            <a:off x="2724524" y="2919821"/>
-            <a:ext cx="278181" cy="837576"/>
+            <a:off x="2726575" y="2919821"/>
+            <a:ext cx="276130" cy="837576"/>
           </a:xfrm>
           <a:prstGeom prst="straightConnector1">
             <a:avLst/>
@@ -18373,47 +21021,6 @@
           </a:fontRef>
         </p:style>
       </p:cxnSp>
-      <p:cxnSp>
-        <p:nvCxnSpPr>
-          <p:cNvPr id="65" name="直線單箭頭接點 64"/>
-          <p:cNvCxnSpPr>
-            <a:stCxn id="9" idx="3"/>
-            <a:endCxn id="88" idx="1"/>
-          </p:cNvCxnSpPr>
-          <p:nvPr/>
-        </p:nvCxnSpPr>
-        <p:spPr>
-          <a:xfrm>
-            <a:off x="5316163" y="3763617"/>
-            <a:ext cx="299269" cy="986709"/>
-          </a:xfrm>
-          <a:prstGeom prst="straightConnector1">
-            <a:avLst/>
-          </a:prstGeom>
-          <a:ln>
-            <a:solidFill>
-              <a:schemeClr val="bg2">
-                <a:lumMod val="75000"/>
-              </a:schemeClr>
-            </a:solidFill>
-            <a:tailEnd type="triangle"/>
-          </a:ln>
-        </p:spPr>
-        <p:style>
-          <a:lnRef idx="1">
-            <a:schemeClr val="accent1"/>
-          </a:lnRef>
-          <a:fillRef idx="0">
-            <a:schemeClr val="accent1"/>
-          </a:fillRef>
-          <a:effectRef idx="0">
-            <a:schemeClr val="accent1"/>
-          </a:effectRef>
-          <a:fontRef idx="minor">
-            <a:schemeClr val="tx1"/>
-          </a:fontRef>
-        </p:style>
-      </p:cxnSp>
       <p:sp>
         <p:nvSpPr>
           <p:cNvPr id="71" name="圓角矩形 70"/>
@@ -18482,7 +21089,7 @@
           </a:xfrm>
           <a:prstGeom prst="bentConnector3">
             <a:avLst>
-              <a:gd name="adj1" fmla="val 305347"/>
+              <a:gd name="adj1" fmla="val 223490"/>
             </a:avLst>
           </a:prstGeom>
           <a:ln>
@@ -18517,7 +21124,7 @@
         </p:nvSpPr>
         <p:spPr>
           <a:xfrm>
-            <a:off x="5615432" y="4299871"/>
+            <a:off x="6679673" y="4166132"/>
             <a:ext cx="1398783" cy="900909"/>
           </a:xfrm>
           <a:prstGeom prst="roundRect">
@@ -18618,47 +21225,6 @@
           <a:xfrm flipV="1">
             <a:off x="9824566" y="3788148"/>
             <a:ext cx="771304" cy="617082"/>
-          </a:xfrm>
-          <a:prstGeom prst="straightConnector1">
-            <a:avLst/>
-          </a:prstGeom>
-          <a:ln>
-            <a:solidFill>
-              <a:schemeClr val="bg2">
-                <a:lumMod val="75000"/>
-              </a:schemeClr>
-            </a:solidFill>
-            <a:tailEnd type="triangle"/>
-          </a:ln>
-        </p:spPr>
-        <p:style>
-          <a:lnRef idx="1">
-            <a:schemeClr val="accent1"/>
-          </a:lnRef>
-          <a:fillRef idx="0">
-            <a:schemeClr val="accent1"/>
-          </a:fillRef>
-          <a:effectRef idx="0">
-            <a:schemeClr val="accent1"/>
-          </a:effectRef>
-          <a:fontRef idx="minor">
-            <a:schemeClr val="tx1"/>
-          </a:fontRef>
-        </p:style>
-      </p:cxnSp>
-      <p:cxnSp>
-        <p:nvCxnSpPr>
-          <p:cNvPr id="126" name="直線單箭頭接點 125"/>
-          <p:cNvCxnSpPr>
-            <a:stCxn id="88" idx="3"/>
-            <a:endCxn id="60" idx="1"/>
-          </p:cNvCxnSpPr>
-          <p:nvPr/>
-        </p:nvCxnSpPr>
-        <p:spPr>
-          <a:xfrm flipV="1">
-            <a:off x="7014215" y="4500702"/>
-            <a:ext cx="168781" cy="249624"/>
           </a:xfrm>
           <a:prstGeom prst="straightConnector1">
             <a:avLst/>
@@ -18772,7 +21338,7 @@
             <a:pPr algn="ctr"/>
             <a:r>
               <a:rPr lang="en-US" altLang="zh-TW" sz="1400" dirty="0" smtClean="0"/>
-              <a:t>Data(10%)</a:t>
+              <a:t>Data</a:t>
             </a:r>
             <a:endParaRPr lang="zh-TW" altLang="en-US" sz="1400" dirty="0"/>
           </a:p>
@@ -18791,47 +21357,6 @@
           <a:xfrm>
             <a:off x="8050804" y="2938008"/>
             <a:ext cx="562492" cy="317470"/>
-          </a:xfrm>
-          <a:prstGeom prst="straightConnector1">
-            <a:avLst/>
-          </a:prstGeom>
-          <a:ln>
-            <a:solidFill>
-              <a:schemeClr val="bg2">
-                <a:lumMod val="75000"/>
-              </a:schemeClr>
-            </a:solidFill>
-            <a:tailEnd type="triangle"/>
-          </a:ln>
-        </p:spPr>
-        <p:style>
-          <a:lnRef idx="1">
-            <a:schemeClr val="accent1"/>
-          </a:lnRef>
-          <a:fillRef idx="0">
-            <a:schemeClr val="accent1"/>
-          </a:fillRef>
-          <a:effectRef idx="0">
-            <a:schemeClr val="accent1"/>
-          </a:effectRef>
-          <a:fontRef idx="minor">
-            <a:schemeClr val="tx1"/>
-          </a:fontRef>
-        </p:style>
-      </p:cxnSp>
-      <p:cxnSp>
-        <p:nvCxnSpPr>
-          <p:cNvPr id="36" name="直線單箭頭接點 35"/>
-          <p:cNvCxnSpPr>
-            <a:stCxn id="60" idx="3"/>
-            <a:endCxn id="32" idx="1"/>
-          </p:cNvCxnSpPr>
-          <p:nvPr/>
-        </p:nvCxnSpPr>
-        <p:spPr>
-          <a:xfrm flipV="1">
-            <a:off x="8050804" y="3255478"/>
-            <a:ext cx="562492" cy="1245224"/>
           </a:xfrm>
           <a:prstGeom prst="straightConnector1">
             <a:avLst/>
@@ -18909,7 +21434,7 @@
         </p:nvSpPr>
         <p:spPr>
           <a:xfrm>
-            <a:off x="7182996" y="4299871"/>
+            <a:off x="5621845" y="4149415"/>
             <a:ext cx="867808" cy="401662"/>
           </a:xfrm>
           <a:prstGeom prst="roundRect">
@@ -18952,7 +21477,7 @@
         </p:nvSpPr>
         <p:spPr>
           <a:xfrm>
-            <a:off x="7182994" y="4799118"/>
+            <a:off x="5629222" y="4660934"/>
             <a:ext cx="867809" cy="401662"/>
           </a:xfrm>
           <a:prstGeom prst="roundRect">
@@ -18991,88 +21516,6 @@
           </a:p>
         </p:txBody>
       </p:sp>
-      <p:cxnSp>
-        <p:nvCxnSpPr>
-          <p:cNvPr id="106" name="直線單箭頭接點 105"/>
-          <p:cNvCxnSpPr>
-            <a:stCxn id="88" idx="3"/>
-            <a:endCxn id="103" idx="1"/>
-          </p:cNvCxnSpPr>
-          <p:nvPr/>
-        </p:nvCxnSpPr>
-        <p:spPr>
-          <a:xfrm>
-            <a:off x="7014215" y="4750326"/>
-            <a:ext cx="168779" cy="249623"/>
-          </a:xfrm>
-          <a:prstGeom prst="straightConnector1">
-            <a:avLst/>
-          </a:prstGeom>
-          <a:ln>
-            <a:solidFill>
-              <a:schemeClr val="bg2">
-                <a:lumMod val="75000"/>
-              </a:schemeClr>
-            </a:solidFill>
-            <a:tailEnd type="triangle"/>
-          </a:ln>
-        </p:spPr>
-        <p:style>
-          <a:lnRef idx="1">
-            <a:schemeClr val="accent1"/>
-          </a:lnRef>
-          <a:fillRef idx="0">
-            <a:schemeClr val="accent1"/>
-          </a:fillRef>
-          <a:effectRef idx="0">
-            <a:schemeClr val="accent1"/>
-          </a:effectRef>
-          <a:fontRef idx="minor">
-            <a:schemeClr val="tx1"/>
-          </a:fontRef>
-        </p:style>
-      </p:cxnSp>
-      <p:cxnSp>
-        <p:nvCxnSpPr>
-          <p:cNvPr id="120" name="直線單箭頭接點 119"/>
-          <p:cNvCxnSpPr>
-            <a:stCxn id="103" idx="3"/>
-            <a:endCxn id="32" idx="1"/>
-          </p:cNvCxnSpPr>
-          <p:nvPr/>
-        </p:nvCxnSpPr>
-        <p:spPr>
-          <a:xfrm flipV="1">
-            <a:off x="8050803" y="3255478"/>
-            <a:ext cx="562493" cy="1744471"/>
-          </a:xfrm>
-          <a:prstGeom prst="straightConnector1">
-            <a:avLst/>
-          </a:prstGeom>
-          <a:ln>
-            <a:solidFill>
-              <a:schemeClr val="bg2">
-                <a:lumMod val="75000"/>
-              </a:schemeClr>
-            </a:solidFill>
-            <a:tailEnd type="triangle"/>
-          </a:ln>
-        </p:spPr>
-        <p:style>
-          <a:lnRef idx="1">
-            <a:schemeClr val="accent1"/>
-          </a:lnRef>
-          <a:fillRef idx="0">
-            <a:schemeClr val="accent1"/>
-          </a:fillRef>
-          <a:effectRef idx="0">
-            <a:schemeClr val="accent1"/>
-          </a:effectRef>
-          <a:fontRef idx="minor">
-            <a:schemeClr val="tx1"/>
-          </a:fontRef>
-        </p:style>
-      </p:cxnSp>
       <p:cxnSp>
         <p:nvCxnSpPr>
           <p:cNvPr id="124" name="肘形接點 123"/>
@@ -19116,10 +21559,564 @@
           </a:fontRef>
         </p:style>
       </p:cxnSp>
+      <p:cxnSp>
+        <p:nvCxnSpPr>
+          <p:cNvPr id="37" name="直線單箭頭接點 36"/>
+          <p:cNvCxnSpPr>
+            <a:stCxn id="8" idx="2"/>
+            <a:endCxn id="41" idx="1"/>
+          </p:cNvCxnSpPr>
+          <p:nvPr/>
+        </p:nvCxnSpPr>
+        <p:spPr>
+          <a:xfrm>
+            <a:off x="3732752" y="4111329"/>
+            <a:ext cx="890292" cy="2160070"/>
+          </a:xfrm>
+          <a:prstGeom prst="straightConnector1">
+            <a:avLst/>
+          </a:prstGeom>
+          <a:ln>
+            <a:solidFill>
+              <a:schemeClr val="bg2">
+                <a:lumMod val="75000"/>
+              </a:schemeClr>
+            </a:solidFill>
+            <a:tailEnd type="triangle"/>
+          </a:ln>
+        </p:spPr>
+        <p:style>
+          <a:lnRef idx="1">
+            <a:schemeClr val="accent1"/>
+          </a:lnRef>
+          <a:fillRef idx="0">
+            <a:schemeClr val="accent1"/>
+          </a:fillRef>
+          <a:effectRef idx="0">
+            <a:schemeClr val="accent1"/>
+          </a:effectRef>
+          <a:fontRef idx="minor">
+            <a:schemeClr val="tx1"/>
+          </a:fontRef>
+        </p:style>
+      </p:cxnSp>
+      <p:sp>
+        <p:nvSpPr>
+          <p:cNvPr id="41" name="圓角矩形 40"/>
+          <p:cNvSpPr/>
+          <p:nvPr/>
+        </p:nvSpPr>
+        <p:spPr>
+          <a:xfrm>
+            <a:off x="4623044" y="5820944"/>
+            <a:ext cx="3455412" cy="900909"/>
+          </a:xfrm>
+          <a:prstGeom prst="roundRect">
+            <a:avLst/>
+          </a:prstGeom>
+          <a:ln/>
+        </p:spPr>
+        <p:style>
+          <a:lnRef idx="2">
+            <a:schemeClr val="accent2">
+              <a:shade val="50000"/>
+            </a:schemeClr>
+          </a:lnRef>
+          <a:fillRef idx="1">
+            <a:schemeClr val="accent2"/>
+          </a:fillRef>
+          <a:effectRef idx="0">
+            <a:schemeClr val="accent2"/>
+          </a:effectRef>
+          <a:fontRef idx="minor">
+            <a:schemeClr val="lt1"/>
+          </a:fontRef>
+        </p:style>
+        <p:txBody>
+          <a:bodyPr rtlCol="0" anchor="ctr"/>
+          <a:lstStyle/>
+          <a:p>
+            <a:pPr algn="ctr"/>
+            <a:r>
+              <a:rPr lang="en-US" altLang="zh-TW" sz="1400" dirty="0" smtClean="0"/>
+              <a:t>Spacy.TextRecognizer</a:t>
+            </a:r>
+          </a:p>
+          <a:p>
+            <a:pPr algn="ctr"/>
+            <a:endParaRPr lang="en-US" altLang="zh-TW" sz="1400" dirty="0"/>
+          </a:p>
+          <a:p>
+            <a:pPr algn="ctr"/>
+            <a:endParaRPr lang="en-US" altLang="zh-TW" sz="1400" dirty="0" smtClean="0"/>
+          </a:p>
+          <a:p>
+            <a:pPr algn="ctr"/>
+            <a:endParaRPr lang="en-US" altLang="zh-TW" sz="1400" dirty="0" smtClean="0"/>
+          </a:p>
+        </p:txBody>
+      </p:sp>
+      <p:sp>
+        <p:nvSpPr>
+          <p:cNvPr id="44" name="圓角矩形 43"/>
+          <p:cNvSpPr/>
+          <p:nvPr/>
+        </p:nvSpPr>
+        <p:spPr>
+          <a:xfrm>
+            <a:off x="5268872" y="6190766"/>
+            <a:ext cx="693119" cy="403904"/>
+          </a:xfrm>
+          <a:prstGeom prst="roundRect">
+            <a:avLst/>
+          </a:prstGeom>
+          <a:ln/>
+        </p:spPr>
+        <p:style>
+          <a:lnRef idx="2">
+            <a:schemeClr val="accent5">
+              <a:shade val="50000"/>
+            </a:schemeClr>
+          </a:lnRef>
+          <a:fillRef idx="1">
+            <a:schemeClr val="accent5"/>
+          </a:fillRef>
+          <a:effectRef idx="0">
+            <a:schemeClr val="accent5"/>
+          </a:effectRef>
+          <a:fontRef idx="minor">
+            <a:schemeClr val="lt1"/>
+          </a:fontRef>
+        </p:style>
+        <p:txBody>
+          <a:bodyPr rtlCol="0" anchor="ctr"/>
+          <a:lstStyle/>
+          <a:p>
+            <a:pPr algn="ctr"/>
+            <a:r>
+              <a:rPr lang="en-US" altLang="zh-TW" sz="1400" dirty="0" smtClean="0"/>
+              <a:t>W2V</a:t>
+            </a:r>
+            <a:endParaRPr lang="zh-TW" altLang="en-US" sz="1400" dirty="0"/>
+          </a:p>
+        </p:txBody>
+      </p:sp>
+      <p:sp>
+        <p:nvSpPr>
+          <p:cNvPr id="47" name="圓角矩形 46"/>
+          <p:cNvSpPr/>
+          <p:nvPr/>
+        </p:nvSpPr>
+        <p:spPr>
+          <a:xfrm>
+            <a:off x="7145041" y="6190766"/>
+            <a:ext cx="693119" cy="403904"/>
+          </a:xfrm>
+          <a:prstGeom prst="roundRect">
+            <a:avLst/>
+          </a:prstGeom>
+          <a:ln/>
+        </p:spPr>
+        <p:style>
+          <a:lnRef idx="2">
+            <a:schemeClr val="accent5">
+              <a:shade val="50000"/>
+            </a:schemeClr>
+          </a:lnRef>
+          <a:fillRef idx="1">
+            <a:schemeClr val="accent5"/>
+          </a:fillRef>
+          <a:effectRef idx="0">
+            <a:schemeClr val="accent5"/>
+          </a:effectRef>
+          <a:fontRef idx="minor">
+            <a:schemeClr val="lt1"/>
+          </a:fontRef>
+        </p:style>
+        <p:txBody>
+          <a:bodyPr rtlCol="0" anchor="ctr"/>
+          <a:lstStyle/>
+          <a:p>
+            <a:pPr algn="ctr"/>
+            <a:r>
+              <a:rPr lang="en-US" altLang="zh-TW" sz="1400" dirty="0" smtClean="0"/>
+              <a:t>CNN</a:t>
+            </a:r>
+            <a:endParaRPr lang="zh-TW" altLang="en-US" sz="1400" dirty="0"/>
+          </a:p>
+        </p:txBody>
+      </p:sp>
+      <p:cxnSp>
+        <p:nvCxnSpPr>
+          <p:cNvPr id="49" name="直線單箭頭接點 48"/>
+          <p:cNvCxnSpPr>
+            <a:stCxn id="44" idx="3"/>
+            <a:endCxn id="47" idx="1"/>
+          </p:cNvCxnSpPr>
+          <p:nvPr/>
+        </p:nvCxnSpPr>
+        <p:spPr>
+          <a:xfrm>
+            <a:off x="5961991" y="6392718"/>
+            <a:ext cx="1183050" cy="0"/>
+          </a:xfrm>
+          <a:prstGeom prst="straightConnector1">
+            <a:avLst/>
+          </a:prstGeom>
+          <a:ln>
+            <a:solidFill>
+              <a:schemeClr val="bg2">
+                <a:lumMod val="75000"/>
+              </a:schemeClr>
+            </a:solidFill>
+            <a:tailEnd type="triangle"/>
+          </a:ln>
+        </p:spPr>
+        <p:style>
+          <a:lnRef idx="1">
+            <a:schemeClr val="accent1"/>
+          </a:lnRef>
+          <a:fillRef idx="0">
+            <a:schemeClr val="accent1"/>
+          </a:fillRef>
+          <a:effectRef idx="0">
+            <a:schemeClr val="accent1"/>
+          </a:effectRef>
+          <a:fontRef idx="minor">
+            <a:schemeClr val="tx1"/>
+          </a:fontRef>
+        </p:style>
+      </p:cxnSp>
+      <p:cxnSp>
+        <p:nvCxnSpPr>
+          <p:cNvPr id="52" name="直線單箭頭接點 51"/>
+          <p:cNvCxnSpPr>
+            <a:stCxn id="41" idx="3"/>
+            <a:endCxn id="71" idx="2"/>
+          </p:cNvCxnSpPr>
+          <p:nvPr/>
+        </p:nvCxnSpPr>
+        <p:spPr>
+          <a:xfrm flipV="1">
+            <a:off x="8078456" y="4700332"/>
+            <a:ext cx="1155907" cy="1571067"/>
+          </a:xfrm>
+          <a:prstGeom prst="straightConnector1">
+            <a:avLst/>
+          </a:prstGeom>
+          <a:ln>
+            <a:solidFill>
+              <a:schemeClr val="bg2">
+                <a:lumMod val="75000"/>
+              </a:schemeClr>
+            </a:solidFill>
+            <a:tailEnd type="triangle"/>
+          </a:ln>
+        </p:spPr>
+        <p:style>
+          <a:lnRef idx="1">
+            <a:schemeClr val="accent1"/>
+          </a:lnRef>
+          <a:fillRef idx="0">
+            <a:schemeClr val="accent1"/>
+          </a:fillRef>
+          <a:effectRef idx="0">
+            <a:schemeClr val="accent1"/>
+          </a:effectRef>
+          <a:fontRef idx="minor">
+            <a:schemeClr val="tx1"/>
+          </a:fontRef>
+        </p:style>
+      </p:cxnSp>
+      <p:cxnSp>
+        <p:nvCxnSpPr>
+          <p:cNvPr id="55" name="直線單箭頭接點 54"/>
+          <p:cNvCxnSpPr>
+            <a:stCxn id="9" idx="3"/>
+            <a:endCxn id="60" idx="1"/>
+          </p:cNvCxnSpPr>
+          <p:nvPr/>
+        </p:nvCxnSpPr>
+        <p:spPr>
+          <a:xfrm>
+            <a:off x="5316163" y="3763617"/>
+            <a:ext cx="305682" cy="586629"/>
+          </a:xfrm>
+          <a:prstGeom prst="straightConnector1">
+            <a:avLst/>
+          </a:prstGeom>
+          <a:ln>
+            <a:solidFill>
+              <a:schemeClr val="bg2">
+                <a:lumMod val="75000"/>
+              </a:schemeClr>
+            </a:solidFill>
+            <a:tailEnd type="triangle"/>
+          </a:ln>
+        </p:spPr>
+        <p:style>
+          <a:lnRef idx="1">
+            <a:schemeClr val="accent1"/>
+          </a:lnRef>
+          <a:fillRef idx="0">
+            <a:schemeClr val="accent1"/>
+          </a:fillRef>
+          <a:effectRef idx="0">
+            <a:schemeClr val="accent1"/>
+          </a:effectRef>
+          <a:fontRef idx="minor">
+            <a:schemeClr val="tx1"/>
+          </a:fontRef>
+        </p:style>
+      </p:cxnSp>
+      <p:cxnSp>
+        <p:nvCxnSpPr>
+          <p:cNvPr id="57" name="直線單箭頭接點 56"/>
+          <p:cNvCxnSpPr>
+            <a:stCxn id="9" idx="3"/>
+            <a:endCxn id="103" idx="1"/>
+          </p:cNvCxnSpPr>
+          <p:nvPr/>
+        </p:nvCxnSpPr>
+        <p:spPr>
+          <a:xfrm>
+            <a:off x="5316163" y="3763617"/>
+            <a:ext cx="313059" cy="1098148"/>
+          </a:xfrm>
+          <a:prstGeom prst="straightConnector1">
+            <a:avLst/>
+          </a:prstGeom>
+          <a:ln>
+            <a:solidFill>
+              <a:schemeClr val="bg2">
+                <a:lumMod val="75000"/>
+              </a:schemeClr>
+            </a:solidFill>
+            <a:tailEnd type="triangle"/>
+          </a:ln>
+        </p:spPr>
+        <p:style>
+          <a:lnRef idx="1">
+            <a:schemeClr val="accent1"/>
+          </a:lnRef>
+          <a:fillRef idx="0">
+            <a:schemeClr val="accent1"/>
+          </a:fillRef>
+          <a:effectRef idx="0">
+            <a:schemeClr val="accent1"/>
+          </a:effectRef>
+          <a:fontRef idx="minor">
+            <a:schemeClr val="tx1"/>
+          </a:fontRef>
+        </p:style>
+      </p:cxnSp>
+      <p:cxnSp>
+        <p:nvCxnSpPr>
+          <p:cNvPr id="61" name="直線單箭頭接點 60"/>
+          <p:cNvCxnSpPr>
+            <a:stCxn id="60" idx="3"/>
+            <a:endCxn id="88" idx="1"/>
+          </p:cNvCxnSpPr>
+          <p:nvPr/>
+        </p:nvCxnSpPr>
+        <p:spPr>
+          <a:xfrm>
+            <a:off x="6489653" y="4350246"/>
+            <a:ext cx="190020" cy="266341"/>
+          </a:xfrm>
+          <a:prstGeom prst="straightConnector1">
+            <a:avLst/>
+          </a:prstGeom>
+          <a:ln>
+            <a:solidFill>
+              <a:schemeClr val="bg2">
+                <a:lumMod val="75000"/>
+              </a:schemeClr>
+            </a:solidFill>
+            <a:tailEnd type="triangle"/>
+          </a:ln>
+        </p:spPr>
+        <p:style>
+          <a:lnRef idx="1">
+            <a:schemeClr val="accent1"/>
+          </a:lnRef>
+          <a:fillRef idx="0">
+            <a:schemeClr val="accent1"/>
+          </a:fillRef>
+          <a:effectRef idx="0">
+            <a:schemeClr val="accent1"/>
+          </a:effectRef>
+          <a:fontRef idx="minor">
+            <a:schemeClr val="tx1"/>
+          </a:fontRef>
+        </p:style>
+      </p:cxnSp>
+      <p:cxnSp>
+        <p:nvCxnSpPr>
+          <p:cNvPr id="63" name="直線單箭頭接點 62"/>
+          <p:cNvCxnSpPr>
+            <a:stCxn id="103" idx="3"/>
+            <a:endCxn id="88" idx="1"/>
+          </p:cNvCxnSpPr>
+          <p:nvPr/>
+        </p:nvCxnSpPr>
+        <p:spPr>
+          <a:xfrm flipV="1">
+            <a:off x="6497031" y="4616587"/>
+            <a:ext cx="182642" cy="245178"/>
+          </a:xfrm>
+          <a:prstGeom prst="straightConnector1">
+            <a:avLst/>
+          </a:prstGeom>
+          <a:ln>
+            <a:solidFill>
+              <a:schemeClr val="bg2">
+                <a:lumMod val="75000"/>
+              </a:schemeClr>
+            </a:solidFill>
+            <a:tailEnd type="triangle"/>
+          </a:ln>
+        </p:spPr>
+        <p:style>
+          <a:lnRef idx="1">
+            <a:schemeClr val="accent1"/>
+          </a:lnRef>
+          <a:fillRef idx="0">
+            <a:schemeClr val="accent1"/>
+          </a:fillRef>
+          <a:effectRef idx="0">
+            <a:schemeClr val="accent1"/>
+          </a:effectRef>
+          <a:fontRef idx="minor">
+            <a:schemeClr val="tx1"/>
+          </a:fontRef>
+        </p:style>
+      </p:cxnSp>
+      <p:cxnSp>
+        <p:nvCxnSpPr>
+          <p:cNvPr id="66" name="直線單箭頭接點 65"/>
+          <p:cNvCxnSpPr>
+            <a:stCxn id="88" idx="3"/>
+            <a:endCxn id="32" idx="1"/>
+          </p:cNvCxnSpPr>
+          <p:nvPr/>
+        </p:nvCxnSpPr>
+        <p:spPr>
+          <a:xfrm flipV="1">
+            <a:off x="8078456" y="3255478"/>
+            <a:ext cx="534840" cy="1361109"/>
+          </a:xfrm>
+          <a:prstGeom prst="straightConnector1">
+            <a:avLst/>
+          </a:prstGeom>
+          <a:ln>
+            <a:solidFill>
+              <a:schemeClr val="bg2">
+                <a:lumMod val="75000"/>
+              </a:schemeClr>
+            </a:solidFill>
+            <a:tailEnd type="triangle"/>
+          </a:ln>
+        </p:spPr>
+        <p:style>
+          <a:lnRef idx="1">
+            <a:schemeClr val="accent1"/>
+          </a:lnRef>
+          <a:fillRef idx="0">
+            <a:schemeClr val="accent1"/>
+          </a:fillRef>
+          <a:effectRef idx="0">
+            <a:schemeClr val="accent1"/>
+          </a:effectRef>
+          <a:fontRef idx="minor">
+            <a:schemeClr val="tx1"/>
+          </a:fontRef>
+        </p:style>
+      </p:cxnSp>
+      <p:cxnSp>
+        <p:nvCxnSpPr>
+          <p:cNvPr id="69" name="直線單箭頭接點 68"/>
+          <p:cNvCxnSpPr>
+            <a:stCxn id="88" idx="3"/>
+            <a:endCxn id="71" idx="1"/>
+          </p:cNvCxnSpPr>
+          <p:nvPr/>
+        </p:nvCxnSpPr>
+        <p:spPr>
+          <a:xfrm flipV="1">
+            <a:off x="8078456" y="4405230"/>
+            <a:ext cx="565703" cy="211357"/>
+          </a:xfrm>
+          <a:prstGeom prst="straightConnector1">
+            <a:avLst/>
+          </a:prstGeom>
+          <a:ln>
+            <a:solidFill>
+              <a:schemeClr val="bg2">
+                <a:lumMod val="75000"/>
+              </a:schemeClr>
+            </a:solidFill>
+            <a:tailEnd type="triangle"/>
+          </a:ln>
+        </p:spPr>
+        <p:style>
+          <a:lnRef idx="1">
+            <a:schemeClr val="accent1"/>
+          </a:lnRef>
+          <a:fillRef idx="0">
+            <a:schemeClr val="accent1"/>
+          </a:fillRef>
+          <a:effectRef idx="0">
+            <a:schemeClr val="accent1"/>
+          </a:effectRef>
+          <a:fontRef idx="minor">
+            <a:schemeClr val="tx1"/>
+          </a:fontRef>
+        </p:style>
+      </p:cxnSp>
+      <p:cxnSp>
+        <p:nvCxnSpPr>
+          <p:cNvPr id="72" name="直線接點 71"/>
+          <p:cNvCxnSpPr/>
+          <p:nvPr/>
+        </p:nvCxnSpPr>
+        <p:spPr>
+          <a:xfrm flipV="1">
+            <a:off x="3838353" y="5659510"/>
+            <a:ext cx="5396009" cy="12180"/>
+          </a:xfrm>
+          <a:prstGeom prst="line">
+            <a:avLst/>
+          </a:prstGeom>
+          <a:ln w="9525" cap="flat" cmpd="sng" algn="ctr">
+            <a:solidFill>
+              <a:schemeClr val="accent4"/>
+            </a:solidFill>
+            <a:prstDash val="dash"/>
+            <a:round/>
+            <a:headEnd type="none" w="med" len="med"/>
+            <a:tailEnd type="none" w="med" len="med"/>
+          </a:ln>
+        </p:spPr>
+        <p:style>
+          <a:lnRef idx="0">
+            <a:scrgbClr r="0" g="0" b="0"/>
+          </a:lnRef>
+          <a:fillRef idx="0">
+            <a:scrgbClr r="0" g="0" b="0"/>
+          </a:fillRef>
+          <a:effectRef idx="0">
+            <a:scrgbClr r="0" g="0" b="0"/>
+          </a:effectRef>
+          <a:fontRef idx="minor">
+            <a:schemeClr val="tx1"/>
+          </a:fontRef>
+        </p:style>
+      </p:cxnSp>
     </p:spTree>
     <p:extLst>
       <p:ext uri="{BB962C8B-B14F-4D97-AF65-F5344CB8AC3E}">
-        <p14:creationId xmlns:p14="http://schemas.microsoft.com/office/powerpoint/2010/main" val="3897948653"/>
+        <p14:creationId xmlns:p14="http://schemas.microsoft.com/office/powerpoint/2010/main" val="846542974"/>
       </p:ext>
     </p:extLst>
   </p:cSld>
@@ -22996,6 +25993,23 @@
 </file>
 
 <file path=customXml/item1.xml><?xml version="1.0" encoding="utf-8"?>
+<?mso-contentType ?>
+<FormTemplates xmlns="http://schemas.microsoft.com/sharepoint/v3/contenttype/forms">
+  <Display>DocumentLibraryForm</Display>
+  <Edit>DocumentLibraryForm</Edit>
+  <New>DocumentLibraryForm</New>
+</FormTemplates>
+</file>
+
+<file path=customXml/item2.xml><?xml version="1.0" encoding="utf-8"?>
+<p:properties xmlns:p="http://schemas.microsoft.com/office/2006/metadata/properties" xmlns:xsi="http://www.w3.org/2001/XMLSchema-instance" xmlns:pc="http://schemas.microsoft.com/office/infopath/2007/PartnerControls">
+  <documentManagement>
+    <MediaServiceKeyPoints xmlns="71af3243-3dd4-4a8d-8c0d-dd76da1f02a5" xsi:nil="true"/>
+  </documentManagement>
+</p:properties>
+</file>
+
+<file path=customXml/item3.xml><?xml version="1.0" encoding="utf-8"?>
 <ct:contentTypeSchema xmlns:ct="http://schemas.microsoft.com/office/2006/metadata/contentType" xmlns:ma="http://schemas.microsoft.com/office/2006/metadata/properties/metaAttributes" ct:_="" ma:_="" ma:contentTypeName="Document" ma:contentTypeID="0x01010079F111ED35F8CC479449609E8A0923A6" ma:contentTypeVersion="11" ma:contentTypeDescription="Create a new document." ma:contentTypeScope="" ma:versionID="9677210f24a1be23c92c90fd886aa0aa">
   <xsd:schema xmlns:xsd="http://www.w3.org/2001/XMLSchema" xmlns:xs="http://www.w3.org/2001/XMLSchema" xmlns:p="http://schemas.microsoft.com/office/2006/metadata/properties" xmlns:ns2="71af3243-3dd4-4a8d-8c0d-dd76da1f02a5" xmlns:ns3="16c05727-aa75-4e4a-9b5f-8a80a1165891" targetNamespace="http://schemas.microsoft.com/office/2006/metadata/properties" ma:root="true" ma:fieldsID="60e05723c5c1908df1a1a4ebf11d344e" ns2:_="" ns3:_="">
     <xsd:import namespace="71af3243-3dd4-4a8d-8c0d-dd76da1f02a5"/>
@@ -23206,24 +26220,25 @@
 </ct:contentTypeSchema>
 </file>
 
-<file path=customXml/item2.xml><?xml version="1.0" encoding="utf-8"?>
-<?mso-contentType ?>
-<FormTemplates xmlns="http://schemas.microsoft.com/sharepoint/v3/contenttype/forms">
-  <Display>DocumentLibraryForm</Display>
-  <Edit>DocumentLibraryForm</Edit>
-  <New>DocumentLibraryForm</New>
-</FormTemplates>
+<file path=customXml/itemProps1.xml><?xml version="1.0" encoding="utf-8"?>
+<ds:datastoreItem xmlns:ds="http://schemas.openxmlformats.org/officeDocument/2006/customXml" ds:itemID="{D1CAB62D-49E5-4271-85C6-1466970BAB69}">
+  <ds:schemaRefs>
+    <ds:schemaRef ds:uri="http://schemas.microsoft.com/sharepoint/v3/contenttype/forms"/>
+  </ds:schemaRefs>
+</ds:datastoreItem>
 </file>
 
-<file path=customXml/item3.xml><?xml version="1.0" encoding="utf-8"?>
-<p:properties xmlns:p="http://schemas.microsoft.com/office/2006/metadata/properties" xmlns:xsi="http://www.w3.org/2001/XMLSchema-instance" xmlns:pc="http://schemas.microsoft.com/office/infopath/2007/PartnerControls">
-  <documentManagement>
-    <MediaServiceKeyPoints xmlns="71af3243-3dd4-4a8d-8c0d-dd76da1f02a5" xsi:nil="true"/>
-  </documentManagement>
-</p:properties>
+<file path=customXml/itemProps2.xml><?xml version="1.0" encoding="utf-8"?>
+<ds:datastoreItem xmlns:ds="http://schemas.openxmlformats.org/officeDocument/2006/customXml" ds:itemID="{AA7F0652-397B-4F71-B75E-207A80EB2786}">
+  <ds:schemaRefs>
+    <ds:schemaRef ds:uri="http://schemas.microsoft.com/office/2006/metadata/properties"/>
+    <ds:schemaRef ds:uri="http://schemas.microsoft.com/office/infopath/2007/PartnerControls"/>
+    <ds:schemaRef ds:uri="71af3243-3dd4-4a8d-8c0d-dd76da1f02a5"/>
+  </ds:schemaRefs>
+</ds:datastoreItem>
 </file>
 
-<file path=customXml/itemProps1.xml><?xml version="1.0" encoding="utf-8"?>
+<file path=customXml/itemProps3.xml><?xml version="1.0" encoding="utf-8"?>
 <ds:datastoreItem xmlns:ds="http://schemas.openxmlformats.org/officeDocument/2006/customXml" ds:itemID="{D5A32ED2-6DBA-4E14-851E-DE5772C902F3}">
   <ds:schemaRefs>
     <ds:schemaRef ds:uri="http://schemas.microsoft.com/office/2006/metadata/contentType"/>
@@ -23240,22 +26255,4 @@
     <ds:schemaRef ds:uri="http://schemas.microsoft.com/internal/obd"/>
   </ds:schemaRefs>
 </ds:datastoreItem>
-</file>
-
-<file path=customXml/itemProps2.xml><?xml version="1.0" encoding="utf-8"?>
-<ds:datastoreItem xmlns:ds="http://schemas.openxmlformats.org/officeDocument/2006/customXml" ds:itemID="{D1CAB62D-49E5-4271-85C6-1466970BAB69}">
-  <ds:schemaRefs>
-    <ds:schemaRef ds:uri="http://schemas.microsoft.com/sharepoint/v3/contenttype/forms"/>
-  </ds:schemaRefs>
-</ds:datastoreItem>
-</file>
-
-<file path=customXml/itemProps3.xml><?xml version="1.0" encoding="utf-8"?>
-<ds:datastoreItem xmlns:ds="http://schemas.openxmlformats.org/officeDocument/2006/customXml" ds:itemID="{AA7F0652-397B-4F71-B75E-207A80EB2786}">
-  <ds:schemaRefs>
-    <ds:schemaRef ds:uri="http://schemas.microsoft.com/office/2006/metadata/properties"/>
-    <ds:schemaRef ds:uri="http://schemas.microsoft.com/office/infopath/2007/PartnerControls"/>
-    <ds:schemaRef ds:uri="71af3243-3dd4-4a8d-8c0d-dd76da1f02a5"/>
-  </ds:schemaRefs>
-</ds:datastoreItem>
 </file>
--- a/Case_Presentation_1/ppt/case1_CT_02.pptx
+++ b/Case_Presentation_1/ppt/case1_CT_02.pptx
@@ -237,7 +237,7 @@
                 <a:latin typeface="Microsoft JhengHei UI" panose="020B0604030504040204" pitchFamily="34" charset="-120"/>
                 <a:ea typeface="Microsoft JhengHei UI" panose="020B0604030504040204" pitchFamily="34" charset="-120"/>
               </a:rPr>
-              <a:t>2021/10/19</a:t>
+              <a:t>2021/10/20</a:t>
             </a:fld>
             <a:endParaRPr lang="zh-TW" altLang="en-US" dirty="0">
               <a:latin typeface="Microsoft JhengHei UI" panose="020B0604030504040204" pitchFamily="34" charset="-120"/>
@@ -423,7 +423,7 @@
           <a:p>
             <a:fld id="{BBB6D878-1482-46B1-B594-315C7A27685A}" type="datetime1">
               <a:rPr lang="zh-TW" altLang="en-US" noProof="0" smtClean="0"/>
-              <a:t>2021/10/19</a:t>
+              <a:t>2021/10/20</a:t>
             </a:fld>
             <a:endParaRPr lang="zh-TW" altLang="en-US" noProof="0" dirty="0"/>
           </a:p>
@@ -3292,7 +3292,7 @@
             <a:pPr rtl="0"/>
             <a:fld id="{8ED88A50-215E-468E-827C-42AE249A1C51}" type="datetime1">
               <a:rPr lang="zh-TW" altLang="en-US" noProof="0" smtClean="0"/>
-              <a:t>2021/10/19</a:t>
+              <a:t>2021/10/20</a:t>
             </a:fld>
             <a:endParaRPr lang="zh-TW" altLang="en-US" noProof="0" dirty="0"/>
           </a:p>
@@ -3554,7 +3554,7 @@
             <a:pPr rtl="0"/>
             <a:fld id="{D6C9D539-0D53-48B5-9E72-7002309E311F}" type="datetime1">
               <a:rPr lang="zh-TW" altLang="en-US" noProof="0" smtClean="0"/>
-              <a:t>2021/10/19</a:t>
+              <a:t>2021/10/20</a:t>
             </a:fld>
             <a:endParaRPr lang="zh-TW" altLang="en-US" noProof="0" dirty="0"/>
           </a:p>
@@ -3789,7 +3789,7 @@
             <a:pPr rtl="0"/>
             <a:fld id="{48E54D84-2993-4C36-A82E-7B3A7AF31A54}" type="datetime1">
               <a:rPr lang="zh-TW" altLang="en-US" noProof="0" smtClean="0"/>
-              <a:t>2021/10/19</a:t>
+              <a:t>2021/10/20</a:t>
             </a:fld>
             <a:endParaRPr lang="zh-TW" altLang="en-US" noProof="0" dirty="0"/>
           </a:p>
@@ -4029,7 +4029,7 @@
             <a:pPr rtl="0"/>
             <a:fld id="{D73E7FC9-F991-4E60-A471-A91FDB4A45AC}" type="datetime1">
               <a:rPr lang="zh-TW" altLang="en-US" noProof="0" smtClean="0"/>
-              <a:t>2021/10/19</a:t>
+              <a:t>2021/10/20</a:t>
             </a:fld>
             <a:endParaRPr lang="zh-TW" altLang="en-US" noProof="0" dirty="0"/>
           </a:p>
@@ -4336,7 +4336,7 @@
             <a:pPr rtl="0"/>
             <a:fld id="{A4EEDE44-BA41-4E3A-8776-BD0C8196250C}" type="datetime1">
               <a:rPr lang="zh-TW" altLang="en-US" noProof="0" smtClean="0"/>
-              <a:t>2021/10/19</a:t>
+              <a:t>2021/10/20</a:t>
             </a:fld>
             <a:endParaRPr lang="zh-TW" altLang="en-US" noProof="0" dirty="0"/>
           </a:p>
@@ -4638,7 +4638,7 @@
             <a:pPr rtl="0"/>
             <a:fld id="{F4B8659F-CA7A-4C3A-9D10-E5E8E21E48DE}" type="datetime1">
               <a:rPr lang="zh-TW" altLang="en-US" noProof="0" smtClean="0"/>
-              <a:t>2021/10/19</a:t>
+              <a:t>2021/10/20</a:t>
             </a:fld>
             <a:endParaRPr lang="zh-TW" altLang="en-US" noProof="0" dirty="0"/>
           </a:p>
@@ -5060,7 +5060,7 @@
             <a:pPr rtl="0"/>
             <a:fld id="{0C6448A1-7DA6-4094-92A3-B84F1C7DDCB9}" type="datetime1">
               <a:rPr lang="zh-TW" altLang="en-US" noProof="0" smtClean="0"/>
-              <a:t>2021/10/19</a:t>
+              <a:t>2021/10/20</a:t>
             </a:fld>
             <a:endParaRPr lang="zh-TW" altLang="en-US" noProof="0" dirty="0"/>
           </a:p>
@@ -5222,7 +5222,7 @@
             <a:pPr rtl="0"/>
             <a:fld id="{D40C8A5F-0A80-42DD-9603-0B61C4DB190B}" type="datetime1">
               <a:rPr lang="zh-TW" altLang="en-US" noProof="0" smtClean="0"/>
-              <a:t>2021/10/19</a:t>
+              <a:t>2021/10/20</a:t>
             </a:fld>
             <a:endParaRPr lang="zh-TW" altLang="en-US" noProof="0" dirty="0"/>
           </a:p>
@@ -5316,7 +5316,7 @@
             <a:pPr rtl="0"/>
             <a:fld id="{71FAD4C2-D65D-4A0F-A151-0D79808B4228}" type="datetime1">
               <a:rPr lang="zh-TW" altLang="en-US" noProof="0" smtClean="0"/>
-              <a:t>2021/10/19</a:t>
+              <a:t>2021/10/20</a:t>
             </a:fld>
             <a:endParaRPr lang="zh-TW" altLang="en-US" noProof="0" dirty="0"/>
           </a:p>
@@ -5694,7 +5694,7 @@
             <a:pPr rtl="0"/>
             <a:fld id="{6820BF0F-D78A-44A7-BCB4-3FADDF770EE4}" type="datetime1">
               <a:rPr lang="zh-TW" altLang="en-US" noProof="0" smtClean="0"/>
-              <a:t>2021/10/19</a:t>
+              <a:t>2021/10/20</a:t>
             </a:fld>
             <a:endParaRPr lang="zh-TW" altLang="en-US" noProof="0" dirty="0"/>
           </a:p>
@@ -5984,7 +5984,7 @@
             <a:pPr rtl="0"/>
             <a:fld id="{F95A0CF5-590E-40CC-964F-83273B68E425}" type="datetime1">
               <a:rPr lang="zh-TW" altLang="en-US" noProof="0" smtClean="0"/>
-              <a:t>2021/10/19</a:t>
+              <a:t>2021/10/20</a:t>
             </a:fld>
             <a:endParaRPr lang="zh-TW" altLang="en-US" noProof="0" dirty="0"/>
           </a:p>
@@ -6194,7 +6194,7 @@
           <a:p>
             <a:fld id="{7C741ED0-6F00-40F9-AFA4-51A44224A830}" type="datetime1">
               <a:rPr lang="zh-TW" altLang="en-US" noProof="0" smtClean="0"/>
-              <a:t>2021/10/19</a:t>
+              <a:t>2021/10/20</a:t>
             </a:fld>
             <a:endParaRPr lang="zh-TW" altLang="en-US" noProof="0" dirty="0"/>
           </a:p>
@@ -6812,7 +6812,7 @@
                 <a16:creationId xmlns:a16="http://schemas.microsoft.com/office/drawing/2014/main" id="{683F1FFD-1AA8-4EC2-97B9-FEC7564F489B}"/>
               </a:ext>
               <a:ext uri="{C183D7F6-B498-43B3-948B-1728B52AA6E4}">
-                <adec:decorative xmlns:adec="http://schemas.microsoft.com/office/drawing/2017/decorative" xmlns="" val="1"/>
+                <adec:decorative xmlns="" xmlns:adec="http://schemas.microsoft.com/office/drawing/2017/decorative" val="1"/>
               </a:ext>
             </a:extLst>
           </p:cNvPr>
@@ -6910,7 +6910,7 @@
                 <a16:creationId xmlns:a16="http://schemas.microsoft.com/office/drawing/2014/main" id="{8FF0F8A7-C9E3-49D9-A67E-09FF582C7821}"/>
               </a:ext>
               <a:ext uri="{C183D7F6-B498-43B3-948B-1728B52AA6E4}">
-                <adec:decorative xmlns:adec="http://schemas.microsoft.com/office/drawing/2017/decorative" xmlns="" val="1"/>
+                <adec:decorative xmlns="" xmlns:adec="http://schemas.microsoft.com/office/drawing/2017/decorative" val="1"/>
               </a:ext>
             </a:extLst>
           </p:cNvPr>
@@ -7112,26 +7112,21 @@
               <a:t>游智鈞 </a:t>
             </a:r>
             <a:r>
+              <a:rPr lang="en-US" altLang="zh-TW" dirty="0" smtClean="0">
+                <a:solidFill>
+                  <a:srgbClr val="EBEBEB"/>
+                </a:solidFill>
+              </a:rPr>
+              <a:t>310551059</a:t>
+            </a:r>
+          </a:p>
+          <a:p>
+            <a:r>
               <a:rPr lang="zh-TW" altLang="en-US" dirty="0">
                 <a:solidFill>
                   <a:srgbClr val="EBEBEB"/>
                 </a:solidFill>
               </a:rPr>
-              <a:t>待填</a:t>
-            </a:r>
-            <a:endParaRPr lang="en-US" altLang="zh-TW" dirty="0" smtClean="0">
-              <a:solidFill>
-                <a:srgbClr val="EBEBEB"/>
-              </a:solidFill>
-            </a:endParaRPr>
-          </a:p>
-          <a:p>
-            <a:r>
-              <a:rPr lang="zh-TW" altLang="en-US" dirty="0">
-                <a:solidFill>
-                  <a:srgbClr val="EBEBEB"/>
-                </a:solidFill>
-              </a:rPr>
               <a:t>高承</a:t>
             </a:r>
             <a:r>
@@ -7140,21 +7135,16 @@
                   <a:srgbClr val="EBEBEB"/>
                 </a:solidFill>
               </a:rPr>
-              <a:t>翰 待</a:t>
-            </a:r>
-            <a:r>
-              <a:rPr lang="zh-TW" altLang="en-US" dirty="0">
+              <a:t>翰 </a:t>
+            </a:r>
+            <a:r>
+              <a:rPr lang="en-US" altLang="zh-TW" dirty="0" smtClean="0">
                 <a:solidFill>
                   <a:srgbClr val="EBEBEB"/>
                 </a:solidFill>
               </a:rPr>
-              <a:t>填</a:t>
-            </a:r>
-            <a:endParaRPr lang="en-US" altLang="zh-TW" dirty="0" smtClean="0">
-              <a:solidFill>
-                <a:srgbClr val="EBEBEB"/>
-              </a:solidFill>
-            </a:endParaRPr>
+              <a:t>310551106</a:t>
+            </a:r>
           </a:p>
           <a:p>
             <a:pPr rtl="0"/>
@@ -7176,7 +7166,7 @@
                 <a16:creationId xmlns:a16="http://schemas.microsoft.com/office/drawing/2014/main" id="{A4274C20-A98B-4AC3-B16A-B7F41CB582DC}"/>
               </a:ext>
               <a:ext uri="{C183D7F6-B498-43B3-948B-1728B52AA6E4}">
-                <adec:decorative xmlns:adec="http://schemas.microsoft.com/office/drawing/2017/decorative" xmlns="" val="1"/>
+                <adec:decorative xmlns="" xmlns:adec="http://schemas.microsoft.com/office/drawing/2017/decorative" val="1"/>
               </a:ext>
             </a:extLst>
           </p:cNvPr>
@@ -7207,7 +7197,7 @@
                   <a16:creationId xmlns:a16="http://schemas.microsoft.com/office/drawing/2014/main" id="{43ECC69B-2243-424A-8237-CF490F8B06C1}"/>
                 </a:ext>
                 <a:ext uri="{C183D7F6-B498-43B3-948B-1728B52AA6E4}">
-                  <adec:decorative xmlns:adec="http://schemas.microsoft.com/office/drawing/2017/decorative" xmlns="" val="1"/>
+                  <adec:decorative xmlns="" xmlns:adec="http://schemas.microsoft.com/office/drawing/2017/decorative" val="1"/>
                 </a:ext>
               </a:extLst>
             </p:cNvPr>
@@ -7259,7 +7249,7 @@
                   <a16:creationId xmlns:a16="http://schemas.microsoft.com/office/drawing/2014/main" id="{6D2EA3B9-3D17-4510-8464-E74F67267C00}"/>
                 </a:ext>
                 <a:ext uri="{C183D7F6-B498-43B3-948B-1728B52AA6E4}">
-                  <adec:decorative xmlns:adec="http://schemas.microsoft.com/office/drawing/2017/decorative" xmlns="" val="1"/>
+                  <adec:decorative xmlns="" xmlns:adec="http://schemas.microsoft.com/office/drawing/2017/decorative" val="1"/>
                 </a:ext>
               </a:extLst>
             </p:cNvPr>
@@ -7311,7 +7301,7 @@
                   <a16:creationId xmlns:a16="http://schemas.microsoft.com/office/drawing/2014/main" id="{AA5DFA43-F31D-4C31-8826-6B40A21CF9AD}"/>
                 </a:ext>
                 <a:ext uri="{C183D7F6-B498-43B3-948B-1728B52AA6E4}">
-                  <adec:decorative xmlns:adec="http://schemas.microsoft.com/office/drawing/2017/decorative" xmlns="" val="1"/>
+                  <adec:decorative xmlns="" xmlns:adec="http://schemas.microsoft.com/office/drawing/2017/decorative" val="1"/>
                 </a:ext>
               </a:extLst>
             </p:cNvPr>
@@ -7366,6 +7356,13 @@
   <p:clrMapOvr>
     <a:masterClrMapping/>
   </p:clrMapOvr>
+  <p:timing>
+    <p:tnLst>
+      <p:par>
+        <p:cTn id="1" dur="indefinite" restart="never" nodeType="tmRoot"/>
+      </p:par>
+    </p:tnLst>
+  </p:timing>
 </p:sld>
 </file>
 
@@ -16546,7 +16543,7 @@
         <p:spPr>
           <a:xfrm>
             <a:off x="581192" y="5132472"/>
-            <a:ext cx="11332778" cy="584775"/>
+            <a:ext cx="11332778" cy="830997"/>
           </a:xfrm>
           <a:prstGeom prst="rect">
             <a:avLst/>
@@ -16566,7 +16563,26 @@
                 <a:latin typeface="Microsoft JhengHei UI" panose="020B0604030504040204" pitchFamily="34" charset="-120"/>
                 <a:ea typeface="Microsoft JhengHei UI" panose="020B0604030504040204" pitchFamily="34" charset="-120"/>
               </a:rPr>
-              <a:t>Redesign and reduce word vector.</a:t>
+              <a:t>Redesign and reduce word vector</a:t>
+            </a:r>
+            <a:r>
+              <a:rPr lang="en-US" altLang="zh-TW" sz="1600" dirty="0" smtClean="0">
+                <a:latin typeface="Microsoft JhengHei UI" panose="020B0604030504040204" pitchFamily="34" charset="-120"/>
+                <a:ea typeface="Microsoft JhengHei UI" panose="020B0604030504040204" pitchFamily="34" charset="-120"/>
+              </a:rPr>
+              <a:t>.</a:t>
+            </a:r>
+          </a:p>
+          <a:p>
+            <a:pPr marL="342900" lvl="0" indent="-342900">
+              <a:buAutoNum type="arabicPeriod"/>
+            </a:pPr>
+            <a:r>
+              <a:rPr lang="en-US" altLang="zh-TW" sz="1600" dirty="0" smtClean="0">
+                <a:latin typeface="Microsoft JhengHei UI" panose="020B0604030504040204" pitchFamily="34" charset="-120"/>
+                <a:ea typeface="Microsoft JhengHei UI" panose="020B0604030504040204" pitchFamily="34" charset="-120"/>
+              </a:rPr>
+              <a:t>Redesign the weight.</a:t>
             </a:r>
             <a:endParaRPr lang="en-US" altLang="zh-TW" sz="1600" dirty="0">
               <a:latin typeface="Microsoft JhengHei UI" panose="020B0604030504040204" pitchFamily="34" charset="-120"/>
@@ -17275,6 +17291,13 @@
   <p:clrMapOvr>
     <a:masterClrMapping/>
   </p:clrMapOvr>
+  <p:timing>
+    <p:tnLst>
+      <p:par>
+        <p:cTn id="1" dur="indefinite" restart="never" nodeType="tmRoot"/>
+      </p:par>
+    </p:tnLst>
+  </p:timing>
 </p:sld>
 </file>
 
@@ -17506,9 +17529,9 @@
         <p:grpSpPr>
           <a:xfrm>
             <a:off x="474742" y="2716431"/>
-            <a:ext cx="3324174" cy="441388"/>
+            <a:ext cx="3255163" cy="441388"/>
             <a:chOff x="4192673" y="1618424"/>
-            <a:chExt cx="2365367" cy="441388"/>
+            <a:chExt cx="2316261" cy="441388"/>
           </a:xfrm>
         </p:grpSpPr>
         <p:sp>
@@ -17554,7 +17577,7 @@
           </p:nvSpPr>
           <p:spPr>
             <a:xfrm>
-              <a:off x="4471908" y="1665029"/>
+              <a:off x="4422802" y="1665029"/>
               <a:ext cx="2086132" cy="348178"/>
             </a:xfrm>
             <a:prstGeom prst="rect">
@@ -17605,7 +17628,7 @@
       </p:grpSp>
       <p:pic>
         <p:nvPicPr>
-          <p:cNvPr id="4" name="圖片 3"/>
+          <p:cNvPr id="3" name="圖片 2"/>
           <p:cNvPicPr>
             <a:picLocks noChangeAspect="1"/>
           </p:cNvPicPr>
@@ -17619,8 +17642,8 @@
         </p:blipFill>
         <p:spPr>
           <a:xfrm>
-            <a:off x="5843215" y="2077163"/>
-            <a:ext cx="4281686" cy="4549291"/>
+            <a:off x="6387736" y="1945734"/>
+            <a:ext cx="3918857" cy="4651010"/>
           </a:xfrm>
           <a:prstGeom prst="rect">
             <a:avLst/>
@@ -19005,14 +19028,14 @@
           <p:nvPr>
             <p:extLst>
               <p:ext uri="{D42A27DB-BD31-4B8C-83A1-F6EECF244321}">
-                <p14:modId xmlns:p14="http://schemas.microsoft.com/office/powerpoint/2010/main" val="3395272290"/>
+                <p14:modId xmlns:p14="http://schemas.microsoft.com/office/powerpoint/2010/main" val="1481027703"/>
               </p:ext>
             </p:extLst>
           </p:nvPr>
         </p:nvGraphicFramePr>
         <p:xfrm>
           <a:off x="460892" y="2375916"/>
-          <a:ext cx="11149916" cy="3571240"/>
+          <a:ext cx="11149916" cy="4058920"/>
         </p:xfrm>
         <a:graphic>
           <a:graphicData uri="http://schemas.openxmlformats.org/drawingml/2006/table">
@@ -19210,14 +19233,7 @@
                           <a:latin typeface="Microsoft JhengHei UI" panose="020B0604030504040204" pitchFamily="34" charset="-120"/>
                           <a:ea typeface="Microsoft JhengHei UI" panose="020B0604030504040204" pitchFamily="34" charset="-120"/>
                         </a:rPr>
-                        <a:t> </a:t>
-                      </a:r>
-                      <a:r>
-                        <a:rPr lang="en-US" altLang="zh-TW" sz="1600" b="0" baseline="0" dirty="0" smtClean="0">
-                          <a:latin typeface="Microsoft JhengHei UI" panose="020B0604030504040204" pitchFamily="34" charset="-120"/>
-                          <a:ea typeface="Microsoft JhengHei UI" panose="020B0604030504040204" pitchFamily="34" charset="-120"/>
-                        </a:rPr>
-                        <a:t>&amp; </a:t>
+                        <a:t> &amp; </a:t>
                       </a:r>
                       <a:r>
                         <a:rPr lang="en-US" altLang="zh-TW" sz="1600" b="0" baseline="0" dirty="0" err="1" smtClean="0">
@@ -19372,6 +19388,39 @@
                         <a:t>Deep learning method </a:t>
                       </a:r>
                     </a:p>
+                    <a:p>
+                      <a:pPr marL="342900" marR="0" indent="-342900" algn="l" defTabSz="457200" rtl="0" eaLnBrk="1" fontAlgn="auto" latinLnBrk="0" hangingPunct="1">
+                        <a:lnSpc>
+                          <a:spcPct val="100000"/>
+                        </a:lnSpc>
+                        <a:spcBef>
+                          <a:spcPts val="0"/>
+                        </a:spcBef>
+                        <a:spcAft>
+                          <a:spcPts val="0"/>
+                        </a:spcAft>
+                        <a:buClrTx/>
+                        <a:buSzTx/>
+                        <a:buFontTx/>
+                        <a:buAutoNum type="arabicPeriod"/>
+                        <a:tabLst/>
+                        <a:defRPr/>
+                      </a:pPr>
+                      <a:r>
+                        <a:rPr lang="en-US" altLang="zh-TW" sz="1600" b="0" dirty="0" smtClean="0">
+                          <a:latin typeface="Microsoft JhengHei UI" panose="020B0604030504040204" pitchFamily="34" charset="-120"/>
+                          <a:ea typeface="Microsoft JhengHei UI" panose="020B0604030504040204" pitchFamily="34" charset="-120"/>
+                        </a:rPr>
+                        <a:t>PPT </a:t>
+                      </a:r>
+                      <a:r>
+                        <a:rPr lang="en-US" altLang="zh-TW" sz="1600" b="0" baseline="0" dirty="0" smtClean="0">
+                          <a:latin typeface="Microsoft JhengHei UI" panose="020B0604030504040204" pitchFamily="34" charset="-120"/>
+                          <a:ea typeface="Microsoft JhengHei UI" panose="020B0604030504040204" pitchFamily="34" charset="-120"/>
+                        </a:rPr>
+                        <a:t>design</a:t>
+                      </a:r>
+                    </a:p>
                   </a:txBody>
                   <a:tcPr/>
                 </a:tc>
@@ -19381,11 +19430,11 @@
                     <a:lstStyle/>
                     <a:p>
                       <a:r>
-                        <a:rPr lang="zh-TW" altLang="en-US" sz="1600" b="0" dirty="0" smtClean="0">
+                        <a:rPr lang="en-US" altLang="zh-TW" sz="1600" b="0" dirty="0" smtClean="0">
                           <a:latin typeface="Microsoft JhengHei UI" panose="020B0604030504040204" pitchFamily="34" charset="-120"/>
                           <a:ea typeface="Microsoft JhengHei UI" panose="020B0604030504040204" pitchFamily="34" charset="-120"/>
                         </a:rPr>
-                        <a:t>帶甜</a:t>
+                        <a:t>thomas91714@gmail.com</a:t>
                       </a:r>
                       <a:endParaRPr lang="zh-TW" altLang="en-US" sz="1600" b="0" dirty="0">
                         <a:latin typeface="Microsoft JhengHei UI" panose="020B0604030504040204" pitchFamily="34" charset="-120"/>
@@ -19426,6 +19475,32 @@
                   <a:txBody>
                     <a:bodyPr/>
                     <a:lstStyle/>
+                    <a:p>
+                      <a:pPr marL="342900" marR="0" indent="-342900" algn="l" defTabSz="457200" rtl="0" eaLnBrk="1" fontAlgn="auto" latinLnBrk="0" hangingPunct="1">
+                        <a:lnSpc>
+                          <a:spcPct val="100000"/>
+                        </a:lnSpc>
+                        <a:spcBef>
+                          <a:spcPts val="0"/>
+                        </a:spcBef>
+                        <a:spcAft>
+                          <a:spcPts val="0"/>
+                        </a:spcAft>
+                        <a:buClrTx/>
+                        <a:buSzTx/>
+                        <a:buFontTx/>
+                        <a:buAutoNum type="arabicPeriod"/>
+                        <a:tabLst/>
+                        <a:defRPr/>
+                      </a:pPr>
+                      <a:r>
+                        <a:rPr lang="en-US" altLang="zh-TW" sz="1600" b="0" dirty="0" smtClean="0">
+                          <a:latin typeface="Microsoft JhengHei UI" panose="020B0604030504040204" pitchFamily="34" charset="-120"/>
+                          <a:ea typeface="Microsoft JhengHei UI" panose="020B0604030504040204" pitchFamily="34" charset="-120"/>
+                        </a:rPr>
+                        <a:t>Data clear</a:t>
+                      </a:r>
+                    </a:p>
                     <a:p>
                       <a:pPr marL="342900" marR="0" indent="-342900" algn="l" defTabSz="457200" rtl="0" eaLnBrk="1" fontAlgn="auto" latinLnBrk="0" hangingPunct="1">
                         <a:lnSpc>
@@ -19531,11 +19606,11 @@
                     <a:lstStyle/>
                     <a:p>
                       <a:r>
-                        <a:rPr lang="zh-TW" altLang="en-US" sz="1600" b="0" dirty="0" smtClean="0">
+                        <a:rPr lang="en-US" altLang="zh-TW" sz="1600" b="0" dirty="0" smtClean="0">
                           <a:latin typeface="Microsoft JhengHei UI" panose="020B0604030504040204" pitchFamily="34" charset="-120"/>
                           <a:ea typeface="Microsoft JhengHei UI" panose="020B0604030504040204" pitchFamily="34" charset="-120"/>
                         </a:rPr>
-                        <a:t>帶甜</a:t>
+                        <a:t>climnehcc234@gmail.com</a:t>
                       </a:r>
                       <a:endParaRPr lang="zh-TW" altLang="en-US" sz="1600" b="0" dirty="0">
                         <a:latin typeface="Microsoft JhengHei UI" panose="020B0604030504040204" pitchFamily="34" charset="-120"/>
@@ -19644,6 +19719,13 @@
   <p:clrMapOvr>
     <a:masterClrMapping/>
   </p:clrMapOvr>
+  <p:timing>
+    <p:tnLst>
+      <p:par>
+        <p:cTn id="1" dur="indefinite" restart="never" nodeType="tmRoot"/>
+      </p:par>
+    </p:tnLst>
+  </p:timing>
 </p:sld>
 </file>
 
@@ -20268,6 +20350,13 @@
   <p:clrMapOvr>
     <a:masterClrMapping/>
   </p:clrMapOvr>
+  <p:timing>
+    <p:tnLst>
+      <p:par>
+        <p:cTn id="1" dur="indefinite" restart="never" nodeType="tmRoot"/>
+      </p:par>
+    </p:tnLst>
+  </p:timing>
 </p:sld>
 </file>
 
@@ -22123,6 +22212,13 @@
   <p:clrMapOvr>
     <a:masterClrMapping/>
   </p:clrMapOvr>
+  <p:timing>
+    <p:tnLst>
+      <p:par>
+        <p:cTn id="1" dur="indefinite" restart="never" nodeType="tmRoot"/>
+      </p:par>
+    </p:tnLst>
+  </p:timing>
 </p:sld>
 </file>
 
@@ -25993,20 +26089,20 @@
 </file>
 
 <file path=customXml/item1.xml><?xml version="1.0" encoding="utf-8"?>
+<p:properties xmlns:p="http://schemas.microsoft.com/office/2006/metadata/properties" xmlns:xsi="http://www.w3.org/2001/XMLSchema-instance" xmlns:pc="http://schemas.microsoft.com/office/infopath/2007/PartnerControls">
+  <documentManagement>
+    <MediaServiceKeyPoints xmlns="71af3243-3dd4-4a8d-8c0d-dd76da1f02a5" xsi:nil="true"/>
+  </documentManagement>
+</p:properties>
+</file>
+
+<file path=customXml/item2.xml><?xml version="1.0" encoding="utf-8"?>
 <?mso-contentType ?>
 <FormTemplates xmlns="http://schemas.microsoft.com/sharepoint/v3/contenttype/forms">
   <Display>DocumentLibraryForm</Display>
   <Edit>DocumentLibraryForm</Edit>
   <New>DocumentLibraryForm</New>
 </FormTemplates>
-</file>
-
-<file path=customXml/item2.xml><?xml version="1.0" encoding="utf-8"?>
-<p:properties xmlns:p="http://schemas.microsoft.com/office/2006/metadata/properties" xmlns:xsi="http://www.w3.org/2001/XMLSchema-instance" xmlns:pc="http://schemas.microsoft.com/office/infopath/2007/PartnerControls">
-  <documentManagement>
-    <MediaServiceKeyPoints xmlns="71af3243-3dd4-4a8d-8c0d-dd76da1f02a5" xsi:nil="true"/>
-  </documentManagement>
-</p:properties>
 </file>
 
 <file path=customXml/item3.xml><?xml version="1.0" encoding="utf-8"?>
@@ -26221,19 +26317,19 @@
 </file>
 
 <file path=customXml/itemProps1.xml><?xml version="1.0" encoding="utf-8"?>
-<ds:datastoreItem xmlns:ds="http://schemas.openxmlformats.org/officeDocument/2006/customXml" ds:itemID="{D1CAB62D-49E5-4271-85C6-1466970BAB69}">
+<ds:datastoreItem xmlns:ds="http://schemas.openxmlformats.org/officeDocument/2006/customXml" ds:itemID="{AA7F0652-397B-4F71-B75E-207A80EB2786}">
   <ds:schemaRefs>
-    <ds:schemaRef ds:uri="http://schemas.microsoft.com/sharepoint/v3/contenttype/forms"/>
+    <ds:schemaRef ds:uri="http://schemas.microsoft.com/office/2006/metadata/properties"/>
+    <ds:schemaRef ds:uri="http://schemas.microsoft.com/office/infopath/2007/PartnerControls"/>
+    <ds:schemaRef ds:uri="71af3243-3dd4-4a8d-8c0d-dd76da1f02a5"/>
   </ds:schemaRefs>
 </ds:datastoreItem>
 </file>
 
 <file path=customXml/itemProps2.xml><?xml version="1.0" encoding="utf-8"?>
-<ds:datastoreItem xmlns:ds="http://schemas.openxmlformats.org/officeDocument/2006/customXml" ds:itemID="{AA7F0652-397B-4F71-B75E-207A80EB2786}">
+<ds:datastoreItem xmlns:ds="http://schemas.openxmlformats.org/officeDocument/2006/customXml" ds:itemID="{D1CAB62D-49E5-4271-85C6-1466970BAB69}">
   <ds:schemaRefs>
-    <ds:schemaRef ds:uri="http://schemas.microsoft.com/office/2006/metadata/properties"/>
-    <ds:schemaRef ds:uri="http://schemas.microsoft.com/office/infopath/2007/PartnerControls"/>
-    <ds:schemaRef ds:uri="71af3243-3dd4-4a8d-8c0d-dd76da1f02a5"/>
+    <ds:schemaRef ds:uri="http://schemas.microsoft.com/sharepoint/v3/contenttype/forms"/>
   </ds:schemaRefs>
 </ds:datastoreItem>
 </file>

--- a/Case_Presentation_1/ppt/case1_CT_02.pptx
+++ b/Case_Presentation_1/ppt/case1_CT_02.pptx
@@ -6812,7 +6812,7 @@
                 <a16:creationId xmlns:a16="http://schemas.microsoft.com/office/drawing/2014/main" id="{683F1FFD-1AA8-4EC2-97B9-FEC7564F489B}"/>
               </a:ext>
               <a:ext uri="{C183D7F6-B498-43B3-948B-1728B52AA6E4}">
-                <adec:decorative xmlns="" xmlns:adec="http://schemas.microsoft.com/office/drawing/2017/decorative" val="1"/>
+                <adec:decorative xmlns:adec="http://schemas.microsoft.com/office/drawing/2017/decorative" xmlns="" val="1"/>
               </a:ext>
             </a:extLst>
           </p:cNvPr>
@@ -6910,7 +6910,7 @@
                 <a16:creationId xmlns:a16="http://schemas.microsoft.com/office/drawing/2014/main" id="{8FF0F8A7-C9E3-49D9-A67E-09FF582C7821}"/>
               </a:ext>
               <a:ext uri="{C183D7F6-B498-43B3-948B-1728B52AA6E4}">
-                <adec:decorative xmlns="" xmlns:adec="http://schemas.microsoft.com/office/drawing/2017/decorative" val="1"/>
+                <adec:decorative xmlns:adec="http://schemas.microsoft.com/office/drawing/2017/decorative" xmlns="" val="1"/>
               </a:ext>
             </a:extLst>
           </p:cNvPr>
@@ -7166,7 +7166,7 @@
                 <a16:creationId xmlns:a16="http://schemas.microsoft.com/office/drawing/2014/main" id="{A4274C20-A98B-4AC3-B16A-B7F41CB582DC}"/>
               </a:ext>
               <a:ext uri="{C183D7F6-B498-43B3-948B-1728B52AA6E4}">
-                <adec:decorative xmlns="" xmlns:adec="http://schemas.microsoft.com/office/drawing/2017/decorative" val="1"/>
+                <adec:decorative xmlns:adec="http://schemas.microsoft.com/office/drawing/2017/decorative" xmlns="" val="1"/>
               </a:ext>
             </a:extLst>
           </p:cNvPr>
@@ -7197,7 +7197,7 @@
                   <a16:creationId xmlns:a16="http://schemas.microsoft.com/office/drawing/2014/main" id="{43ECC69B-2243-424A-8237-CF490F8B06C1}"/>
                 </a:ext>
                 <a:ext uri="{C183D7F6-B498-43B3-948B-1728B52AA6E4}">
-                  <adec:decorative xmlns="" xmlns:adec="http://schemas.microsoft.com/office/drawing/2017/decorative" val="1"/>
+                  <adec:decorative xmlns:adec="http://schemas.microsoft.com/office/drawing/2017/decorative" xmlns="" val="1"/>
                 </a:ext>
               </a:extLst>
             </p:cNvPr>
@@ -7249,7 +7249,7 @@
                   <a16:creationId xmlns:a16="http://schemas.microsoft.com/office/drawing/2014/main" id="{6D2EA3B9-3D17-4510-8464-E74F67267C00}"/>
                 </a:ext>
                 <a:ext uri="{C183D7F6-B498-43B3-948B-1728B52AA6E4}">
-                  <adec:decorative xmlns="" xmlns:adec="http://schemas.microsoft.com/office/drawing/2017/decorative" val="1"/>
+                  <adec:decorative xmlns:adec="http://schemas.microsoft.com/office/drawing/2017/decorative" xmlns="" val="1"/>
                 </a:ext>
               </a:extLst>
             </p:cNvPr>
@@ -7301,7 +7301,7 @@
                   <a16:creationId xmlns:a16="http://schemas.microsoft.com/office/drawing/2014/main" id="{AA5DFA43-F31D-4C31-8826-6B40A21CF9AD}"/>
                 </a:ext>
                 <a:ext uri="{C183D7F6-B498-43B3-948B-1728B52AA6E4}">
-                  <adec:decorative xmlns="" xmlns:adec="http://schemas.microsoft.com/office/drawing/2017/decorative" val="1"/>
+                  <adec:decorative xmlns:adec="http://schemas.microsoft.com/office/drawing/2017/decorative" xmlns="" val="1"/>
                 </a:ext>
               </a:extLst>
             </p:cNvPr>
@@ -10795,7 +10795,15 @@
             </a:r>
             <a:r>
               <a:rPr lang="en-US" altLang="zh-TW" dirty="0" smtClean="0"/>
-              <a:t> Spacy.TextRecognizer</a:t>
+              <a:t> </a:t>
+            </a:r>
+            <a:r>
+              <a:rPr lang="en-US" altLang="zh-TW" dirty="0" err="1" smtClean="0"/>
+              <a:t>Spacy</a:t>
+            </a:r>
+            <a:r>
+              <a:rPr lang="en-US" altLang="zh-TW" dirty="0" err="1" smtClean="0"/>
+              <a:t>.TextCategorizer</a:t>
             </a:r>
             <a:endParaRPr lang="zh-TW" altLang="en-US" dirty="0"/>
           </a:p>
@@ -11210,7 +11218,21 @@
                   <a:latin typeface="Microsoft JhengHei UI" panose="020B0604030504040204" pitchFamily="34" charset="-120"/>
                   <a:ea typeface="Microsoft JhengHei UI" panose="020B0604030504040204" pitchFamily="34" charset="-120"/>
                 </a:rPr>
-                <a:t>Spacy.TextRecognizer</a:t>
+                <a:t>Spacy</a:t>
+              </a:r>
+              <a:r>
+                <a:rPr lang="en-US" sz="1600" dirty="0" smtClean="0">
+                  <a:latin typeface="Microsoft JhengHei UI" panose="020B0604030504040204" pitchFamily="34" charset="-120"/>
+                  <a:ea typeface="Microsoft JhengHei UI" panose="020B0604030504040204" pitchFamily="34" charset="-120"/>
+                </a:rPr>
+                <a:t>.</a:t>
+              </a:r>
+              <a:r>
+                <a:rPr lang="en-US" sz="1600" dirty="0" err="1" smtClean="0">
+                  <a:latin typeface="Microsoft JhengHei UI" panose="020B0604030504040204" pitchFamily="34" charset="-120"/>
+                  <a:ea typeface="Microsoft JhengHei UI" panose="020B0604030504040204" pitchFamily="34" charset="-120"/>
+                </a:rPr>
+                <a:t>TextCategorizer</a:t>
               </a:r>
               <a:endParaRPr lang="en-US" sz="1600" kern="1200" noProof="0" dirty="0">
                 <a:latin typeface="Microsoft JhengHei UI" panose="020B0604030504040204" pitchFamily="34" charset="-120"/>
@@ -16563,14 +16585,7 @@
                 <a:latin typeface="Microsoft JhengHei UI" panose="020B0604030504040204" pitchFamily="34" charset="-120"/>
                 <a:ea typeface="Microsoft JhengHei UI" panose="020B0604030504040204" pitchFamily="34" charset="-120"/>
               </a:rPr>
-              <a:t>Redesign and reduce word vector</a:t>
-            </a:r>
-            <a:r>
-              <a:rPr lang="en-US" altLang="zh-TW" sz="1600" dirty="0" smtClean="0">
-                <a:latin typeface="Microsoft JhengHei UI" panose="020B0604030504040204" pitchFamily="34" charset="-120"/>
-                <a:ea typeface="Microsoft JhengHei UI" panose="020B0604030504040204" pitchFamily="34" charset="-120"/>
-              </a:rPr>
-              <a:t>.</a:t>
+              <a:t>Redesign and reduce word vector.</a:t>
             </a:r>
           </a:p>
           <a:p>
@@ -21727,9 +21742,14 @@
           <a:p>
             <a:pPr algn="ctr"/>
             <a:r>
-              <a:rPr lang="en-US" altLang="zh-TW" sz="1400" dirty="0" smtClean="0"/>
-              <a:t>Spacy.TextRecognizer</a:t>
-            </a:r>
+              <a:rPr lang="en-US" altLang="zh-TW" sz="1400" dirty="0" err="1" smtClean="0"/>
+              <a:t>Spacy</a:t>
+            </a:r>
+            <a:r>
+              <a:rPr lang="en-US" altLang="zh-TW" sz="1400" dirty="0" err="1" smtClean="0"/>
+              <a:t>.TextCategorizer</a:t>
+            </a:r>
+            <a:endParaRPr lang="en-US" altLang="zh-TW" sz="1400" dirty="0" smtClean="0"/>
           </a:p>
           <a:p>
             <a:pPr algn="ctr"/>
@@ -26089,23 +26109,6 @@
 </file>
 
 <file path=customXml/item1.xml><?xml version="1.0" encoding="utf-8"?>
-<p:properties xmlns:p="http://schemas.microsoft.com/office/2006/metadata/properties" xmlns:xsi="http://www.w3.org/2001/XMLSchema-instance" xmlns:pc="http://schemas.microsoft.com/office/infopath/2007/PartnerControls">
-  <documentManagement>
-    <MediaServiceKeyPoints xmlns="71af3243-3dd4-4a8d-8c0d-dd76da1f02a5" xsi:nil="true"/>
-  </documentManagement>
-</p:properties>
-</file>
-
-<file path=customXml/item2.xml><?xml version="1.0" encoding="utf-8"?>
-<?mso-contentType ?>
-<FormTemplates xmlns="http://schemas.microsoft.com/sharepoint/v3/contenttype/forms">
-  <Display>DocumentLibraryForm</Display>
-  <Edit>DocumentLibraryForm</Edit>
-  <New>DocumentLibraryForm</New>
-</FormTemplates>
-</file>
-
-<file path=customXml/item3.xml><?xml version="1.0" encoding="utf-8"?>
 <ct:contentTypeSchema xmlns:ct="http://schemas.microsoft.com/office/2006/metadata/contentType" xmlns:ma="http://schemas.microsoft.com/office/2006/metadata/properties/metaAttributes" ct:_="" ma:_="" ma:contentTypeName="Document" ma:contentTypeID="0x01010079F111ED35F8CC479449609E8A0923A6" ma:contentTypeVersion="11" ma:contentTypeDescription="Create a new document." ma:contentTypeScope="" ma:versionID="9677210f24a1be23c92c90fd886aa0aa">
   <xsd:schema xmlns:xsd="http://www.w3.org/2001/XMLSchema" xmlns:xs="http://www.w3.org/2001/XMLSchema" xmlns:p="http://schemas.microsoft.com/office/2006/metadata/properties" xmlns:ns2="71af3243-3dd4-4a8d-8c0d-dd76da1f02a5" xmlns:ns3="16c05727-aa75-4e4a-9b5f-8a80a1165891" targetNamespace="http://schemas.microsoft.com/office/2006/metadata/properties" ma:root="true" ma:fieldsID="60e05723c5c1908df1a1a4ebf11d344e" ns2:_="" ns3:_="">
     <xsd:import namespace="71af3243-3dd4-4a8d-8c0d-dd76da1f02a5"/>
@@ -26316,25 +26319,24 @@
 </ct:contentTypeSchema>
 </file>
 
-<file path=customXml/itemProps1.xml><?xml version="1.0" encoding="utf-8"?>
-<ds:datastoreItem xmlns:ds="http://schemas.openxmlformats.org/officeDocument/2006/customXml" ds:itemID="{AA7F0652-397B-4F71-B75E-207A80EB2786}">
-  <ds:schemaRefs>
-    <ds:schemaRef ds:uri="http://schemas.microsoft.com/office/2006/metadata/properties"/>
-    <ds:schemaRef ds:uri="http://schemas.microsoft.com/office/infopath/2007/PartnerControls"/>
-    <ds:schemaRef ds:uri="71af3243-3dd4-4a8d-8c0d-dd76da1f02a5"/>
-  </ds:schemaRefs>
-</ds:datastoreItem>
+<file path=customXml/item2.xml><?xml version="1.0" encoding="utf-8"?>
+<?mso-contentType ?>
+<FormTemplates xmlns="http://schemas.microsoft.com/sharepoint/v3/contenttype/forms">
+  <Display>DocumentLibraryForm</Display>
+  <Edit>DocumentLibraryForm</Edit>
+  <New>DocumentLibraryForm</New>
+</FormTemplates>
 </file>
 
-<file path=customXml/itemProps2.xml><?xml version="1.0" encoding="utf-8"?>
-<ds:datastoreItem xmlns:ds="http://schemas.openxmlformats.org/officeDocument/2006/customXml" ds:itemID="{D1CAB62D-49E5-4271-85C6-1466970BAB69}">
-  <ds:schemaRefs>
-    <ds:schemaRef ds:uri="http://schemas.microsoft.com/sharepoint/v3/contenttype/forms"/>
-  </ds:schemaRefs>
-</ds:datastoreItem>
+<file path=customXml/item3.xml><?xml version="1.0" encoding="utf-8"?>
+<p:properties xmlns:p="http://schemas.microsoft.com/office/2006/metadata/properties" xmlns:xsi="http://www.w3.org/2001/XMLSchema-instance" xmlns:pc="http://schemas.microsoft.com/office/infopath/2007/PartnerControls">
+  <documentManagement>
+    <MediaServiceKeyPoints xmlns="71af3243-3dd4-4a8d-8c0d-dd76da1f02a5" xsi:nil="true"/>
+  </documentManagement>
+</p:properties>
 </file>
 
-<file path=customXml/itemProps3.xml><?xml version="1.0" encoding="utf-8"?>
+<file path=customXml/itemProps1.xml><?xml version="1.0" encoding="utf-8"?>
 <ds:datastoreItem xmlns:ds="http://schemas.openxmlformats.org/officeDocument/2006/customXml" ds:itemID="{D5A32ED2-6DBA-4E14-851E-DE5772C902F3}">
   <ds:schemaRefs>
     <ds:schemaRef ds:uri="http://schemas.microsoft.com/office/2006/metadata/contentType"/>
@@ -26351,4 +26353,29 @@
     <ds:schemaRef ds:uri="http://schemas.microsoft.com/internal/obd"/>
   </ds:schemaRefs>
 </ds:datastoreItem>
+</file>
+
+<file path=customXml/itemProps2.xml><?xml version="1.0" encoding="utf-8"?>
+<ds:datastoreItem xmlns:ds="http://schemas.openxmlformats.org/officeDocument/2006/customXml" ds:itemID="{D1CAB62D-49E5-4271-85C6-1466970BAB69}">
+  <ds:schemaRefs>
+    <ds:schemaRef ds:uri="http://schemas.microsoft.com/sharepoint/v3/contenttype/forms"/>
+  </ds:schemaRefs>
+</ds:datastoreItem>
+</file>
+
+<file path=customXml/itemProps3.xml><?xml version="1.0" encoding="utf-8"?>
+<ds:datastoreItem xmlns:ds="http://schemas.openxmlformats.org/officeDocument/2006/customXml" ds:itemID="{AA7F0652-397B-4F71-B75E-207A80EB2786}">
+  <ds:schemaRefs>
+    <ds:schemaRef ds:uri="http://www.w3.org/XML/1998/namespace"/>
+    <ds:schemaRef ds:uri="http://schemas.microsoft.com/office/infopath/2007/PartnerControls"/>
+    <ds:schemaRef ds:uri="http://purl.org/dc/dcmitype/"/>
+    <ds:schemaRef ds:uri="http://schemas.microsoft.com/office/2006/metadata/properties"/>
+    <ds:schemaRef ds:uri="http://schemas.openxmlformats.org/package/2006/metadata/core-properties"/>
+    <ds:schemaRef ds:uri="http://purl.org/dc/elements/1.1/"/>
+    <ds:schemaRef ds:uri="http://schemas.microsoft.com/office/2006/documentManagement/types"/>
+    <ds:schemaRef ds:uri="16c05727-aa75-4e4a-9b5f-8a80a1165891"/>
+    <ds:schemaRef ds:uri="71af3243-3dd4-4a8d-8c0d-dd76da1f02a5"/>
+    <ds:schemaRef ds:uri="http://purl.org/dc/terms/"/>
+  </ds:schemaRefs>
+</ds:datastoreItem>
 </file>
--- a/Case_Presentation_1/ppt/case1_CT_02.pptx
+++ b/Case_Presentation_1/ppt/case1_CT_02.pptx
@@ -6812,7 +6812,7 @@
                 <a16:creationId xmlns:a16="http://schemas.microsoft.com/office/drawing/2014/main" id="{683F1FFD-1AA8-4EC2-97B9-FEC7564F489B}"/>
               </a:ext>
               <a:ext uri="{C183D7F6-B498-43B3-948B-1728B52AA6E4}">
-                <adec:decorative xmlns:adec="http://schemas.microsoft.com/office/drawing/2017/decorative" xmlns="" val="1"/>
+                <adec:decorative xmlns="" xmlns:adec="http://schemas.microsoft.com/office/drawing/2017/decorative" val="1"/>
               </a:ext>
             </a:extLst>
           </p:cNvPr>
@@ -6910,7 +6910,7 @@
                 <a16:creationId xmlns:a16="http://schemas.microsoft.com/office/drawing/2014/main" id="{8FF0F8A7-C9E3-49D9-A67E-09FF582C7821}"/>
               </a:ext>
               <a:ext uri="{C183D7F6-B498-43B3-948B-1728B52AA6E4}">
-                <adec:decorative xmlns:adec="http://schemas.microsoft.com/office/drawing/2017/decorative" xmlns="" val="1"/>
+                <adec:decorative xmlns="" xmlns:adec="http://schemas.microsoft.com/office/drawing/2017/decorative" val="1"/>
               </a:ext>
             </a:extLst>
           </p:cNvPr>
@@ -7079,8 +7079,15 @@
                 <a:latin typeface="Microsoft JhengHei UI" panose="020B0604030504040204" pitchFamily="34" charset="-120"/>
                 <a:ea typeface="Microsoft JhengHei UI" panose="020B0604030504040204" pitchFamily="34" charset="-120"/>
               </a:rPr>
-              <a:t>Group3</a:t>
-            </a:r>
+              <a:t>Group2</a:t>
+            </a:r>
+            <a:endParaRPr lang="en-US" altLang="zh-TW" dirty="0" smtClean="0">
+              <a:solidFill>
+                <a:srgbClr val="EBEBEB"/>
+              </a:solidFill>
+              <a:latin typeface="Microsoft JhengHei UI" panose="020B0604030504040204" pitchFamily="34" charset="-120"/>
+              <a:ea typeface="Microsoft JhengHei UI" panose="020B0604030504040204" pitchFamily="34" charset="-120"/>
+            </a:endParaRPr>
           </a:p>
           <a:p>
             <a:pPr rtl="0"/>
@@ -7166,7 +7173,7 @@
                 <a16:creationId xmlns:a16="http://schemas.microsoft.com/office/drawing/2014/main" id="{A4274C20-A98B-4AC3-B16A-B7F41CB582DC}"/>
               </a:ext>
               <a:ext uri="{C183D7F6-B498-43B3-948B-1728B52AA6E4}">
-                <adec:decorative xmlns:adec="http://schemas.microsoft.com/office/drawing/2017/decorative" xmlns="" val="1"/>
+                <adec:decorative xmlns="" xmlns:adec="http://schemas.microsoft.com/office/drawing/2017/decorative" val="1"/>
               </a:ext>
             </a:extLst>
           </p:cNvPr>
@@ -7197,7 +7204,7 @@
                   <a16:creationId xmlns:a16="http://schemas.microsoft.com/office/drawing/2014/main" id="{43ECC69B-2243-424A-8237-CF490F8B06C1}"/>
                 </a:ext>
                 <a:ext uri="{C183D7F6-B498-43B3-948B-1728B52AA6E4}">
-                  <adec:decorative xmlns:adec="http://schemas.microsoft.com/office/drawing/2017/decorative" xmlns="" val="1"/>
+                  <adec:decorative xmlns="" xmlns:adec="http://schemas.microsoft.com/office/drawing/2017/decorative" val="1"/>
                 </a:ext>
               </a:extLst>
             </p:cNvPr>
@@ -7249,7 +7256,7 @@
                   <a16:creationId xmlns:a16="http://schemas.microsoft.com/office/drawing/2014/main" id="{6D2EA3B9-3D17-4510-8464-E74F67267C00}"/>
                 </a:ext>
                 <a:ext uri="{C183D7F6-B498-43B3-948B-1728B52AA6E4}">
-                  <adec:decorative xmlns:adec="http://schemas.microsoft.com/office/drawing/2017/decorative" xmlns="" val="1"/>
+                  <adec:decorative xmlns="" xmlns:adec="http://schemas.microsoft.com/office/drawing/2017/decorative" val="1"/>
                 </a:ext>
               </a:extLst>
             </p:cNvPr>
@@ -7301,7 +7308,7 @@
                   <a16:creationId xmlns:a16="http://schemas.microsoft.com/office/drawing/2014/main" id="{AA5DFA43-F31D-4C31-8826-6B40A21CF9AD}"/>
                 </a:ext>
                 <a:ext uri="{C183D7F6-B498-43B3-948B-1728B52AA6E4}">
-                  <adec:decorative xmlns:adec="http://schemas.microsoft.com/office/drawing/2017/decorative" xmlns="" val="1"/>
+                  <adec:decorative xmlns="" xmlns:adec="http://schemas.microsoft.com/office/drawing/2017/decorative" val="1"/>
                 </a:ext>
               </a:extLst>
             </p:cNvPr>
@@ -9189,7 +9196,24 @@
                 <a:latin typeface="Microsoft JhengHei UI" panose="020B0604030504040204" pitchFamily="34" charset="-120"/>
                 <a:ea typeface="Microsoft JhengHei UI" panose="020B0604030504040204" pitchFamily="34" charset="-120"/>
               </a:rPr>
-              <a:t>Calculate the average vector of the article and use it as the article </a:t>
+              <a:t>Calculate the </a:t>
+            </a:r>
+            <a:r>
+              <a:rPr lang="en-US" altLang="zh-TW" sz="1600" dirty="0">
+                <a:solidFill>
+                  <a:srgbClr val="FFC000"/>
+                </a:solidFill>
+                <a:latin typeface="Microsoft JhengHei UI" panose="020B0604030504040204" pitchFamily="34" charset="-120"/>
+                <a:ea typeface="Microsoft JhengHei UI" panose="020B0604030504040204" pitchFamily="34" charset="-120"/>
+              </a:rPr>
+              <a:t>average</a:t>
+            </a:r>
+            <a:r>
+              <a:rPr lang="en-US" altLang="zh-TW" sz="1600" dirty="0">
+                <a:latin typeface="Microsoft JhengHei UI" panose="020B0604030504040204" pitchFamily="34" charset="-120"/>
+                <a:ea typeface="Microsoft JhengHei UI" panose="020B0604030504040204" pitchFamily="34" charset="-120"/>
+              </a:rPr>
+              <a:t> vector of the article and use it as the article </a:t>
             </a:r>
             <a:r>
               <a:rPr lang="en-US" altLang="zh-TW" sz="1600" dirty="0" smtClean="0">
@@ -9231,7 +9255,24 @@
                 <a:latin typeface="Microsoft JhengHei UI" panose="020B0604030504040204" pitchFamily="34" charset="-120"/>
                 <a:ea typeface="Microsoft JhengHei UI" panose="020B0604030504040204" pitchFamily="34" charset="-120"/>
               </a:rPr>
-              <a:t>Calculate the weight vector of the article, give the weight to the key words, and use it as the article </a:t>
+              <a:t>Calculate the </a:t>
+            </a:r>
+            <a:r>
+              <a:rPr lang="en-US" altLang="zh-TW" sz="1600" dirty="0">
+                <a:solidFill>
+                  <a:srgbClr val="FFC000"/>
+                </a:solidFill>
+                <a:latin typeface="Microsoft JhengHei UI" panose="020B0604030504040204" pitchFamily="34" charset="-120"/>
+                <a:ea typeface="Microsoft JhengHei UI" panose="020B0604030504040204" pitchFamily="34" charset="-120"/>
+              </a:rPr>
+              <a:t>weight vector </a:t>
+            </a:r>
+            <a:r>
+              <a:rPr lang="en-US" altLang="zh-TW" sz="1600" dirty="0">
+                <a:latin typeface="Microsoft JhengHei UI" panose="020B0604030504040204" pitchFamily="34" charset="-120"/>
+                <a:ea typeface="Microsoft JhengHei UI" panose="020B0604030504040204" pitchFamily="34" charset="-120"/>
+              </a:rPr>
+              <a:t>of the article, give the weight to the key words, and use it as the article </a:t>
             </a:r>
             <a:r>
               <a:rPr lang="en-US" altLang="zh-TW" sz="1600" dirty="0" smtClean="0">
@@ -10799,11 +10840,7 @@
             </a:r>
             <a:r>
               <a:rPr lang="en-US" altLang="zh-TW" dirty="0" err="1" smtClean="0"/>
-              <a:t>Spacy</a:t>
-            </a:r>
-            <a:r>
-              <a:rPr lang="en-US" altLang="zh-TW" dirty="0" err="1" smtClean="0"/>
-              <a:t>.TextCategorizer</a:t>
+              <a:t>Spacy.TextCategorizer</a:t>
             </a:r>
             <a:endParaRPr lang="zh-TW" altLang="en-US" dirty="0"/>
           </a:p>
@@ -20320,7 +20357,7 @@
               <a:buChar char="•"/>
             </a:pPr>
             <a:r>
-              <a:rPr lang="en-US" altLang="zh-TW" sz="1600" dirty="0">
+              <a:rPr lang="en-US" altLang="zh-TW" sz="1600" dirty="0" smtClean="0">
                 <a:latin typeface="Microsoft JhengHei UI" panose="020B0604030504040204" pitchFamily="34" charset="-120"/>
                 <a:ea typeface="Microsoft JhengHei UI" panose="020B0604030504040204" pitchFamily="34" charset="-120"/>
               </a:rPr>
@@ -20333,11 +20370,21 @@
               <a:buAutoNum type="arabicPeriod"/>
             </a:pPr>
             <a:r>
-              <a:rPr lang="en-US" altLang="zh-TW" sz="1600" dirty="0">
-                <a:latin typeface="Microsoft JhengHei UI" panose="020B0604030504040204" pitchFamily="34" charset="-120"/>
-                <a:ea typeface="Microsoft JhengHei UI" panose="020B0604030504040204" pitchFamily="34" charset="-120"/>
-              </a:rPr>
-              <a:t>Testing data based on intuitive judgement</a:t>
+              <a:rPr lang="en-US" altLang="zh-TW" sz="1600" dirty="0" smtClean="0">
+                <a:solidFill>
+                  <a:srgbClr val="FFC000"/>
+                </a:solidFill>
+                <a:latin typeface="Microsoft JhengHei UI" panose="020B0604030504040204" pitchFamily="34" charset="-120"/>
+                <a:ea typeface="Microsoft JhengHei UI" panose="020B0604030504040204" pitchFamily="34" charset="-120"/>
+              </a:rPr>
+              <a:t>Testing data </a:t>
+            </a:r>
+            <a:r>
+              <a:rPr lang="en-US" altLang="zh-TW" sz="1600" dirty="0" smtClean="0">
+                <a:latin typeface="Microsoft JhengHei UI" panose="020B0604030504040204" pitchFamily="34" charset="-120"/>
+                <a:ea typeface="Microsoft JhengHei UI" panose="020B0604030504040204" pitchFamily="34" charset="-120"/>
+              </a:rPr>
+              <a:t>based on intuitive judgement</a:t>
             </a:r>
           </a:p>
           <a:p>
@@ -20346,11 +20393,18 @@
               <a:buChar char="•"/>
             </a:pPr>
             <a:r>
+              <a:rPr lang="en-US" altLang="zh-TW" sz="1600" dirty="0" smtClean="0">
+                <a:latin typeface="Microsoft JhengHei UI" panose="020B0604030504040204" pitchFamily="34" charset="-120"/>
+                <a:ea typeface="Microsoft JhengHei UI" panose="020B0604030504040204" pitchFamily="34" charset="-120"/>
+              </a:rPr>
+              <a:t>Intuitive </a:t>
+            </a:r>
+            <a:r>
               <a:rPr lang="en-US" altLang="zh-TW" sz="1600" dirty="0">
                 <a:latin typeface="Microsoft JhengHei UI" panose="020B0604030504040204" pitchFamily="34" charset="-120"/>
                 <a:ea typeface="Microsoft JhengHei UI" panose="020B0604030504040204" pitchFamily="34" charset="-120"/>
               </a:rPr>
-              <a:t>Intuitive judgement: 200 cases obesity vs. 200 cases absence</a:t>
+              <a:t>judgement: 200 cases obesity vs. 200 cases absence</a:t>
             </a:r>
           </a:p>
         </p:txBody>
@@ -21181,19 +21235,19 @@
         <p:nvCxnSpPr>
           <p:cNvPr id="76" name="肘形接點 75"/>
           <p:cNvCxnSpPr>
-            <a:stCxn id="8" idx="2"/>
+            <a:stCxn id="9" idx="2"/>
             <a:endCxn id="71" idx="2"/>
           </p:cNvCxnSpPr>
           <p:nvPr/>
         </p:nvCxnSpPr>
         <p:spPr>
           <a:xfrm rot="16200000" flipH="1">
-            <a:off x="6189056" y="1655024"/>
-            <a:ext cx="589003" cy="5501611"/>
+            <a:off x="6781177" y="2247145"/>
+            <a:ext cx="641613" cy="4264759"/>
           </a:xfrm>
           <a:prstGeom prst="bentConnector3">
             <a:avLst>
-              <a:gd name="adj1" fmla="val 223490"/>
+              <a:gd name="adj1" fmla="val 218897"/>
             </a:avLst>
           </a:prstGeom>
           <a:ln>
@@ -21624,19 +21678,19 @@
         <p:nvCxnSpPr>
           <p:cNvPr id="124" name="肘形接點 123"/>
           <p:cNvCxnSpPr>
-            <a:stCxn id="8" idx="0"/>
+            <a:stCxn id="9" idx="0"/>
             <a:endCxn id="32" idx="0"/>
           </p:cNvCxnSpPr>
           <p:nvPr/>
         </p:nvCxnSpPr>
         <p:spPr>
           <a:xfrm rot="5400000" flipH="1" flipV="1">
-            <a:off x="6246582" y="446547"/>
-            <a:ext cx="443089" cy="5470748"/>
+            <a:off x="6832483" y="1097498"/>
+            <a:ext cx="508139" cy="4233896"/>
           </a:xfrm>
           <a:prstGeom prst="bentConnector3">
             <a:avLst>
-              <a:gd name="adj1" fmla="val 202246"/>
+              <a:gd name="adj1" fmla="val 237996"/>
             </a:avLst>
           </a:prstGeom>
           <a:ln>
@@ -21743,11 +21797,7 @@
             <a:pPr algn="ctr"/>
             <a:r>
               <a:rPr lang="en-US" altLang="zh-TW" sz="1400" dirty="0" err="1" smtClean="0"/>
-              <a:t>Spacy</a:t>
-            </a:r>
-            <a:r>
-              <a:rPr lang="en-US" altLang="zh-TW" sz="1400" dirty="0" err="1" smtClean="0"/>
-              <a:t>.TextCategorizer</a:t>
+              <a:t>Spacy.TextCategorizer</a:t>
             </a:r>
             <a:endParaRPr lang="en-US" altLang="zh-TW" sz="1400" dirty="0" smtClean="0"/>
           </a:p>
@@ -22222,6 +22272,48 @@
           </a:fontRef>
         </p:style>
       </p:cxnSp>
+      <p:sp>
+        <p:nvSpPr>
+          <p:cNvPr id="16" name="矩形 15"/>
+          <p:cNvSpPr/>
+          <p:nvPr/>
+        </p:nvSpPr>
+        <p:spPr>
+          <a:xfrm>
+            <a:off x="4742995" y="2979242"/>
+            <a:ext cx="570990" cy="369332"/>
+          </a:xfrm>
+          <a:prstGeom prst="rect">
+            <a:avLst/>
+          </a:prstGeom>
+        </p:spPr>
+        <p:txBody>
+          <a:bodyPr wrap="none">
+            <a:spAutoFit/>
+          </a:bodyPr>
+          <a:lstStyle/>
+          <a:p>
+            <a:pPr algn="ctr"/>
+            <a:r>
+              <a:rPr lang="en-US" altLang="zh-TW" dirty="0" smtClean="0">
+                <a:solidFill>
+                  <a:schemeClr val="bg1">
+                    <a:lumMod val="65000"/>
+                  </a:schemeClr>
+                </a:solidFill>
+              </a:rPr>
+              <a:t>10%</a:t>
+            </a:r>
+            <a:endParaRPr lang="en-US" altLang="zh-TW" dirty="0">
+              <a:solidFill>
+                <a:schemeClr val="bg1">
+                  <a:lumMod val="65000"/>
+                </a:schemeClr>
+              </a:solidFill>
+            </a:endParaRPr>
+          </a:p>
+        </p:txBody>
+      </p:sp>
     </p:spTree>
     <p:extLst>
       <p:ext uri="{BB962C8B-B14F-4D97-AF65-F5344CB8AC3E}">
@@ -26109,6 +26201,15 @@
 </file>
 
 <file path=customXml/item1.xml><?xml version="1.0" encoding="utf-8"?>
+<?mso-contentType ?>
+<FormTemplates xmlns="http://schemas.microsoft.com/sharepoint/v3/contenttype/forms">
+  <Display>DocumentLibraryForm</Display>
+  <Edit>DocumentLibraryForm</Edit>
+  <New>DocumentLibraryForm</New>
+</FormTemplates>
+</file>
+
+<file path=customXml/item2.xml><?xml version="1.0" encoding="utf-8"?>
 <ct:contentTypeSchema xmlns:ct="http://schemas.microsoft.com/office/2006/metadata/contentType" xmlns:ma="http://schemas.microsoft.com/office/2006/metadata/properties/metaAttributes" ct:_="" ma:_="" ma:contentTypeName="Document" ma:contentTypeID="0x01010079F111ED35F8CC479449609E8A0923A6" ma:contentTypeVersion="11" ma:contentTypeDescription="Create a new document." ma:contentTypeScope="" ma:versionID="9677210f24a1be23c92c90fd886aa0aa">
   <xsd:schema xmlns:xsd="http://www.w3.org/2001/XMLSchema" xmlns:xs="http://www.w3.org/2001/XMLSchema" xmlns:p="http://schemas.microsoft.com/office/2006/metadata/properties" xmlns:ns2="71af3243-3dd4-4a8d-8c0d-dd76da1f02a5" xmlns:ns3="16c05727-aa75-4e4a-9b5f-8a80a1165891" targetNamespace="http://schemas.microsoft.com/office/2006/metadata/properties" ma:root="true" ma:fieldsID="60e05723c5c1908df1a1a4ebf11d344e" ns2:_="" ns3:_="">
     <xsd:import namespace="71af3243-3dd4-4a8d-8c0d-dd76da1f02a5"/>
@@ -26319,15 +26420,6 @@
 </ct:contentTypeSchema>
 </file>
 
-<file path=customXml/item2.xml><?xml version="1.0" encoding="utf-8"?>
-<?mso-contentType ?>
-<FormTemplates xmlns="http://schemas.microsoft.com/sharepoint/v3/contenttype/forms">
-  <Display>DocumentLibraryForm</Display>
-  <Edit>DocumentLibraryForm</Edit>
-  <New>DocumentLibraryForm</New>
-</FormTemplates>
-</file>
-
 <file path=customXml/item3.xml><?xml version="1.0" encoding="utf-8"?>
 <p:properties xmlns:p="http://schemas.microsoft.com/office/2006/metadata/properties" xmlns:xsi="http://www.w3.org/2001/XMLSchema-instance" xmlns:pc="http://schemas.microsoft.com/office/infopath/2007/PartnerControls">
   <documentManagement>
@@ -26337,6 +26429,14 @@
 </file>
 
 <file path=customXml/itemProps1.xml><?xml version="1.0" encoding="utf-8"?>
+<ds:datastoreItem xmlns:ds="http://schemas.openxmlformats.org/officeDocument/2006/customXml" ds:itemID="{D1CAB62D-49E5-4271-85C6-1466970BAB69}">
+  <ds:schemaRefs>
+    <ds:schemaRef ds:uri="http://schemas.microsoft.com/sharepoint/v3/contenttype/forms"/>
+  </ds:schemaRefs>
+</ds:datastoreItem>
+</file>
+
+<file path=customXml/itemProps2.xml><?xml version="1.0" encoding="utf-8"?>
 <ds:datastoreItem xmlns:ds="http://schemas.openxmlformats.org/officeDocument/2006/customXml" ds:itemID="{D5A32ED2-6DBA-4E14-851E-DE5772C902F3}">
   <ds:schemaRefs>
     <ds:schemaRef ds:uri="http://schemas.microsoft.com/office/2006/metadata/contentType"/>
@@ -26351,14 +26451,6 @@
     <ds:schemaRef ds:uri="http://purl.org/dc/elements/1.1/"/>
     <ds:schemaRef ds:uri="http://purl.org/dc/terms/"/>
     <ds:schemaRef ds:uri="http://schemas.microsoft.com/internal/obd"/>
-  </ds:schemaRefs>
-</ds:datastoreItem>
-</file>
-
-<file path=customXml/itemProps2.xml><?xml version="1.0" encoding="utf-8"?>
-<ds:datastoreItem xmlns:ds="http://schemas.openxmlformats.org/officeDocument/2006/customXml" ds:itemID="{D1CAB62D-49E5-4271-85C6-1466970BAB69}">
-  <ds:schemaRefs>
-    <ds:schemaRef ds:uri="http://schemas.microsoft.com/sharepoint/v3/contenttype/forms"/>
   </ds:schemaRefs>
 </ds:datastoreItem>
 </file>
